--- a/Slides/04. Ngrok說明.pptx
+++ b/Slides/04. Ngrok說明.pptx
@@ -6,7 +6,7 @@
     <p:sldMasterId id="2147483660" r:id="rId2"/>
   </p:sldMasterIdLst>
   <p:notesMasterIdLst>
-    <p:notesMasterId r:id="rId64"/>
+    <p:notesMasterId r:id="rId63"/>
   </p:notesMasterIdLst>
   <p:sldIdLst>
     <p:sldId id="681" r:id="rId3"/>
@@ -44,32 +44,31 @@
     <p:sldId id="1353" r:id="rId35"/>
     <p:sldId id="1417" r:id="rId36"/>
     <p:sldId id="1358" r:id="rId37"/>
-    <p:sldId id="1413" r:id="rId38"/>
-    <p:sldId id="1414" r:id="rId39"/>
-    <p:sldId id="1415" r:id="rId40"/>
-    <p:sldId id="1352" r:id="rId41"/>
-    <p:sldId id="1357" r:id="rId42"/>
-    <p:sldId id="1412" r:id="rId43"/>
-    <p:sldId id="1359" r:id="rId44"/>
-    <p:sldId id="1360" r:id="rId45"/>
-    <p:sldId id="1361" r:id="rId46"/>
-    <p:sldId id="1362" r:id="rId47"/>
-    <p:sldId id="1363" r:id="rId48"/>
-    <p:sldId id="1364" r:id="rId49"/>
-    <p:sldId id="1365" r:id="rId50"/>
-    <p:sldId id="1366" r:id="rId51"/>
-    <p:sldId id="1367" r:id="rId52"/>
-    <p:sldId id="1368" r:id="rId53"/>
-    <p:sldId id="1369" r:id="rId54"/>
-    <p:sldId id="1370" r:id="rId55"/>
-    <p:sldId id="1371" r:id="rId56"/>
-    <p:sldId id="1372" r:id="rId57"/>
-    <p:sldId id="1373" r:id="rId58"/>
-    <p:sldId id="1374" r:id="rId59"/>
-    <p:sldId id="1375" r:id="rId60"/>
-    <p:sldId id="1376" r:id="rId61"/>
-    <p:sldId id="1377" r:id="rId62"/>
-    <p:sldId id="1378" r:id="rId63"/>
+    <p:sldId id="1414" r:id="rId38"/>
+    <p:sldId id="1415" r:id="rId39"/>
+    <p:sldId id="1352" r:id="rId40"/>
+    <p:sldId id="1357" r:id="rId41"/>
+    <p:sldId id="1412" r:id="rId42"/>
+    <p:sldId id="1359" r:id="rId43"/>
+    <p:sldId id="1360" r:id="rId44"/>
+    <p:sldId id="1361" r:id="rId45"/>
+    <p:sldId id="1362" r:id="rId46"/>
+    <p:sldId id="1363" r:id="rId47"/>
+    <p:sldId id="1364" r:id="rId48"/>
+    <p:sldId id="1365" r:id="rId49"/>
+    <p:sldId id="1366" r:id="rId50"/>
+    <p:sldId id="1367" r:id="rId51"/>
+    <p:sldId id="1368" r:id="rId52"/>
+    <p:sldId id="1369" r:id="rId53"/>
+    <p:sldId id="1370" r:id="rId54"/>
+    <p:sldId id="1371" r:id="rId55"/>
+    <p:sldId id="1372" r:id="rId56"/>
+    <p:sldId id="1373" r:id="rId57"/>
+    <p:sldId id="1374" r:id="rId58"/>
+    <p:sldId id="1375" r:id="rId59"/>
+    <p:sldId id="1376" r:id="rId60"/>
+    <p:sldId id="1377" r:id="rId61"/>
+    <p:sldId id="1378" r:id="rId62"/>
   </p:sldIdLst>
   <p:sldSz cx="9144000" cy="6858000" type="screen4x3"/>
   <p:notesSz cx="6858000" cy="9144000"/>
@@ -258,7 +257,7 @@
           <a:p>
             <a:fld id="{90CC8E63-1016-4C78-A51D-85D69DBCD8EF}" type="datetimeFigureOut">
               <a:rPr lang="zh-TW" altLang="en-US" smtClean="0"/>
-              <a:t>2024/12/3</a:t>
+              <a:t>2024/12/5</a:t>
             </a:fld>
             <a:endParaRPr lang="zh-TW" altLang="en-US"/>
           </a:p>
@@ -4930,7 +4929,7 @@
                 <a:tabLst/>
                 <a:defRPr/>
               </a:pPr>
-              <a:t>39</a:t>
+              <a:t>38</a:t>
             </a:fld>
             <a:endParaRPr kumimoji="0" lang="en-US" sz="1200" b="0" i="0" u="none" strike="noStrike" kern="1200" cap="none" spc="0" normalizeH="0" baseline="0" noProof="0" dirty="0">
               <a:ln>
@@ -5081,7 +5080,7 @@
                 <a:tabLst/>
                 <a:defRPr/>
               </a:pPr>
-              <a:t>42</a:t>
+              <a:t>41</a:t>
             </a:fld>
             <a:endParaRPr kumimoji="0" lang="en-US" sz="1200" b="0" i="0" u="none" strike="noStrike" kern="1200" cap="none" spc="0" normalizeH="0" baseline="0" noProof="0" dirty="0">
               <a:ln>
@@ -6154,7 +6153,7 @@
           <a:p>
             <a:fld id="{2E29796B-F55F-40BA-947E-19D03180300F}" type="datetimeFigureOut">
               <a:rPr lang="zh-TW" altLang="en-US" smtClean="0"/>
-              <a:t>2024/12/3</a:t>
+              <a:t>2024/12/5</a:t>
             </a:fld>
             <a:endParaRPr lang="zh-TW" altLang="en-US"/>
           </a:p>
@@ -6352,7 +6351,7 @@
           <a:p>
             <a:fld id="{2E29796B-F55F-40BA-947E-19D03180300F}" type="datetimeFigureOut">
               <a:rPr lang="zh-TW" altLang="en-US" smtClean="0"/>
-              <a:t>2024/12/3</a:t>
+              <a:t>2024/12/5</a:t>
             </a:fld>
             <a:endParaRPr lang="zh-TW" altLang="en-US"/>
           </a:p>
@@ -6560,7 +6559,7 @@
           <a:p>
             <a:fld id="{2E29796B-F55F-40BA-947E-19D03180300F}" type="datetimeFigureOut">
               <a:rPr lang="zh-TW" altLang="en-US" smtClean="0"/>
-              <a:t>2024/12/3</a:t>
+              <a:t>2024/12/5</a:t>
             </a:fld>
             <a:endParaRPr lang="zh-TW" altLang="en-US"/>
           </a:p>
@@ -6941,7 +6940,7 @@
                 </a:solidFill>
               </a:rPr>
               <a:pPr/>
-              <a:t>12/3/2024</a:t>
+              <a:t>12/5/2024</a:t>
             </a:fld>
             <a:endParaRPr kumimoji="0" lang="en-US" dirty="0"/>
           </a:p>
@@ -7172,7 +7171,7 @@
                 </a:solidFill>
               </a:rPr>
               <a:pPr/>
-              <a:t>12/3/2024</a:t>
+              <a:t>12/5/2024</a:t>
             </a:fld>
             <a:endParaRPr kumimoji="0" lang="en-US" dirty="0"/>
           </a:p>
@@ -7405,7 +7404,7 @@
                 </a:solidFill>
               </a:rPr>
               <a:pPr/>
-              <a:t>12/3/2024</a:t>
+              <a:t>12/5/2024</a:t>
             </a:fld>
             <a:endParaRPr kumimoji="0" lang="en-US" dirty="0"/>
           </a:p>
@@ -7887,7 +7886,7 @@
                 </a:solidFill>
               </a:rPr>
               <a:pPr/>
-              <a:t>12/3/2024</a:t>
+              <a:t>12/5/2024</a:t>
             </a:fld>
             <a:endParaRPr kumimoji="0" lang="en-US" dirty="0"/>
           </a:p>
@@ -8244,7 +8243,7 @@
                 </a:solidFill>
               </a:rPr>
               <a:pPr/>
-              <a:t>12/3/2024</a:t>
+              <a:t>12/5/2024</a:t>
             </a:fld>
             <a:endParaRPr kumimoji="0" lang="en-US" dirty="0"/>
           </a:p>
@@ -8607,7 +8606,7 @@
                 </a:solidFill>
               </a:rPr>
               <a:pPr/>
-              <a:t>12/3/2024</a:t>
+              <a:t>12/5/2024</a:t>
             </a:fld>
             <a:endParaRPr kumimoji="0" lang="en-US" dirty="0"/>
           </a:p>
@@ -8917,7 +8916,7 @@
                 </a:solidFill>
               </a:rPr>
               <a:pPr/>
-              <a:t>12/3/2024</a:t>
+              <a:t>12/5/2024</a:t>
             </a:fld>
             <a:endParaRPr kumimoji="0" lang="en-US" dirty="0"/>
           </a:p>
@@ -9112,7 +9111,7 @@
           <a:p>
             <a:fld id="{2E29796B-F55F-40BA-947E-19D03180300F}" type="datetimeFigureOut">
               <a:rPr lang="zh-TW" altLang="en-US" smtClean="0"/>
-              <a:t>2024/12/3</a:t>
+              <a:t>2024/12/5</a:t>
             </a:fld>
             <a:endParaRPr lang="zh-TW" altLang="en-US"/>
           </a:p>
@@ -9596,7 +9595,7 @@
                 </a:solidFill>
               </a:rPr>
               <a:pPr/>
-              <a:t>12/3/2024</a:t>
+              <a:t>12/5/2024</a:t>
             </a:fld>
             <a:endParaRPr kumimoji="0" lang="en-US" dirty="0"/>
           </a:p>
@@ -9992,7 +9991,7 @@
                 </a:solidFill>
               </a:rPr>
               <a:pPr/>
-              <a:t>12/3/2024</a:t>
+              <a:t>12/5/2024</a:t>
             </a:fld>
             <a:endParaRPr kumimoji="0" lang="en-US" dirty="0"/>
           </a:p>
@@ -10332,7 +10331,7 @@
                 </a:solidFill>
               </a:rPr>
               <a:pPr/>
-              <a:t>12/3/2024</a:t>
+              <a:t>12/5/2024</a:t>
             </a:fld>
             <a:endParaRPr kumimoji="0" lang="en-US" dirty="0"/>
           </a:p>
@@ -10913,7 +10912,7 @@
                 </a:solidFill>
               </a:rPr>
               <a:pPr/>
-              <a:t>12/3/2024</a:t>
+              <a:t>12/5/2024</a:t>
             </a:fld>
             <a:endParaRPr kumimoji="0" lang="en-US" dirty="0"/>
           </a:p>
@@ -11482,7 +11481,7 @@
                 </a:solidFill>
               </a:rPr>
               <a:pPr/>
-              <a:t>12/3/2024</a:t>
+              <a:t>12/5/2024</a:t>
             </a:fld>
             <a:endParaRPr kumimoji="0" lang="en-US" dirty="0"/>
           </a:p>
@@ -11946,7 +11945,7 @@
                 </a:solidFill>
               </a:rPr>
               <a:pPr/>
-              <a:t>12/3/2024</a:t>
+              <a:t>12/5/2024</a:t>
             </a:fld>
             <a:endParaRPr kumimoji="0" lang="en-US" dirty="0"/>
           </a:p>
@@ -12375,7 +12374,7 @@
                 </a:solidFill>
               </a:rPr>
               <a:pPr/>
-              <a:t>12/3/2024</a:t>
+              <a:t>12/5/2024</a:t>
             </a:fld>
             <a:endParaRPr kumimoji="0" lang="en-US" dirty="0"/>
           </a:p>
@@ -12884,7 +12883,7 @@
                 </a:solidFill>
               </a:rPr>
               <a:pPr/>
-              <a:t>12/3/2024</a:t>
+              <a:t>12/5/2024</a:t>
             </a:fld>
             <a:endParaRPr kumimoji="0" lang="en-US" dirty="0"/>
           </a:p>
@@ -13393,7 +13392,7 @@
                 </a:solidFill>
               </a:rPr>
               <a:pPr/>
-              <a:t>12/3/2024</a:t>
+              <a:t>12/5/2024</a:t>
             </a:fld>
             <a:endParaRPr kumimoji="0" lang="en-US" dirty="0"/>
           </a:p>
@@ -13614,7 +13613,7 @@
                 </a:solidFill>
               </a:rPr>
               <a:pPr/>
-              <a:t>12/3/2024</a:t>
+              <a:t>12/5/2024</a:t>
             </a:fld>
             <a:endParaRPr kumimoji="0" lang="en-US" dirty="0"/>
           </a:p>
@@ -13886,7 +13885,7 @@
           <a:p>
             <a:fld id="{2E29796B-F55F-40BA-947E-19D03180300F}" type="datetimeFigureOut">
               <a:rPr lang="zh-TW" altLang="en-US" smtClean="0"/>
-              <a:t>2024/12/3</a:t>
+              <a:t>2024/12/5</a:t>
             </a:fld>
             <a:endParaRPr lang="zh-TW" altLang="en-US"/>
           </a:p>
@@ -14222,7 +14221,7 @@
                 </a:solidFill>
               </a:rPr>
               <a:pPr/>
-              <a:t>12/3/2024</a:t>
+              <a:t>12/5/2024</a:t>
             </a:fld>
             <a:endParaRPr kumimoji="0" lang="en-US" dirty="0"/>
           </a:p>
@@ -14446,7 +14445,7 @@
                 </a:solidFill>
               </a:rPr>
               <a:pPr/>
-              <a:t>12/3/2024</a:t>
+              <a:t>12/5/2024</a:t>
             </a:fld>
             <a:endParaRPr kumimoji="0" lang="en-US" dirty="0"/>
           </a:p>
@@ -14627,7 +14626,7 @@
             <a:fld id="{ACB2EC6F-6501-4E04-BD6C-A8A6CABB2C5B}" type="datetimeFigureOut">
               <a:rPr kumimoji="0" lang="en-US" smtClean="0"/>
               <a:pPr/>
-              <a:t>12/3/2024</a:t>
+              <a:t>12/5/2024</a:t>
             </a:fld>
             <a:endParaRPr kumimoji="0" lang="en-US" dirty="0"/>
           </a:p>
@@ -14911,7 +14910,7 @@
           <a:p>
             <a:fld id="{2E29796B-F55F-40BA-947E-19D03180300F}" type="datetimeFigureOut">
               <a:rPr lang="zh-TW" altLang="en-US" smtClean="0"/>
-              <a:t>2024/12/3</a:t>
+              <a:t>2024/12/5</a:t>
             </a:fld>
             <a:endParaRPr lang="zh-TW" altLang="en-US"/>
           </a:p>
@@ -15323,7 +15322,7 @@
           <a:p>
             <a:fld id="{2E29796B-F55F-40BA-947E-19D03180300F}" type="datetimeFigureOut">
               <a:rPr lang="zh-TW" altLang="en-US" smtClean="0"/>
-              <a:t>2024/12/3</a:t>
+              <a:t>2024/12/5</a:t>
             </a:fld>
             <a:endParaRPr lang="zh-TW" altLang="en-US"/>
           </a:p>
@@ -15464,7 +15463,7 @@
           <a:p>
             <a:fld id="{2E29796B-F55F-40BA-947E-19D03180300F}" type="datetimeFigureOut">
               <a:rPr lang="zh-TW" altLang="en-US" smtClean="0"/>
-              <a:t>2024/12/3</a:t>
+              <a:t>2024/12/5</a:t>
             </a:fld>
             <a:endParaRPr lang="zh-TW" altLang="en-US"/>
           </a:p>
@@ -15577,7 +15576,7 @@
           <a:p>
             <a:fld id="{2E29796B-F55F-40BA-947E-19D03180300F}" type="datetimeFigureOut">
               <a:rPr lang="zh-TW" altLang="en-US" smtClean="0"/>
-              <a:t>2024/12/3</a:t>
+              <a:t>2024/12/5</a:t>
             </a:fld>
             <a:endParaRPr lang="zh-TW" altLang="en-US"/>
           </a:p>
@@ -15888,7 +15887,7 @@
           <a:p>
             <a:fld id="{2E29796B-F55F-40BA-947E-19D03180300F}" type="datetimeFigureOut">
               <a:rPr lang="zh-TW" altLang="en-US" smtClean="0"/>
-              <a:t>2024/12/3</a:t>
+              <a:t>2024/12/5</a:t>
             </a:fld>
             <a:endParaRPr lang="zh-TW" altLang="en-US"/>
           </a:p>
@@ -16176,7 +16175,7 @@
           <a:p>
             <a:fld id="{2E29796B-F55F-40BA-947E-19D03180300F}" type="datetimeFigureOut">
               <a:rPr lang="zh-TW" altLang="en-US" smtClean="0"/>
-              <a:t>2024/12/3</a:t>
+              <a:t>2024/12/5</a:t>
             </a:fld>
             <a:endParaRPr lang="zh-TW" altLang="en-US"/>
           </a:p>
@@ -16417,7 +16416,7 @@
           <a:p>
             <a:fld id="{2E29796B-F55F-40BA-947E-19D03180300F}" type="datetimeFigureOut">
               <a:rPr lang="zh-TW" altLang="en-US" smtClean="0"/>
-              <a:t>2024/12/3</a:t>
+              <a:t>2024/12/5</a:t>
             </a:fld>
             <a:endParaRPr lang="zh-TW" altLang="en-US"/>
           </a:p>
@@ -16989,7 +16988,7 @@
                 </a:solidFill>
               </a:rPr>
               <a:pPr/>
-              <a:t>12/3/2024</a:t>
+              <a:t>12/5/2024</a:t>
             </a:fld>
             <a:endParaRPr kumimoji="0" lang="en-US" sz="1200" dirty="0">
               <a:solidFill>
@@ -32749,10 +32748,10 @@
       </p:sp>
       <p:pic>
         <p:nvPicPr>
-          <p:cNvPr id="5" name="圖片 4">
+          <p:cNvPr id="4" name="圖片 3">
             <a:extLst>
               <a:ext uri="{FF2B5EF4-FFF2-40B4-BE49-F238E27FC236}">
-                <a16:creationId xmlns:a16="http://schemas.microsoft.com/office/drawing/2014/main" id="{8E57502E-939F-09DD-8481-BBA7F01C3E4B}"/>
+                <a16:creationId xmlns:a16="http://schemas.microsoft.com/office/drawing/2014/main" id="{ED5325AD-117D-B1A5-9CA2-F345383F43F1}"/>
               </a:ext>
             </a:extLst>
           </p:cNvPr>
@@ -32769,8 +32768,8 @@
         </p:blipFill>
         <p:spPr>
           <a:xfrm>
-            <a:off x="301051" y="2012117"/>
-            <a:ext cx="8763463" cy="4463633"/>
+            <a:off x="330601" y="1937187"/>
+            <a:ext cx="8213342" cy="3825543"/>
           </a:xfrm>
           <a:prstGeom prst="rect">
             <a:avLst/>
@@ -32911,7 +32910,7 @@
         <p:spPr>
           <a:xfrm>
             <a:off x="533400" y="1197528"/>
-            <a:ext cx="8077200" cy="584775"/>
+            <a:ext cx="8077200" cy="1077218"/>
           </a:xfrm>
           <a:prstGeom prst="rect">
             <a:avLst/>
@@ -32944,43 +32943,7 @@
                 <a:ea typeface="微軟正黑體" panose="020B0604030504040204" pitchFamily="34" charset="-120"/>
                 <a:cs typeface="Heiti TC Light"/>
               </a:rPr>
-              <a:t>可進入</a:t>
-            </a:r>
-            <a:r>
-              <a:rPr kumimoji="1" lang="en-US" altLang="zh-TW" sz="3200" dirty="0" err="1">
-                <a:solidFill>
-                  <a:prstClr val="white"/>
-                </a:solidFill>
-                <a:effectLst>
-                  <a:outerShdw blurRad="38100" dist="38100" dir="2700000" algn="tl">
-                    <a:srgbClr val="000000">
-                      <a:alpha val="43137"/>
-                    </a:srgbClr>
-                  </a:outerShdw>
-                </a:effectLst>
-                <a:latin typeface="微軟正黑體" panose="020B0604030504040204" pitchFamily="34" charset="-120"/>
-                <a:ea typeface="微軟正黑體" panose="020B0604030504040204" pitchFamily="34" charset="-120"/>
-                <a:cs typeface="Heiti TC Light"/>
-              </a:rPr>
-              <a:t>ngrok</a:t>
-            </a:r>
-            <a:r>
-              <a:rPr kumimoji="1" lang="zh-TW" altLang="en-US" sz="3200" dirty="0">
-                <a:solidFill>
-                  <a:prstClr val="white"/>
-                </a:solidFill>
-                <a:effectLst>
-                  <a:outerShdw blurRad="38100" dist="38100" dir="2700000" algn="tl">
-                    <a:srgbClr val="000000">
-                      <a:alpha val="43137"/>
-                    </a:srgbClr>
-                  </a:outerShdw>
-                </a:effectLst>
-                <a:latin typeface="微軟正黑體" panose="020B0604030504040204" pitchFamily="34" charset="-120"/>
-                <a:ea typeface="微軟正黑體" panose="020B0604030504040204" pitchFamily="34" charset="-120"/>
-                <a:cs typeface="Heiti TC Light"/>
-              </a:rPr>
-              <a:t>網頁查看連線情況</a:t>
+              <a:t>中斷連線。由於免費帳號一次只能有一個連線，所以在連線前要先確定斷線</a:t>
             </a:r>
             <a:endParaRPr kumimoji="1" lang="en-US" altLang="zh-TW" sz="3200" dirty="0">
               <a:solidFill>
@@ -33005,7 +32968,7 @@
           <p:cNvPr id="5" name="圖片 4">
             <a:extLst>
               <a:ext uri="{FF2B5EF4-FFF2-40B4-BE49-F238E27FC236}">
-                <a16:creationId xmlns:a16="http://schemas.microsoft.com/office/drawing/2014/main" id="{5C07DEB3-773D-6B09-2249-41244734DFBA}"/>
+                <a16:creationId xmlns:a16="http://schemas.microsoft.com/office/drawing/2014/main" id="{2B0A68E6-6F0B-A427-0493-478424B56157}"/>
               </a:ext>
             </a:extLst>
           </p:cNvPr>
@@ -33022,8 +32985,38 @@
         </p:blipFill>
         <p:spPr>
           <a:xfrm>
-            <a:off x="533400" y="1894203"/>
-            <a:ext cx="8196464" cy="4814934"/>
+            <a:off x="595967" y="2701290"/>
+            <a:ext cx="8012029" cy="3486150"/>
+          </a:xfrm>
+          <a:prstGeom prst="rect">
+            <a:avLst/>
+          </a:prstGeom>
+        </p:spPr>
+      </p:pic>
+      <p:pic>
+        <p:nvPicPr>
+          <p:cNvPr id="4" name="圖片 3">
+            <a:extLst>
+              <a:ext uri="{FF2B5EF4-FFF2-40B4-BE49-F238E27FC236}">
+                <a16:creationId xmlns:a16="http://schemas.microsoft.com/office/drawing/2014/main" id="{C397DB78-8934-6306-1AED-B0135581D401}"/>
+              </a:ext>
+            </a:extLst>
+          </p:cNvPr>
+          <p:cNvPicPr>
+            <a:picLocks noChangeAspect="1"/>
+          </p:cNvPicPr>
+          <p:nvPr/>
+        </p:nvPicPr>
+        <p:blipFill>
+          <a:blip r:embed="rId3"/>
+          <a:stretch>
+            <a:fillRect/>
+          </a:stretch>
+        </p:blipFill>
+        <p:spPr>
+          <a:xfrm>
+            <a:off x="0" y="2374997"/>
+            <a:ext cx="9144000" cy="4138736"/>
           </a:xfrm>
           <a:prstGeom prst="rect">
             <a:avLst/>
@@ -33033,7 +33026,7 @@
     </p:spTree>
     <p:extLst>
       <p:ext uri="{BB962C8B-B14F-4D97-AF65-F5344CB8AC3E}">
-        <p14:creationId xmlns:p14="http://schemas.microsoft.com/office/powerpoint/2010/main" val="2817541606"/>
+        <p14:creationId xmlns:p14="http://schemas.microsoft.com/office/powerpoint/2010/main" val="76291451"/>
       </p:ext>
     </p:extLst>
   </p:cSld>
@@ -33164,7 +33157,7 @@
         <p:spPr>
           <a:xfrm>
             <a:off x="533400" y="1197528"/>
-            <a:ext cx="8077200" cy="1077218"/>
+            <a:ext cx="8077200" cy="584775"/>
           </a:xfrm>
           <a:prstGeom prst="rect">
             <a:avLst/>
@@ -33197,32 +33190,71 @@
                 <a:ea typeface="微軟正黑體" panose="020B0604030504040204" pitchFamily="34" charset="-120"/>
                 <a:cs typeface="Heiti TC Light"/>
               </a:rPr>
-              <a:t>中斷連線。由於免費帳號一次只能有一個連線，所以在連線前要先確定斷線</a:t>
-            </a:r>
-            <a:endParaRPr kumimoji="1" lang="en-US" altLang="zh-TW" sz="3200" dirty="0">
-              <a:solidFill>
-                <a:prstClr val="white"/>
-              </a:solidFill>
-              <a:effectLst>
-                <a:outerShdw blurRad="38100" dist="38100" dir="2700000" algn="tl">
-                  <a:srgbClr val="000000">
-                    <a:alpha val="43137"/>
-                  </a:srgbClr>
-                </a:outerShdw>
-              </a:effectLst>
-              <a:latin typeface="微軟正黑體" panose="020B0604030504040204" pitchFamily="34" charset="-120"/>
-              <a:ea typeface="微軟正黑體" panose="020B0604030504040204" pitchFamily="34" charset="-120"/>
-              <a:cs typeface="Heiti TC Light"/>
-            </a:endParaRPr>
+              <a:t>也可在網頁上中斷</a:t>
+            </a:r>
+            <a:r>
+              <a:rPr kumimoji="1" lang="en-US" altLang="zh-TW" sz="3200" dirty="0">
+                <a:solidFill>
+                  <a:prstClr val="white"/>
+                </a:solidFill>
+                <a:effectLst>
+                  <a:outerShdw blurRad="38100" dist="38100" dir="2700000" algn="tl">
+                    <a:srgbClr val="000000">
+                      <a:alpha val="43137"/>
+                    </a:srgbClr>
+                  </a:outerShdw>
+                </a:effectLst>
+                <a:latin typeface="微軟正黑體" panose="020B0604030504040204" pitchFamily="34" charset="-120"/>
+                <a:ea typeface="微軟正黑體" panose="020B0604030504040204" pitchFamily="34" charset="-120"/>
+                <a:cs typeface="Heiti TC Light"/>
+              </a:rPr>
+              <a:t>(</a:t>
+            </a:r>
+            <a:r>
+              <a:rPr kumimoji="1" lang="zh-TW" altLang="en-US" sz="3200" dirty="0">
+                <a:solidFill>
+                  <a:prstClr val="white"/>
+                </a:solidFill>
+                <a:effectLst>
+                  <a:outerShdw blurRad="38100" dist="38100" dir="2700000" algn="tl">
+                    <a:srgbClr val="000000">
+                      <a:alpha val="43137"/>
+                    </a:srgbClr>
+                  </a:outerShdw>
+                </a:effectLst>
+                <a:latin typeface="微軟正黑體" panose="020B0604030504040204" pitchFamily="34" charset="-120"/>
+                <a:ea typeface="微軟正黑體" panose="020B0604030504040204" pitchFamily="34" charset="-120"/>
+                <a:cs typeface="Heiti TC Light"/>
+              </a:rPr>
+              <a:t>強迫中斷</a:t>
+            </a:r>
+            <a:r>
+              <a:rPr kumimoji="1" lang="en-US" altLang="zh-TW" sz="3200" dirty="0">
+                <a:solidFill>
+                  <a:prstClr val="white"/>
+                </a:solidFill>
+                <a:effectLst>
+                  <a:outerShdw blurRad="38100" dist="38100" dir="2700000" algn="tl">
+                    <a:srgbClr val="000000">
+                      <a:alpha val="43137"/>
+                    </a:srgbClr>
+                  </a:outerShdw>
+                </a:effectLst>
+                <a:latin typeface="微軟正黑體" panose="020B0604030504040204" pitchFamily="34" charset="-120"/>
+                <a:ea typeface="微軟正黑體" panose="020B0604030504040204" pitchFamily="34" charset="-120"/>
+                <a:cs typeface="Heiti TC Light"/>
+              </a:rPr>
+              <a:t>)</a:t>
+            </a:r>
           </a:p>
         </p:txBody>
       </p:sp>
       <p:pic>
         <p:nvPicPr>
-          <p:cNvPr id="5" name="圖片 4">
+          <p:cNvPr id="8" name="圖片 7">
             <a:extLst>
               <a:ext uri="{FF2B5EF4-FFF2-40B4-BE49-F238E27FC236}">
-                <a16:creationId xmlns:a16="http://schemas.microsoft.com/office/drawing/2014/main" id="{2B0A68E6-6F0B-A427-0493-478424B56157}"/>
+                <a16:creationId xmlns:a16="http://schemas.microsoft.com/office/drawing/2014/main" id="{96750AE6-CA16-5107-C379-F404F28CF8EF}"/>
               </a:ext>
             </a:extLst>
           </p:cNvPr>
@@ -33239,8 +33271,8 @@
         </p:blipFill>
         <p:spPr>
           <a:xfrm>
-            <a:off x="595967" y="2701290"/>
-            <a:ext cx="8012029" cy="3486150"/>
+            <a:off x="128105" y="2299657"/>
+            <a:ext cx="8952948" cy="3570378"/>
           </a:xfrm>
           <a:prstGeom prst="rect">
             <a:avLst/>
@@ -33250,7 +33282,7 @@
     </p:spTree>
     <p:extLst>
       <p:ext uri="{BB962C8B-B14F-4D97-AF65-F5344CB8AC3E}">
-        <p14:creationId xmlns:p14="http://schemas.microsoft.com/office/powerpoint/2010/main" val="76291451"/>
+        <p14:creationId xmlns:p14="http://schemas.microsoft.com/office/powerpoint/2010/main" val="347158388"/>
       </p:ext>
     </p:extLst>
   </p:cSld>
@@ -33282,43 +33314,31 @@
       </p:grpSpPr>
       <p:sp>
         <p:nvSpPr>
-          <p:cNvPr id="6" name="文字版面配置區 2">
-            <a:extLst>
-              <a:ext uri="{FF2B5EF4-FFF2-40B4-BE49-F238E27FC236}">
-                <a16:creationId xmlns:a16="http://schemas.microsoft.com/office/drawing/2014/main" id="{DC362AB1-BDCB-D11A-89BE-0A2EC77A4AD2}"/>
-              </a:ext>
-            </a:extLst>
-          </p:cNvPr>
-          <p:cNvSpPr txBox="1">
-            <a:spLocks/>
-          </p:cNvSpPr>
+          <p:cNvPr id="4" name="文字方塊 3"/>
+          <p:cNvSpPr txBox="1"/>
           <p:nvPr/>
         </p:nvSpPr>
         <p:spPr>
           <a:xfrm>
-            <a:off x="2755784" y="206928"/>
-            <a:ext cx="5662568" cy="990600"/>
+            <a:off x="783076" y="3013501"/>
+            <a:ext cx="7772400" cy="830997"/>
           </a:xfrm>
           <a:prstGeom prst="rect">
             <a:avLst/>
           </a:prstGeom>
-        </p:spPr>
-        <p:txBody>
-          <a:bodyPr tIns="91440" bIns="91440" anchor="b" anchorCtr="0">
-            <a:noAutofit/>
+          <a:noFill/>
+        </p:spPr>
+        <p:txBody>
+          <a:bodyPr wrap="square" rtlCol="0">
+            <a:spAutoFit/>
           </a:bodyPr>
           <a:lstStyle/>
           <a:p>
-            <a:pPr algn="just">
-              <a:spcBef>
-                <a:spcPct val="20000"/>
-              </a:spcBef>
-              <a:defRPr/>
-            </a:pPr>
-            <a:r>
-              <a:rPr lang="zh-TW" altLang="en-US" sz="4800" b="1" kern="0" dirty="0">
-                <a:solidFill>
-                  <a:srgbClr val="00B0F0"/>
+            <a:pPr algn="ctr"/>
+            <a:r>
+              <a:rPr kumimoji="1" lang="zh-TW" altLang="en-US" sz="4800" b="1" dirty="0">
+                <a:solidFill>
+                  <a:srgbClr val="FFFF00"/>
                 </a:solidFill>
                 <a:effectLst>
                   <a:outerShdw blurRad="38100" dist="38100" dir="2700000" algn="tl">
@@ -33329,13 +33349,14 @@
                 </a:effectLst>
                 <a:latin typeface="微軟正黑體" panose="020B0604030504040204" pitchFamily="34" charset="-120"/>
                 <a:ea typeface="微軟正黑體" panose="020B0604030504040204" pitchFamily="34" charset="-120"/>
+                <a:cs typeface="Arial"/>
               </a:rPr>
-              <a:t>執行</a:t>
-            </a:r>
-            <a:r>
-              <a:rPr lang="en-US" altLang="zh-TW" sz="4800" b="1" kern="0" dirty="0" err="1">
-                <a:solidFill>
-                  <a:srgbClr val="00B0F0"/>
+              <a:t>用</a:t>
+            </a:r>
+            <a:r>
+              <a:rPr kumimoji="1" lang="en-US" altLang="zh-TW" sz="4800" b="1" dirty="0">
+                <a:solidFill>
+                  <a:srgbClr val="FFFF00"/>
                 </a:solidFill>
                 <a:effectLst>
                   <a:outerShdw blurRad="38100" dist="38100" dir="2700000" algn="tl">
@@ -33346,12 +33367,49 @@
                 </a:effectLst>
                 <a:latin typeface="微軟正黑體" panose="020B0604030504040204" pitchFamily="34" charset="-120"/>
                 <a:ea typeface="微軟正黑體" panose="020B0604030504040204" pitchFamily="34" charset="-120"/>
+                <a:cs typeface="Arial"/>
+              </a:rPr>
+              <a:t>Flask</a:t>
+            </a:r>
+            <a:r>
+              <a:rPr kumimoji="1" lang="zh-TW" altLang="en-US" sz="4800" b="1" dirty="0">
+                <a:solidFill>
+                  <a:srgbClr val="FFFF00"/>
+                </a:solidFill>
+                <a:effectLst>
+                  <a:outerShdw blurRad="38100" dist="38100" dir="2700000" algn="tl">
+                    <a:srgbClr val="000000">
+                      <a:alpha val="43137"/>
+                    </a:srgbClr>
+                  </a:outerShdw>
+                </a:effectLst>
+                <a:latin typeface="微軟正黑體" panose="020B0604030504040204" pitchFamily="34" charset="-120"/>
+                <a:ea typeface="微軟正黑體" panose="020B0604030504040204" pitchFamily="34" charset="-120"/>
+                <a:cs typeface="Arial"/>
+              </a:rPr>
+              <a:t>測試</a:t>
+            </a:r>
+            <a:r>
+              <a:rPr kumimoji="1" lang="en-US" altLang="zh-TW" sz="4800" b="1" dirty="0" err="1">
+                <a:solidFill>
+                  <a:srgbClr val="FFFF00"/>
+                </a:solidFill>
+                <a:effectLst>
+                  <a:outerShdw blurRad="38100" dist="38100" dir="2700000" algn="tl">
+                    <a:srgbClr val="000000">
+                      <a:alpha val="43137"/>
+                    </a:srgbClr>
+                  </a:outerShdw>
+                </a:effectLst>
+                <a:latin typeface="微軟正黑體" panose="020B0604030504040204" pitchFamily="34" charset="-120"/>
+                <a:ea typeface="微軟正黑體" panose="020B0604030504040204" pitchFamily="34" charset="-120"/>
+                <a:cs typeface="Arial"/>
               </a:rPr>
               <a:t>ngrok</a:t>
             </a:r>
-            <a:endParaRPr lang="zh-TW" altLang="en-US" sz="4800" b="1" kern="0" dirty="0">
+            <a:endParaRPr kumimoji="1" lang="en-US" altLang="zh-TW" sz="4800" b="1" dirty="0">
               <a:solidFill>
-                <a:srgbClr val="00B0F0"/>
+                <a:srgbClr val="FFFF00"/>
               </a:solidFill>
               <a:effectLst>
                 <a:outerShdw blurRad="38100" dist="38100" dir="2700000" algn="tl">
@@ -33362,151 +33420,15 @@
               </a:effectLst>
               <a:latin typeface="微軟正黑體" panose="020B0604030504040204" pitchFamily="34" charset="-120"/>
               <a:ea typeface="微軟正黑體" panose="020B0604030504040204" pitchFamily="34" charset="-120"/>
+              <a:cs typeface="Arial"/>
             </a:endParaRPr>
           </a:p>
         </p:txBody>
       </p:sp>
-      <p:sp>
-        <p:nvSpPr>
-          <p:cNvPr id="2" name="文字方塊 1">
-            <a:extLst>
-              <a:ext uri="{FF2B5EF4-FFF2-40B4-BE49-F238E27FC236}">
-                <a16:creationId xmlns:a16="http://schemas.microsoft.com/office/drawing/2014/main" id="{178B99C9-F0FA-7E8E-5EC7-27E6EAB07462}"/>
-              </a:ext>
-            </a:extLst>
-          </p:cNvPr>
-          <p:cNvSpPr txBox="1"/>
-          <p:nvPr/>
-        </p:nvSpPr>
-        <p:spPr>
-          <a:xfrm>
-            <a:off x="533400" y="1197528"/>
-            <a:ext cx="8077200" cy="584775"/>
-          </a:xfrm>
-          <a:prstGeom prst="rect">
-            <a:avLst/>
-          </a:prstGeom>
-          <a:noFill/>
-        </p:spPr>
-        <p:txBody>
-          <a:bodyPr wrap="square" rtlCol="0">
-            <a:spAutoFit/>
-          </a:bodyPr>
-          <a:lstStyle/>
-          <a:p>
-            <a:pPr marL="514338" indent="-514338">
-              <a:buFont typeface="Arial" panose="020B0604020202020204" pitchFamily="34" charset="0"/>
-              <a:buChar char="•"/>
-            </a:pPr>
-            <a:r>
-              <a:rPr kumimoji="1" lang="zh-TW" altLang="en-US" sz="3200" dirty="0">
-                <a:solidFill>
-                  <a:prstClr val="white"/>
-                </a:solidFill>
-                <a:effectLst>
-                  <a:outerShdw blurRad="38100" dist="38100" dir="2700000" algn="tl">
-                    <a:srgbClr val="000000">
-                      <a:alpha val="43137"/>
-                    </a:srgbClr>
-                  </a:outerShdw>
-                </a:effectLst>
-                <a:latin typeface="微軟正黑體" panose="020B0604030504040204" pitchFamily="34" charset="-120"/>
-                <a:ea typeface="微軟正黑體" panose="020B0604030504040204" pitchFamily="34" charset="-120"/>
-                <a:cs typeface="Heiti TC Light"/>
-              </a:rPr>
-              <a:t>也可在網頁上中斷</a:t>
-            </a:r>
-            <a:r>
-              <a:rPr kumimoji="1" lang="en-US" altLang="zh-TW" sz="3200" dirty="0">
-                <a:solidFill>
-                  <a:prstClr val="white"/>
-                </a:solidFill>
-                <a:effectLst>
-                  <a:outerShdw blurRad="38100" dist="38100" dir="2700000" algn="tl">
-                    <a:srgbClr val="000000">
-                      <a:alpha val="43137"/>
-                    </a:srgbClr>
-                  </a:outerShdw>
-                </a:effectLst>
-                <a:latin typeface="微軟正黑體" panose="020B0604030504040204" pitchFamily="34" charset="-120"/>
-                <a:ea typeface="微軟正黑體" panose="020B0604030504040204" pitchFamily="34" charset="-120"/>
-                <a:cs typeface="Heiti TC Light"/>
-              </a:rPr>
-              <a:t>(</a:t>
-            </a:r>
-            <a:r>
-              <a:rPr kumimoji="1" lang="zh-TW" altLang="en-US" sz="3200" dirty="0">
-                <a:solidFill>
-                  <a:prstClr val="white"/>
-                </a:solidFill>
-                <a:effectLst>
-                  <a:outerShdw blurRad="38100" dist="38100" dir="2700000" algn="tl">
-                    <a:srgbClr val="000000">
-                      <a:alpha val="43137"/>
-                    </a:srgbClr>
-                  </a:outerShdw>
-                </a:effectLst>
-                <a:latin typeface="微軟正黑體" panose="020B0604030504040204" pitchFamily="34" charset="-120"/>
-                <a:ea typeface="微軟正黑體" panose="020B0604030504040204" pitchFamily="34" charset="-120"/>
-                <a:cs typeface="Heiti TC Light"/>
-              </a:rPr>
-              <a:t>強迫中斷</a:t>
-            </a:r>
-            <a:r>
-              <a:rPr kumimoji="1" lang="en-US" altLang="zh-TW" sz="3200" dirty="0">
-                <a:solidFill>
-                  <a:prstClr val="white"/>
-                </a:solidFill>
-                <a:effectLst>
-                  <a:outerShdw blurRad="38100" dist="38100" dir="2700000" algn="tl">
-                    <a:srgbClr val="000000">
-                      <a:alpha val="43137"/>
-                    </a:srgbClr>
-                  </a:outerShdw>
-                </a:effectLst>
-                <a:latin typeface="微軟正黑體" panose="020B0604030504040204" pitchFamily="34" charset="-120"/>
-                <a:ea typeface="微軟正黑體" panose="020B0604030504040204" pitchFamily="34" charset="-120"/>
-                <a:cs typeface="Heiti TC Light"/>
-              </a:rPr>
-              <a:t>)</a:t>
-            </a:r>
-          </a:p>
-        </p:txBody>
-      </p:sp>
-      <p:pic>
-        <p:nvPicPr>
-          <p:cNvPr id="8" name="圖片 7">
-            <a:extLst>
-              <a:ext uri="{FF2B5EF4-FFF2-40B4-BE49-F238E27FC236}">
-                <a16:creationId xmlns:a16="http://schemas.microsoft.com/office/drawing/2014/main" id="{96750AE6-CA16-5107-C379-F404F28CF8EF}"/>
-              </a:ext>
-            </a:extLst>
-          </p:cNvPr>
-          <p:cNvPicPr>
-            <a:picLocks noChangeAspect="1"/>
-          </p:cNvPicPr>
-          <p:nvPr/>
-        </p:nvPicPr>
-        <p:blipFill>
-          <a:blip r:embed="rId2"/>
-          <a:stretch>
-            <a:fillRect/>
-          </a:stretch>
-        </p:blipFill>
-        <p:spPr>
-          <a:xfrm>
-            <a:off x="128105" y="2299657"/>
-            <a:ext cx="8952948" cy="3570378"/>
-          </a:xfrm>
-          <a:prstGeom prst="rect">
-            <a:avLst/>
-          </a:prstGeom>
-        </p:spPr>
-      </p:pic>
     </p:spTree>
     <p:extLst>
       <p:ext uri="{BB962C8B-B14F-4D97-AF65-F5344CB8AC3E}">
-        <p14:creationId xmlns:p14="http://schemas.microsoft.com/office/powerpoint/2010/main" val="347158388"/>
+        <p14:creationId xmlns:p14="http://schemas.microsoft.com/office/powerpoint/2010/main" val="2781607243"/>
       </p:ext>
     </p:extLst>
   </p:cSld>
@@ -33538,31 +33460,43 @@
       </p:grpSpPr>
       <p:sp>
         <p:nvSpPr>
-          <p:cNvPr id="4" name="文字方塊 3"/>
-          <p:cNvSpPr txBox="1"/>
+          <p:cNvPr id="6" name="文字版面配置區 2">
+            <a:extLst>
+              <a:ext uri="{FF2B5EF4-FFF2-40B4-BE49-F238E27FC236}">
+                <a16:creationId xmlns:a16="http://schemas.microsoft.com/office/drawing/2014/main" id="{DC362AB1-BDCB-D11A-89BE-0A2EC77A4AD2}"/>
+              </a:ext>
+            </a:extLst>
+          </p:cNvPr>
+          <p:cNvSpPr txBox="1">
+            <a:spLocks/>
+          </p:cNvSpPr>
           <p:nvPr/>
         </p:nvSpPr>
         <p:spPr>
           <a:xfrm>
-            <a:off x="783076" y="3013501"/>
-            <a:ext cx="7772400" cy="830997"/>
+            <a:off x="1740716" y="349541"/>
+            <a:ext cx="5662568" cy="990600"/>
           </a:xfrm>
           <a:prstGeom prst="rect">
             <a:avLst/>
           </a:prstGeom>
-          <a:noFill/>
-        </p:spPr>
-        <p:txBody>
-          <a:bodyPr wrap="square" rtlCol="0">
-            <a:spAutoFit/>
+        </p:spPr>
+        <p:txBody>
+          <a:bodyPr tIns="91440" bIns="91440" anchor="b" anchorCtr="0">
+            <a:noAutofit/>
           </a:bodyPr>
           <a:lstStyle/>
           <a:p>
-            <a:pPr algn="ctr"/>
-            <a:r>
-              <a:rPr kumimoji="1" lang="zh-TW" altLang="en-US" sz="4800" b="1" dirty="0">
-                <a:solidFill>
-                  <a:srgbClr val="FFFF00"/>
+            <a:pPr algn="just">
+              <a:spcBef>
+                <a:spcPct val="20000"/>
+              </a:spcBef>
+              <a:defRPr/>
+            </a:pPr>
+            <a:r>
+              <a:rPr lang="zh-TW" altLang="en-US" sz="4800" b="1" kern="0" dirty="0">
+                <a:solidFill>
+                  <a:srgbClr val="00B0F0"/>
                 </a:solidFill>
                 <a:effectLst>
                   <a:outerShdw blurRad="38100" dist="38100" dir="2700000" algn="tl">
@@ -33573,14 +33507,13 @@
                 </a:effectLst>
                 <a:latin typeface="微軟正黑體" panose="020B0604030504040204" pitchFamily="34" charset="-120"/>
                 <a:ea typeface="微軟正黑體" panose="020B0604030504040204" pitchFamily="34" charset="-120"/>
-                <a:cs typeface="Arial"/>
               </a:rPr>
-              <a:t>用</a:t>
-            </a:r>
-            <a:r>
-              <a:rPr kumimoji="1" lang="en-US" altLang="zh-TW" sz="4800" b="1" dirty="0">
-                <a:solidFill>
-                  <a:srgbClr val="FFFF00"/>
+              <a:t>執行本機</a:t>
+            </a:r>
+            <a:r>
+              <a:rPr lang="en-US" altLang="zh-TW" sz="4800" b="1" kern="0" dirty="0">
+                <a:solidFill>
+                  <a:srgbClr val="00B0F0"/>
                 </a:solidFill>
                 <a:effectLst>
                   <a:outerShdw blurRad="38100" dist="38100" dir="2700000" algn="tl">
@@ -33591,14 +33524,13 @@
                 </a:effectLst>
                 <a:latin typeface="微軟正黑體" panose="020B0604030504040204" pitchFamily="34" charset="-120"/>
                 <a:ea typeface="微軟正黑體" panose="020B0604030504040204" pitchFamily="34" charset="-120"/>
-                <a:cs typeface="Arial"/>
               </a:rPr>
-              <a:t>Flask</a:t>
-            </a:r>
-            <a:r>
-              <a:rPr kumimoji="1" lang="zh-TW" altLang="en-US" sz="4800" b="1" dirty="0">
-                <a:solidFill>
-                  <a:srgbClr val="FFFF00"/>
+              <a:t>web</a:t>
+            </a:r>
+            <a:r>
+              <a:rPr lang="zh-TW" altLang="en-US" sz="4800" b="1" kern="0" dirty="0">
+                <a:solidFill>
+                  <a:srgbClr val="00B0F0"/>
                 </a:solidFill>
                 <a:effectLst>
                   <a:outerShdw blurRad="38100" dist="38100" dir="2700000" algn="tl">
@@ -33609,14 +33541,48 @@
                 </a:effectLst>
                 <a:latin typeface="微軟正黑體" panose="020B0604030504040204" pitchFamily="34" charset="-120"/>
                 <a:ea typeface="微軟正黑體" panose="020B0604030504040204" pitchFamily="34" charset="-120"/>
-                <a:cs typeface="Arial"/>
               </a:rPr>
-              <a:t>測試</a:t>
-            </a:r>
-            <a:r>
-              <a:rPr kumimoji="1" lang="en-US" altLang="zh-TW" sz="4800" b="1" dirty="0" err="1">
-                <a:solidFill>
-                  <a:srgbClr val="FFFF00"/>
+              <a:t>程式</a:t>
+            </a:r>
+          </a:p>
+        </p:txBody>
+      </p:sp>
+      <p:sp>
+        <p:nvSpPr>
+          <p:cNvPr id="2" name="文字方塊 1">
+            <a:extLst>
+              <a:ext uri="{FF2B5EF4-FFF2-40B4-BE49-F238E27FC236}">
+                <a16:creationId xmlns:a16="http://schemas.microsoft.com/office/drawing/2014/main" id="{A8C822C2-FCCD-9E77-0C1A-E849A310891E}"/>
+              </a:ext>
+            </a:extLst>
+          </p:cNvPr>
+          <p:cNvSpPr txBox="1"/>
+          <p:nvPr/>
+        </p:nvSpPr>
+        <p:spPr>
+          <a:xfrm>
+            <a:off x="615846" y="1340141"/>
+            <a:ext cx="8077200" cy="584775"/>
+          </a:xfrm>
+          <a:prstGeom prst="rect">
+            <a:avLst/>
+          </a:prstGeom>
+          <a:noFill/>
+        </p:spPr>
+        <p:txBody>
+          <a:bodyPr wrap="square" rtlCol="0">
+            <a:spAutoFit/>
+          </a:bodyPr>
+          <a:lstStyle/>
+          <a:p>
+            <a:pPr marL="514338" indent="-514338">
+              <a:buFont typeface="Arial" panose="020B0604020202020204" pitchFamily="34" charset="0"/>
+              <a:buChar char="•"/>
+            </a:pPr>
+            <a:r>
+              <a:rPr kumimoji="1" lang="zh-TW" altLang="en-US" sz="3200" dirty="0">
+                <a:solidFill>
+                  <a:prstClr val="white"/>
                 </a:solidFill>
                 <a:effectLst>
                   <a:outerShdw blurRad="38100" dist="38100" dir="2700000" algn="tl">
@@ -33627,13 +33593,49 @@
                 </a:effectLst>
                 <a:latin typeface="微軟正黑體" panose="020B0604030504040204" pitchFamily="34" charset="-120"/>
                 <a:ea typeface="微軟正黑體" panose="020B0604030504040204" pitchFamily="34" charset="-120"/>
-                <a:cs typeface="Arial"/>
+                <a:cs typeface="Heiti TC Light"/>
               </a:rPr>
-              <a:t>ngrok</a:t>
-            </a:r>
-            <a:endParaRPr kumimoji="1" lang="en-US" altLang="zh-TW" sz="4800" b="1" dirty="0">
+              <a:t>執行本課程的「</a:t>
+            </a:r>
+            <a:r>
+              <a:rPr kumimoji="1" lang="en-US" altLang="zh-TW" sz="3200" dirty="0">
+                <a:solidFill>
+                  <a:prstClr val="white"/>
+                </a:solidFill>
+                <a:effectLst>
+                  <a:outerShdw blurRad="38100" dist="38100" dir="2700000" algn="tl">
+                    <a:srgbClr val="000000">
+                      <a:alpha val="43137"/>
+                    </a:srgbClr>
+                  </a:outerShdw>
+                </a:effectLst>
+                <a:latin typeface="微軟正黑體" panose="020B0604030504040204" pitchFamily="34" charset="-120"/>
+                <a:ea typeface="微軟正黑體" panose="020B0604030504040204" pitchFamily="34" charset="-120"/>
+                <a:cs typeface="Heiti TC Light"/>
+              </a:rPr>
+              <a:t>0403_Flask.ipynb</a:t>
+            </a:r>
+            <a:r>
+              <a:rPr kumimoji="1" lang="zh-TW" altLang="en-US" sz="3200" dirty="0">
+                <a:solidFill>
+                  <a:prstClr val="white"/>
+                </a:solidFill>
+                <a:effectLst>
+                  <a:outerShdw blurRad="38100" dist="38100" dir="2700000" algn="tl">
+                    <a:srgbClr val="000000">
+                      <a:alpha val="43137"/>
+                    </a:srgbClr>
+                  </a:outerShdw>
+                </a:effectLst>
+                <a:latin typeface="微軟正黑體" panose="020B0604030504040204" pitchFamily="34" charset="-120"/>
+                <a:ea typeface="微軟正黑體" panose="020B0604030504040204" pitchFamily="34" charset="-120"/>
+                <a:cs typeface="Heiti TC Light"/>
+              </a:rPr>
+              <a:t>」</a:t>
+            </a:r>
+            <a:endParaRPr kumimoji="1" lang="en-US" altLang="zh-TW" sz="3200" dirty="0">
               <a:solidFill>
-                <a:srgbClr val="FFFF00"/>
+                <a:prstClr val="white"/>
               </a:solidFill>
               <a:effectLst>
                 <a:outerShdw blurRad="38100" dist="38100" dir="2700000" algn="tl">
@@ -33644,15 +33646,45 @@
               </a:effectLst>
               <a:latin typeface="微軟正黑體" panose="020B0604030504040204" pitchFamily="34" charset="-120"/>
               <a:ea typeface="微軟正黑體" panose="020B0604030504040204" pitchFamily="34" charset="-120"/>
-              <a:cs typeface="Arial"/>
+              <a:cs typeface="Heiti TC Light"/>
             </a:endParaRPr>
           </a:p>
         </p:txBody>
       </p:sp>
+      <p:pic>
+        <p:nvPicPr>
+          <p:cNvPr id="4" name="圖片 3">
+            <a:extLst>
+              <a:ext uri="{FF2B5EF4-FFF2-40B4-BE49-F238E27FC236}">
+                <a16:creationId xmlns:a16="http://schemas.microsoft.com/office/drawing/2014/main" id="{16263B68-DD6A-E342-5387-5C08E9287104}"/>
+              </a:ext>
+            </a:extLst>
+          </p:cNvPr>
+          <p:cNvPicPr>
+            <a:picLocks noChangeAspect="1"/>
+          </p:cNvPicPr>
+          <p:nvPr/>
+        </p:nvPicPr>
+        <p:blipFill>
+          <a:blip r:embed="rId2"/>
+          <a:stretch>
+            <a:fillRect/>
+          </a:stretch>
+        </p:blipFill>
+        <p:spPr>
+          <a:xfrm>
+            <a:off x="1533207" y="1970304"/>
+            <a:ext cx="6077585" cy="4887696"/>
+          </a:xfrm>
+          <a:prstGeom prst="rect">
+            <a:avLst/>
+          </a:prstGeom>
+        </p:spPr>
+      </p:pic>
     </p:spTree>
     <p:extLst>
       <p:ext uri="{BB962C8B-B14F-4D97-AF65-F5344CB8AC3E}">
-        <p14:creationId xmlns:p14="http://schemas.microsoft.com/office/powerpoint/2010/main" val="2781607243"/>
+        <p14:creationId xmlns:p14="http://schemas.microsoft.com/office/powerpoint/2010/main" val="45459540"/>
       </p:ext>
     </p:extLst>
   </p:cSld>
@@ -34019,10 +34051,10 @@
                 <a:ea typeface="微軟正黑體" panose="020B0604030504040204" pitchFamily="34" charset="-120"/>
                 <a:cs typeface="Heiti TC Light"/>
               </a:rPr>
-              <a:t>執行本課程的「</a:t>
-            </a:r>
-            <a:r>
-              <a:rPr kumimoji="1" lang="en-US" altLang="zh-TW" sz="3200" dirty="0">
+              <a:t>點選剛才</a:t>
+            </a:r>
+            <a:r>
+              <a:rPr kumimoji="1" lang="en-US" altLang="zh-TW" sz="3200" dirty="0" err="1">
                 <a:solidFill>
                   <a:prstClr val="white"/>
                 </a:solidFill>
@@ -34037,7 +34069,7 @@
                 <a:ea typeface="微軟正黑體" panose="020B0604030504040204" pitchFamily="34" charset="-120"/>
                 <a:cs typeface="Heiti TC Light"/>
               </a:rPr>
-              <a:t>0403_Flask.ipynb</a:t>
+              <a:t>ngrok</a:t>
             </a:r>
             <a:r>
               <a:rPr kumimoji="1" lang="zh-TW" altLang="en-US" sz="3200" dirty="0">
@@ -34055,7 +34087,7 @@
                 <a:ea typeface="微軟正黑體" panose="020B0604030504040204" pitchFamily="34" charset="-120"/>
                 <a:cs typeface="Heiti TC Light"/>
               </a:rPr>
-              <a:t>」</a:t>
+              <a:t>產生的網址</a:t>
             </a:r>
             <a:endParaRPr kumimoji="1" lang="en-US" altLang="zh-TW" sz="3200" dirty="0">
               <a:solidFill>
@@ -34077,10 +34109,10 @@
       </p:sp>
       <p:pic>
         <p:nvPicPr>
-          <p:cNvPr id="4" name="圖片 3">
+          <p:cNvPr id="8" name="圖片 7">
             <a:extLst>
               <a:ext uri="{FF2B5EF4-FFF2-40B4-BE49-F238E27FC236}">
-                <a16:creationId xmlns:a16="http://schemas.microsoft.com/office/drawing/2014/main" id="{16263B68-DD6A-E342-5387-5C08E9287104}"/>
+                <a16:creationId xmlns:a16="http://schemas.microsoft.com/office/drawing/2014/main" id="{16945A3B-1FCB-30FB-A957-72970C5A4FEA}"/>
               </a:ext>
             </a:extLst>
           </p:cNvPr>
@@ -34097,8 +34129,38 @@
         </p:blipFill>
         <p:spPr>
           <a:xfrm>
-            <a:off x="1533207" y="1970304"/>
-            <a:ext cx="6077585" cy="4887696"/>
+            <a:off x="615846" y="2000802"/>
+            <a:ext cx="4053337" cy="1381216"/>
+          </a:xfrm>
+          <a:prstGeom prst="rect">
+            <a:avLst/>
+          </a:prstGeom>
+        </p:spPr>
+      </p:pic>
+      <p:pic>
+        <p:nvPicPr>
+          <p:cNvPr id="12" name="圖片 11">
+            <a:extLst>
+              <a:ext uri="{FF2B5EF4-FFF2-40B4-BE49-F238E27FC236}">
+                <a16:creationId xmlns:a16="http://schemas.microsoft.com/office/drawing/2014/main" id="{93D7EFB5-6F6C-B371-3137-3996AD159B31}"/>
+              </a:ext>
+            </a:extLst>
+          </p:cNvPr>
+          <p:cNvPicPr>
+            <a:picLocks noChangeAspect="1"/>
+          </p:cNvPicPr>
+          <p:nvPr/>
+        </p:nvPicPr>
+        <p:blipFill>
+          <a:blip r:embed="rId3"/>
+          <a:stretch>
+            <a:fillRect/>
+          </a:stretch>
+        </p:blipFill>
+        <p:spPr>
+          <a:xfrm>
+            <a:off x="2313816" y="3591683"/>
+            <a:ext cx="6486525" cy="3190875"/>
           </a:xfrm>
           <a:prstGeom prst="rect">
             <a:avLst/>
@@ -34108,7 +34170,7 @@
     </p:spTree>
     <p:extLst>
       <p:ext uri="{BB962C8B-B14F-4D97-AF65-F5344CB8AC3E}">
-        <p14:creationId xmlns:p14="http://schemas.microsoft.com/office/powerpoint/2010/main" val="45459540"/>
+        <p14:creationId xmlns:p14="http://schemas.microsoft.com/office/powerpoint/2010/main" val="2913669668"/>
       </p:ext>
     </p:extLst>
   </p:cSld>
@@ -34140,43 +34202,31 @@
       </p:grpSpPr>
       <p:sp>
         <p:nvSpPr>
-          <p:cNvPr id="6" name="文字版面配置區 2">
-            <a:extLst>
-              <a:ext uri="{FF2B5EF4-FFF2-40B4-BE49-F238E27FC236}">
-                <a16:creationId xmlns:a16="http://schemas.microsoft.com/office/drawing/2014/main" id="{DC362AB1-BDCB-D11A-89BE-0A2EC77A4AD2}"/>
-              </a:ext>
-            </a:extLst>
-          </p:cNvPr>
-          <p:cNvSpPr txBox="1">
-            <a:spLocks/>
-          </p:cNvSpPr>
+          <p:cNvPr id="4" name="文字方塊 3"/>
+          <p:cNvSpPr txBox="1"/>
           <p:nvPr/>
         </p:nvSpPr>
         <p:spPr>
           <a:xfrm>
-            <a:off x="1740716" y="349541"/>
-            <a:ext cx="5662568" cy="990600"/>
+            <a:off x="783076" y="3013501"/>
+            <a:ext cx="7772400" cy="830997"/>
           </a:xfrm>
           <a:prstGeom prst="rect">
             <a:avLst/>
           </a:prstGeom>
-        </p:spPr>
-        <p:txBody>
-          <a:bodyPr tIns="91440" bIns="91440" anchor="b" anchorCtr="0">
-            <a:noAutofit/>
+          <a:noFill/>
+        </p:spPr>
+        <p:txBody>
+          <a:bodyPr wrap="square" rtlCol="0">
+            <a:spAutoFit/>
           </a:bodyPr>
           <a:lstStyle/>
           <a:p>
-            <a:pPr algn="just">
-              <a:spcBef>
-                <a:spcPct val="20000"/>
-              </a:spcBef>
-              <a:defRPr/>
-            </a:pPr>
-            <a:r>
-              <a:rPr lang="zh-TW" altLang="en-US" sz="4800" b="1" kern="0" dirty="0">
-                <a:solidFill>
-                  <a:srgbClr val="00B0F0"/>
+            <a:pPr algn="ctr"/>
+            <a:r>
+              <a:rPr kumimoji="1" lang="zh-TW" altLang="en-US" sz="4800" b="1" dirty="0">
+                <a:solidFill>
+                  <a:srgbClr val="FFFF00"/>
                 </a:solidFill>
                 <a:effectLst>
                   <a:outerShdw blurRad="38100" dist="38100" dir="2700000" algn="tl">
@@ -34187,214 +34237,17 @@
                 </a:effectLst>
                 <a:latin typeface="微軟正黑體" panose="020B0604030504040204" pitchFamily="34" charset="-120"/>
                 <a:ea typeface="微軟正黑體" panose="020B0604030504040204" pitchFamily="34" charset="-120"/>
+                <a:cs typeface="Arial"/>
               </a:rPr>
-              <a:t>執行本機</a:t>
-            </a:r>
-            <a:r>
-              <a:rPr lang="en-US" altLang="zh-TW" sz="4800" b="1" kern="0" dirty="0">
-                <a:solidFill>
-                  <a:srgbClr val="00B0F0"/>
-                </a:solidFill>
-                <a:effectLst>
-                  <a:outerShdw blurRad="38100" dist="38100" dir="2700000" algn="tl">
-                    <a:srgbClr val="000000">
-                      <a:alpha val="43137"/>
-                    </a:srgbClr>
-                  </a:outerShdw>
-                </a:effectLst>
-                <a:latin typeface="微軟正黑體" panose="020B0604030504040204" pitchFamily="34" charset="-120"/>
-                <a:ea typeface="微軟正黑體" panose="020B0604030504040204" pitchFamily="34" charset="-120"/>
-              </a:rPr>
-              <a:t>web</a:t>
-            </a:r>
-            <a:r>
-              <a:rPr lang="zh-TW" altLang="en-US" sz="4800" b="1" kern="0" dirty="0">
-                <a:solidFill>
-                  <a:srgbClr val="00B0F0"/>
-                </a:solidFill>
-                <a:effectLst>
-                  <a:outerShdw blurRad="38100" dist="38100" dir="2700000" algn="tl">
-                    <a:srgbClr val="000000">
-                      <a:alpha val="43137"/>
-                    </a:srgbClr>
-                  </a:outerShdw>
-                </a:effectLst>
-                <a:latin typeface="微軟正黑體" panose="020B0604030504040204" pitchFamily="34" charset="-120"/>
-                <a:ea typeface="微軟正黑體" panose="020B0604030504040204" pitchFamily="34" charset="-120"/>
-              </a:rPr>
-              <a:t>程式</a:t>
-            </a:r>
-          </a:p>
-        </p:txBody>
-      </p:sp>
-      <p:sp>
-        <p:nvSpPr>
-          <p:cNvPr id="2" name="文字方塊 1">
-            <a:extLst>
-              <a:ext uri="{FF2B5EF4-FFF2-40B4-BE49-F238E27FC236}">
-                <a16:creationId xmlns:a16="http://schemas.microsoft.com/office/drawing/2014/main" id="{A8C822C2-FCCD-9E77-0C1A-E849A310891E}"/>
-              </a:ext>
-            </a:extLst>
-          </p:cNvPr>
-          <p:cNvSpPr txBox="1"/>
-          <p:nvPr/>
-        </p:nvSpPr>
-        <p:spPr>
-          <a:xfrm>
-            <a:off x="615846" y="1340141"/>
-            <a:ext cx="8077200" cy="584775"/>
-          </a:xfrm>
-          <a:prstGeom prst="rect">
-            <a:avLst/>
-          </a:prstGeom>
-          <a:noFill/>
-        </p:spPr>
-        <p:txBody>
-          <a:bodyPr wrap="square" rtlCol="0">
-            <a:spAutoFit/>
-          </a:bodyPr>
-          <a:lstStyle/>
-          <a:p>
-            <a:pPr marL="514338" indent="-514338">
-              <a:buFont typeface="Arial" panose="020B0604020202020204" pitchFamily="34" charset="0"/>
-              <a:buChar char="•"/>
-            </a:pPr>
-            <a:r>
-              <a:rPr kumimoji="1" lang="zh-TW" altLang="en-US" sz="3200" dirty="0">
-                <a:solidFill>
-                  <a:prstClr val="white"/>
-                </a:solidFill>
-                <a:effectLst>
-                  <a:outerShdw blurRad="38100" dist="38100" dir="2700000" algn="tl">
-                    <a:srgbClr val="000000">
-                      <a:alpha val="43137"/>
-                    </a:srgbClr>
-                  </a:outerShdw>
-                </a:effectLst>
-                <a:latin typeface="微軟正黑體" panose="020B0604030504040204" pitchFamily="34" charset="-120"/>
-                <a:ea typeface="微軟正黑體" panose="020B0604030504040204" pitchFamily="34" charset="-120"/>
-                <a:cs typeface="Heiti TC Light"/>
-              </a:rPr>
-              <a:t>點選剛才</a:t>
-            </a:r>
-            <a:r>
-              <a:rPr kumimoji="1" lang="en-US" altLang="zh-TW" sz="3200" dirty="0" err="1">
-                <a:solidFill>
-                  <a:prstClr val="white"/>
-                </a:solidFill>
-                <a:effectLst>
-                  <a:outerShdw blurRad="38100" dist="38100" dir="2700000" algn="tl">
-                    <a:srgbClr val="000000">
-                      <a:alpha val="43137"/>
-                    </a:srgbClr>
-                  </a:outerShdw>
-                </a:effectLst>
-                <a:latin typeface="微軟正黑體" panose="020B0604030504040204" pitchFamily="34" charset="-120"/>
-                <a:ea typeface="微軟正黑體" panose="020B0604030504040204" pitchFamily="34" charset="-120"/>
-                <a:cs typeface="Heiti TC Light"/>
-              </a:rPr>
-              <a:t>ngrok</a:t>
-            </a:r>
-            <a:r>
-              <a:rPr kumimoji="1" lang="zh-TW" altLang="en-US" sz="3200" dirty="0">
-                <a:solidFill>
-                  <a:prstClr val="white"/>
-                </a:solidFill>
-                <a:effectLst>
-                  <a:outerShdw blurRad="38100" dist="38100" dir="2700000" algn="tl">
-                    <a:srgbClr val="000000">
-                      <a:alpha val="43137"/>
-                    </a:srgbClr>
-                  </a:outerShdw>
-                </a:effectLst>
-                <a:latin typeface="微軟正黑體" panose="020B0604030504040204" pitchFamily="34" charset="-120"/>
-                <a:ea typeface="微軟正黑體" panose="020B0604030504040204" pitchFamily="34" charset="-120"/>
-                <a:cs typeface="Heiti TC Light"/>
-              </a:rPr>
-              <a:t>產生的網址</a:t>
-            </a:r>
-            <a:endParaRPr kumimoji="1" lang="en-US" altLang="zh-TW" sz="3200" dirty="0">
-              <a:solidFill>
-                <a:prstClr val="white"/>
-              </a:solidFill>
-              <a:effectLst>
-                <a:outerShdw blurRad="38100" dist="38100" dir="2700000" algn="tl">
-                  <a:srgbClr val="000000">
-                    <a:alpha val="43137"/>
-                  </a:srgbClr>
-                </a:outerShdw>
-              </a:effectLst>
-              <a:latin typeface="微軟正黑體" panose="020B0604030504040204" pitchFamily="34" charset="-120"/>
-              <a:ea typeface="微軟正黑體" panose="020B0604030504040204" pitchFamily="34" charset="-120"/>
-              <a:cs typeface="Heiti TC Light"/>
-            </a:endParaRPr>
-          </a:p>
-        </p:txBody>
-      </p:sp>
-      <p:pic>
-        <p:nvPicPr>
-          <p:cNvPr id="8" name="圖片 7">
-            <a:extLst>
-              <a:ext uri="{FF2B5EF4-FFF2-40B4-BE49-F238E27FC236}">
-                <a16:creationId xmlns:a16="http://schemas.microsoft.com/office/drawing/2014/main" id="{16945A3B-1FCB-30FB-A957-72970C5A4FEA}"/>
-              </a:ext>
-            </a:extLst>
-          </p:cNvPr>
-          <p:cNvPicPr>
-            <a:picLocks noChangeAspect="1"/>
-          </p:cNvPicPr>
-          <p:nvPr/>
-        </p:nvPicPr>
-        <p:blipFill>
-          <a:blip r:embed="rId2"/>
-          <a:stretch>
-            <a:fillRect/>
-          </a:stretch>
-        </p:blipFill>
-        <p:spPr>
-          <a:xfrm>
-            <a:off x="615846" y="2000802"/>
-            <a:ext cx="4053337" cy="1381216"/>
-          </a:xfrm>
-          <a:prstGeom prst="rect">
-            <a:avLst/>
-          </a:prstGeom>
-        </p:spPr>
-      </p:pic>
-      <p:pic>
-        <p:nvPicPr>
-          <p:cNvPr id="12" name="圖片 11">
-            <a:extLst>
-              <a:ext uri="{FF2B5EF4-FFF2-40B4-BE49-F238E27FC236}">
-                <a16:creationId xmlns:a16="http://schemas.microsoft.com/office/drawing/2014/main" id="{93D7EFB5-6F6C-B371-3137-3996AD159B31}"/>
-              </a:ext>
-            </a:extLst>
-          </p:cNvPr>
-          <p:cNvPicPr>
-            <a:picLocks noChangeAspect="1"/>
-          </p:cNvPicPr>
-          <p:nvPr/>
-        </p:nvPicPr>
-        <p:blipFill>
-          <a:blip r:embed="rId3"/>
-          <a:stretch>
-            <a:fillRect/>
-          </a:stretch>
-        </p:blipFill>
-        <p:spPr>
-          <a:xfrm>
-            <a:off x="2313816" y="3591683"/>
-            <a:ext cx="6486525" cy="3190875"/>
-          </a:xfrm>
-          <a:prstGeom prst="rect">
-            <a:avLst/>
-          </a:prstGeom>
-        </p:spPr>
-      </p:pic>
+              <a:t>在開發環境中設定變數</a:t>
+            </a:r>
+          </a:p>
+        </p:txBody>
+      </p:sp>
     </p:spTree>
     <p:extLst>
       <p:ext uri="{BB962C8B-B14F-4D97-AF65-F5344CB8AC3E}">
-        <p14:creationId xmlns:p14="http://schemas.microsoft.com/office/powerpoint/2010/main" val="2913669668"/>
+        <p14:creationId xmlns:p14="http://schemas.microsoft.com/office/powerpoint/2010/main" val="2899152877"/>
       </p:ext>
     </p:extLst>
   </p:cSld>
@@ -34424,83 +34277,36 @@
           <a:chExt cx="0" cy="0"/>
         </a:xfrm>
       </p:grpSpPr>
-      <p:sp>
-        <p:nvSpPr>
-          <p:cNvPr id="4" name="文字方塊 3"/>
-          <p:cNvSpPr txBox="1"/>
+      <p:pic>
+        <p:nvPicPr>
+          <p:cNvPr id="4" name="圖片 3">
+            <a:extLst>
+              <a:ext uri="{FF2B5EF4-FFF2-40B4-BE49-F238E27FC236}">
+                <a16:creationId xmlns:a16="http://schemas.microsoft.com/office/drawing/2014/main" id="{45413C78-E772-8827-8309-63780F225E73}"/>
+              </a:ext>
+            </a:extLst>
+          </p:cNvPr>
+          <p:cNvPicPr>
+            <a:picLocks noChangeAspect="1"/>
+          </p:cNvPicPr>
           <p:nvPr/>
-        </p:nvSpPr>
-        <p:spPr>
-          <a:xfrm>
-            <a:off x="783076" y="3013501"/>
-            <a:ext cx="7772400" cy="830997"/>
+        </p:nvPicPr>
+        <p:blipFill>
+          <a:blip r:embed="rId2"/>
+          <a:stretch>
+            <a:fillRect/>
+          </a:stretch>
+        </p:blipFill>
+        <p:spPr>
+          <a:xfrm>
+            <a:off x="0" y="1101146"/>
+            <a:ext cx="9144000" cy="4655707"/>
           </a:xfrm>
           <a:prstGeom prst="rect">
             <a:avLst/>
           </a:prstGeom>
-          <a:noFill/>
-        </p:spPr>
-        <p:txBody>
-          <a:bodyPr wrap="square" rtlCol="0">
-            <a:spAutoFit/>
-          </a:bodyPr>
-          <a:lstStyle/>
-          <a:p>
-            <a:pPr algn="ctr"/>
-            <a:r>
-              <a:rPr kumimoji="1" lang="zh-TW" altLang="en-US" sz="4800" b="1" dirty="0">
-                <a:solidFill>
-                  <a:srgbClr val="FFFF00"/>
-                </a:solidFill>
-                <a:effectLst>
-                  <a:outerShdw blurRad="38100" dist="38100" dir="2700000" algn="tl">
-                    <a:srgbClr val="000000">
-                      <a:alpha val="43137"/>
-                    </a:srgbClr>
-                  </a:outerShdw>
-                </a:effectLst>
-                <a:latin typeface="微軟正黑體" panose="020B0604030504040204" pitchFamily="34" charset="-120"/>
-                <a:ea typeface="微軟正黑體" panose="020B0604030504040204" pitchFamily="34" charset="-120"/>
-                <a:cs typeface="Arial"/>
-              </a:rPr>
-              <a:t>在開發環境中設定變數</a:t>
-            </a:r>
-          </a:p>
-        </p:txBody>
-      </p:sp>
-    </p:spTree>
-    <p:extLst>
-      <p:ext uri="{BB962C8B-B14F-4D97-AF65-F5344CB8AC3E}">
-        <p14:creationId xmlns:p14="http://schemas.microsoft.com/office/powerpoint/2010/main" val="2899152877"/>
-      </p:ext>
-    </p:extLst>
-  </p:cSld>
-  <p:clrMapOvr>
-    <a:masterClrMapping/>
-  </p:clrMapOvr>
-  <p:transition>
-    <p:fade/>
-  </p:transition>
-</p:sld>
-</file>
-
-<file path=ppt/slides/slide43.xml><?xml version="1.0" encoding="utf-8"?>
-<p:sld xmlns:a="http://schemas.openxmlformats.org/drawingml/2006/main" xmlns:r="http://schemas.openxmlformats.org/officeDocument/2006/relationships" xmlns:p="http://schemas.openxmlformats.org/presentationml/2006/main">
-  <p:cSld>
-    <p:spTree>
-      <p:nvGrpSpPr>
-        <p:cNvPr id="1" name=""/>
-        <p:cNvGrpSpPr/>
-        <p:nvPr/>
-      </p:nvGrpSpPr>
-      <p:grpSpPr>
-        <a:xfrm>
-          <a:off x="0" y="0"/>
-          <a:ext cx="0" cy="0"/>
-          <a:chOff x="0" y="0"/>
-          <a:chExt cx="0" cy="0"/>
-        </a:xfrm>
-      </p:grpSpPr>
+        </p:spPr>
+      </p:pic>
       <p:sp>
         <p:nvSpPr>
           <p:cNvPr id="6" name="文字版面配置區 2">
@@ -34624,36 +34430,6 @@
           </a:p>
         </p:txBody>
       </p:sp>
-      <p:pic>
-        <p:nvPicPr>
-          <p:cNvPr id="8" name="圖片 7">
-            <a:extLst>
-              <a:ext uri="{FF2B5EF4-FFF2-40B4-BE49-F238E27FC236}">
-                <a16:creationId xmlns:a16="http://schemas.microsoft.com/office/drawing/2014/main" id="{946CD21F-9C33-C36A-9668-9387BF992CFA}"/>
-              </a:ext>
-            </a:extLst>
-          </p:cNvPr>
-          <p:cNvPicPr>
-            <a:picLocks noChangeAspect="1"/>
-          </p:cNvPicPr>
-          <p:nvPr/>
-        </p:nvPicPr>
-        <p:blipFill>
-          <a:blip r:embed="rId2"/>
-          <a:stretch>
-            <a:fillRect/>
-          </a:stretch>
-        </p:blipFill>
-        <p:spPr>
-          <a:xfrm>
-            <a:off x="561975" y="2156554"/>
-            <a:ext cx="8048625" cy="3562350"/>
-          </a:xfrm>
-          <a:prstGeom prst="rect">
-            <a:avLst/>
-          </a:prstGeom>
-        </p:spPr>
-      </p:pic>
       <p:sp>
         <p:nvSpPr>
           <p:cNvPr id="9" name="十字形 8">
@@ -34668,7 +34444,7 @@
         </p:nvSpPr>
         <p:spPr>
           <a:xfrm rot="2678540">
-            <a:off x="6558929" y="3858033"/>
+            <a:off x="4338244" y="2220180"/>
             <a:ext cx="983152" cy="1008934"/>
           </a:xfrm>
           <a:prstGeom prst="plus">
@@ -34807,7 +34583,7 @@
 </p:sld>
 </file>
 
-<file path=ppt/slides/slide44.xml><?xml version="1.0" encoding="utf-8"?>
+<file path=ppt/slides/slide43.xml><?xml version="1.0" encoding="utf-8"?>
 <p:sld xmlns:a="http://schemas.openxmlformats.org/drawingml/2006/main" xmlns:r="http://schemas.openxmlformats.org/officeDocument/2006/relationships" xmlns:p="http://schemas.openxmlformats.org/presentationml/2006/main">
   <p:cSld>
     <p:spTree>
@@ -35079,36 +34855,6 @@
           </a:prstGeom>
         </p:spPr>
       </p:pic>
-      <p:pic>
-        <p:nvPicPr>
-          <p:cNvPr id="11" name="圖片 10">
-            <a:extLst>
-              <a:ext uri="{FF2B5EF4-FFF2-40B4-BE49-F238E27FC236}">
-                <a16:creationId xmlns:a16="http://schemas.microsoft.com/office/drawing/2014/main" id="{CB38D281-9452-3EAC-E7A0-682A22A3BE9D}"/>
-              </a:ext>
-            </a:extLst>
-          </p:cNvPr>
-          <p:cNvPicPr>
-            <a:picLocks noChangeAspect="1"/>
-          </p:cNvPicPr>
-          <p:nvPr/>
-        </p:nvPicPr>
-        <p:blipFill>
-          <a:blip r:embed="rId4"/>
-          <a:stretch>
-            <a:fillRect/>
-          </a:stretch>
-        </p:blipFill>
-        <p:spPr>
-          <a:xfrm>
-            <a:off x="1505751" y="2255498"/>
-            <a:ext cx="6322828" cy="1502143"/>
-          </a:xfrm>
-          <a:prstGeom prst="rect">
-            <a:avLst/>
-          </a:prstGeom>
-        </p:spPr>
-      </p:pic>
       <p:sp>
         <p:nvSpPr>
           <p:cNvPr id="12" name="十字形 11">
@@ -35160,10 +34906,525 @@
           </a:p>
         </p:txBody>
       </p:sp>
+      <p:pic>
+        <p:nvPicPr>
+          <p:cNvPr id="5" name="圖片 4">
+            <a:extLst>
+              <a:ext uri="{FF2B5EF4-FFF2-40B4-BE49-F238E27FC236}">
+                <a16:creationId xmlns:a16="http://schemas.microsoft.com/office/drawing/2014/main" id="{6451A0BF-0ECE-D0FE-FB32-C54B21218394}"/>
+              </a:ext>
+            </a:extLst>
+          </p:cNvPr>
+          <p:cNvPicPr>
+            <a:picLocks noChangeAspect="1"/>
+          </p:cNvPicPr>
+          <p:nvPr/>
+        </p:nvPicPr>
+        <p:blipFill>
+          <a:blip r:embed="rId4"/>
+          <a:stretch>
+            <a:fillRect/>
+          </a:stretch>
+        </p:blipFill>
+        <p:spPr>
+          <a:xfrm>
+            <a:off x="1457011" y="2213109"/>
+            <a:ext cx="6229978" cy="1499356"/>
+          </a:xfrm>
+          <a:prstGeom prst="rect">
+            <a:avLst/>
+          </a:prstGeom>
+        </p:spPr>
+      </p:pic>
     </p:spTree>
     <p:extLst>
       <p:ext uri="{BB962C8B-B14F-4D97-AF65-F5344CB8AC3E}">
         <p14:creationId xmlns:p14="http://schemas.microsoft.com/office/powerpoint/2010/main" val="3483958529"/>
+      </p:ext>
+    </p:extLst>
+  </p:cSld>
+  <p:clrMapOvr>
+    <a:masterClrMapping/>
+  </p:clrMapOvr>
+  <p:transition>
+    <p:fade/>
+  </p:transition>
+  <p:timing>
+    <p:tnLst>
+      <p:par>
+        <p:cTn id="1" dur="indefinite" restart="never" nodeType="tmRoot">
+          <p:childTnLst>
+            <p:seq concurrent="1" nextAc="seek">
+              <p:cTn id="2" dur="indefinite" nodeType="mainSeq">
+                <p:childTnLst>
+                  <p:par>
+                    <p:cTn id="3" fill="hold">
+                      <p:stCondLst>
+                        <p:cond delay="indefinite"/>
+                      </p:stCondLst>
+                      <p:childTnLst>
+                        <p:par>
+                          <p:cTn id="4" fill="hold">
+                            <p:stCondLst>
+                              <p:cond delay="0"/>
+                            </p:stCondLst>
+                            <p:childTnLst>
+                              <p:par>
+                                <p:cTn id="5" presetID="10" presetClass="entr" presetSubtype="0" fill="hold" grpId="0" nodeType="clickEffect">
+                                  <p:stCondLst>
+                                    <p:cond delay="0"/>
+                                  </p:stCondLst>
+                                  <p:childTnLst>
+                                    <p:set>
+                                      <p:cBhvr>
+                                        <p:cTn id="6" dur="1" fill="hold">
+                                          <p:stCondLst>
+                                            <p:cond delay="0"/>
+                                          </p:stCondLst>
+                                        </p:cTn>
+                                        <p:tgtEl>
+                                          <p:spTgt spid="12"/>
+                                        </p:tgtEl>
+                                        <p:attrNameLst>
+                                          <p:attrName>style.visibility</p:attrName>
+                                        </p:attrNameLst>
+                                      </p:cBhvr>
+                                      <p:to>
+                                        <p:strVal val="visible"/>
+                                      </p:to>
+                                    </p:set>
+                                    <p:animEffect transition="in" filter="fade">
+                                      <p:cBhvr>
+                                        <p:cTn id="7" dur="500"/>
+                                        <p:tgtEl>
+                                          <p:spTgt spid="12"/>
+                                        </p:tgtEl>
+                                      </p:cBhvr>
+                                    </p:animEffect>
+                                  </p:childTnLst>
+                                </p:cTn>
+                              </p:par>
+                            </p:childTnLst>
+                          </p:cTn>
+                        </p:par>
+                      </p:childTnLst>
+                    </p:cTn>
+                  </p:par>
+                </p:childTnLst>
+              </p:cTn>
+              <p:prevCondLst>
+                <p:cond evt="onPrev" delay="0">
+                  <p:tgtEl>
+                    <p:sldTgt/>
+                  </p:tgtEl>
+                </p:cond>
+              </p:prevCondLst>
+              <p:nextCondLst>
+                <p:cond evt="onNext" delay="0">
+                  <p:tgtEl>
+                    <p:sldTgt/>
+                  </p:tgtEl>
+                </p:cond>
+              </p:nextCondLst>
+            </p:seq>
+          </p:childTnLst>
+        </p:cTn>
+      </p:par>
+    </p:tnLst>
+    <p:bldLst>
+      <p:bldP spid="12" grpId="0" animBg="1"/>
+    </p:bldLst>
+  </p:timing>
+</p:sld>
+</file>
+
+<file path=ppt/slides/slide44.xml><?xml version="1.0" encoding="utf-8"?>
+<p:sld xmlns:a="http://schemas.openxmlformats.org/drawingml/2006/main" xmlns:r="http://schemas.openxmlformats.org/officeDocument/2006/relationships" xmlns:p="http://schemas.openxmlformats.org/presentationml/2006/main">
+  <p:cSld>
+    <p:spTree>
+      <p:nvGrpSpPr>
+        <p:cNvPr id="1" name=""/>
+        <p:cNvGrpSpPr/>
+        <p:nvPr/>
+      </p:nvGrpSpPr>
+      <p:grpSpPr>
+        <a:xfrm>
+          <a:off x="0" y="0"/>
+          <a:ext cx="0" cy="0"/>
+          <a:chOff x="0" y="0"/>
+          <a:chExt cx="0" cy="0"/>
+        </a:xfrm>
+      </p:grpSpPr>
+      <p:pic>
+        <p:nvPicPr>
+          <p:cNvPr id="5" name="圖片 4">
+            <a:extLst>
+              <a:ext uri="{FF2B5EF4-FFF2-40B4-BE49-F238E27FC236}">
+                <a16:creationId xmlns:a16="http://schemas.microsoft.com/office/drawing/2014/main" id="{DD01C14C-D9AE-4C5A-079D-DC0B9F598826}"/>
+              </a:ext>
+            </a:extLst>
+          </p:cNvPr>
+          <p:cNvPicPr>
+            <a:picLocks noChangeAspect="1"/>
+          </p:cNvPicPr>
+          <p:nvPr/>
+        </p:nvPicPr>
+        <p:blipFill>
+          <a:blip r:embed="rId2"/>
+          <a:stretch>
+            <a:fillRect/>
+          </a:stretch>
+        </p:blipFill>
+        <p:spPr>
+          <a:xfrm>
+            <a:off x="866710" y="2878766"/>
+            <a:ext cx="6791325" cy="3076575"/>
+          </a:xfrm>
+          <a:prstGeom prst="rect">
+            <a:avLst/>
+          </a:prstGeom>
+        </p:spPr>
+      </p:pic>
+      <p:sp>
+        <p:nvSpPr>
+          <p:cNvPr id="6" name="文字版面配置區 2">
+            <a:extLst>
+              <a:ext uri="{FF2B5EF4-FFF2-40B4-BE49-F238E27FC236}">
+                <a16:creationId xmlns:a16="http://schemas.microsoft.com/office/drawing/2014/main" id="{DC362AB1-BDCB-D11A-89BE-0A2EC77A4AD2}"/>
+              </a:ext>
+            </a:extLst>
+          </p:cNvPr>
+          <p:cNvSpPr txBox="1">
+            <a:spLocks/>
+          </p:cNvSpPr>
+          <p:nvPr/>
+        </p:nvSpPr>
+        <p:spPr>
+          <a:xfrm>
+            <a:off x="1373707" y="110010"/>
+            <a:ext cx="7407034" cy="990600"/>
+          </a:xfrm>
+          <a:prstGeom prst="rect">
+            <a:avLst/>
+          </a:prstGeom>
+        </p:spPr>
+        <p:txBody>
+          <a:bodyPr tIns="91440" bIns="91440" anchor="b" anchorCtr="0">
+            <a:noAutofit/>
+          </a:bodyPr>
+          <a:lstStyle/>
+          <a:p>
+            <a:pPr algn="just">
+              <a:spcBef>
+                <a:spcPct val="20000"/>
+              </a:spcBef>
+              <a:defRPr/>
+            </a:pPr>
+            <a:r>
+              <a:rPr lang="zh-TW" altLang="en-US" sz="4800" b="1" kern="0" dirty="0">
+                <a:solidFill>
+                  <a:srgbClr val="00B0F0"/>
+                </a:solidFill>
+                <a:effectLst>
+                  <a:outerShdw blurRad="38100" dist="38100" dir="2700000" algn="tl">
+                    <a:srgbClr val="000000">
+                      <a:alpha val="43137"/>
+                    </a:srgbClr>
+                  </a:outerShdw>
+                </a:effectLst>
+                <a:latin typeface="微軟正黑體" panose="020B0604030504040204" pitchFamily="34" charset="-120"/>
+                <a:ea typeface="微軟正黑體" panose="020B0604030504040204" pitchFamily="34" charset="-120"/>
+              </a:rPr>
+              <a:t>在開發環境中設定變數</a:t>
+            </a:r>
+          </a:p>
+        </p:txBody>
+      </p:sp>
+      <p:sp>
+        <p:nvSpPr>
+          <p:cNvPr id="2" name="文字方塊 1">
+            <a:extLst>
+              <a:ext uri="{FF2B5EF4-FFF2-40B4-BE49-F238E27FC236}">
+                <a16:creationId xmlns:a16="http://schemas.microsoft.com/office/drawing/2014/main" id="{178B99C9-F0FA-7E8E-5EC7-27E6EAB07462}"/>
+              </a:ext>
+            </a:extLst>
+          </p:cNvPr>
+          <p:cNvSpPr txBox="1"/>
+          <p:nvPr/>
+        </p:nvSpPr>
+        <p:spPr>
+          <a:xfrm>
+            <a:off x="533400" y="1062294"/>
+            <a:ext cx="8077200" cy="1077218"/>
+          </a:xfrm>
+          <a:prstGeom prst="rect">
+            <a:avLst/>
+          </a:prstGeom>
+          <a:noFill/>
+        </p:spPr>
+        <p:txBody>
+          <a:bodyPr wrap="square" rtlCol="0">
+            <a:spAutoFit/>
+          </a:bodyPr>
+          <a:lstStyle/>
+          <a:p>
+            <a:pPr marL="514338" indent="-514338">
+              <a:buFont typeface="Arial" panose="020B0604020202020204" pitchFamily="34" charset="0"/>
+              <a:buChar char="•"/>
+            </a:pPr>
+            <a:r>
+              <a:rPr kumimoji="1" lang="zh-TW" altLang="en-US" sz="3200" dirty="0">
+                <a:solidFill>
+                  <a:prstClr val="white"/>
+                </a:solidFill>
+                <a:effectLst>
+                  <a:outerShdw blurRad="38100" dist="38100" dir="2700000" algn="tl">
+                    <a:srgbClr val="000000">
+                      <a:alpha val="43137"/>
+                    </a:srgbClr>
+                  </a:outerShdw>
+                </a:effectLst>
+                <a:latin typeface="微軟正黑體" panose="020B0604030504040204" pitchFamily="34" charset="-120"/>
+                <a:ea typeface="微軟正黑體" panose="020B0604030504040204" pitchFamily="34" charset="-120"/>
+                <a:cs typeface="Heiti TC Light"/>
+              </a:rPr>
+              <a:t>在</a:t>
+            </a:r>
+            <a:r>
+              <a:rPr kumimoji="1" lang="en-US" altLang="zh-TW" sz="3200" dirty="0">
+                <a:solidFill>
+                  <a:prstClr val="white"/>
+                </a:solidFill>
+                <a:effectLst>
+                  <a:outerShdw blurRad="38100" dist="38100" dir="2700000" algn="tl">
+                    <a:srgbClr val="000000">
+                      <a:alpha val="43137"/>
+                    </a:srgbClr>
+                  </a:outerShdw>
+                </a:effectLst>
+                <a:latin typeface="微軟正黑體" panose="020B0604030504040204" pitchFamily="34" charset="-120"/>
+                <a:ea typeface="微軟正黑體" panose="020B0604030504040204" pitchFamily="34" charset="-120"/>
+                <a:cs typeface="Heiti TC Light"/>
+              </a:rPr>
+              <a:t>Linux/Mac</a:t>
+            </a:r>
+            <a:r>
+              <a:rPr kumimoji="1" lang="zh-TW" altLang="en-US" sz="3200" dirty="0">
+                <a:solidFill>
+                  <a:prstClr val="white"/>
+                </a:solidFill>
+                <a:effectLst>
+                  <a:outerShdw blurRad="38100" dist="38100" dir="2700000" algn="tl">
+                    <a:srgbClr val="000000">
+                      <a:alpha val="43137"/>
+                    </a:srgbClr>
+                  </a:outerShdw>
+                </a:effectLst>
+                <a:latin typeface="微軟正黑體" panose="020B0604030504040204" pitchFamily="34" charset="-120"/>
+                <a:ea typeface="微軟正黑體" panose="020B0604030504040204" pitchFamily="34" charset="-120"/>
+                <a:cs typeface="Heiti TC Light"/>
+              </a:rPr>
+              <a:t>下設定環境變數，在</a:t>
+            </a:r>
+            <a:r>
+              <a:rPr kumimoji="1" lang="en-US" altLang="zh-TW" sz="3200" dirty="0">
+                <a:solidFill>
+                  <a:prstClr val="white"/>
+                </a:solidFill>
+                <a:effectLst>
+                  <a:outerShdw blurRad="38100" dist="38100" dir="2700000" algn="tl">
+                    <a:srgbClr val="000000">
+                      <a:alpha val="43137"/>
+                    </a:srgbClr>
+                  </a:outerShdw>
+                </a:effectLst>
+                <a:latin typeface="微軟正黑體" panose="020B0604030504040204" pitchFamily="34" charset="-120"/>
+                <a:ea typeface="微軟正黑體" panose="020B0604030504040204" pitchFamily="34" charset="-120"/>
+                <a:cs typeface="Heiti TC Light"/>
+              </a:rPr>
+              <a:t>.</a:t>
+            </a:r>
+            <a:r>
+              <a:rPr kumimoji="1" lang="en-US" altLang="zh-TW" sz="3200" dirty="0" err="1">
+                <a:solidFill>
+                  <a:prstClr val="white"/>
+                </a:solidFill>
+                <a:effectLst>
+                  <a:outerShdw blurRad="38100" dist="38100" dir="2700000" algn="tl">
+                    <a:srgbClr val="000000">
+                      <a:alpha val="43137"/>
+                    </a:srgbClr>
+                  </a:outerShdw>
+                </a:effectLst>
+                <a:latin typeface="微軟正黑體" panose="020B0604030504040204" pitchFamily="34" charset="-120"/>
+                <a:ea typeface="微軟正黑體" panose="020B0604030504040204" pitchFamily="34" charset="-120"/>
+                <a:cs typeface="Heiti TC Light"/>
+              </a:rPr>
+              <a:t>bashrc</a:t>
+            </a:r>
+            <a:r>
+              <a:rPr kumimoji="1" lang="en-US" altLang="zh-TW" sz="3200" dirty="0">
+                <a:solidFill>
+                  <a:prstClr val="white"/>
+                </a:solidFill>
+                <a:effectLst>
+                  <a:outerShdw blurRad="38100" dist="38100" dir="2700000" algn="tl">
+                    <a:srgbClr val="000000">
+                      <a:alpha val="43137"/>
+                    </a:srgbClr>
+                  </a:outerShdw>
+                </a:effectLst>
+                <a:latin typeface="微軟正黑體" panose="020B0604030504040204" pitchFamily="34" charset="-120"/>
+                <a:ea typeface="微軟正黑體" panose="020B0604030504040204" pitchFamily="34" charset="-120"/>
+                <a:cs typeface="Heiti TC Light"/>
+              </a:rPr>
+              <a:t>/.</a:t>
+            </a:r>
+            <a:r>
+              <a:rPr kumimoji="1" lang="en-US" altLang="zh-TW" sz="3200" dirty="0" err="1">
+                <a:solidFill>
+                  <a:prstClr val="white"/>
+                </a:solidFill>
+                <a:effectLst>
+                  <a:outerShdw blurRad="38100" dist="38100" dir="2700000" algn="tl">
+                    <a:srgbClr val="000000">
+                      <a:alpha val="43137"/>
+                    </a:srgbClr>
+                  </a:outerShdw>
+                </a:effectLst>
+                <a:latin typeface="微軟正黑體" panose="020B0604030504040204" pitchFamily="34" charset="-120"/>
+                <a:ea typeface="微軟正黑體" panose="020B0604030504040204" pitchFamily="34" charset="-120"/>
+                <a:cs typeface="Heiti TC Light"/>
+              </a:rPr>
+              <a:t>zshrc</a:t>
+            </a:r>
+            <a:r>
+              <a:rPr kumimoji="1" lang="zh-TW" altLang="en-US" sz="3200" dirty="0">
+                <a:solidFill>
+                  <a:prstClr val="white"/>
+                </a:solidFill>
+                <a:effectLst>
+                  <a:outerShdw blurRad="38100" dist="38100" dir="2700000" algn="tl">
+                    <a:srgbClr val="000000">
+                      <a:alpha val="43137"/>
+                    </a:srgbClr>
+                  </a:outerShdw>
+                </a:effectLst>
+                <a:latin typeface="微軟正黑體" panose="020B0604030504040204" pitchFamily="34" charset="-120"/>
+                <a:ea typeface="微軟正黑體" panose="020B0604030504040204" pitchFamily="34" charset="-120"/>
+                <a:cs typeface="Heiti TC Light"/>
+              </a:rPr>
+              <a:t>中也無法多</a:t>
+            </a:r>
+            <a:r>
+              <a:rPr kumimoji="1" lang="en-US" altLang="zh-TW" sz="3200" dirty="0" err="1">
+                <a:solidFill>
+                  <a:prstClr val="white"/>
+                </a:solidFill>
+                <a:effectLst>
+                  <a:outerShdw blurRad="38100" dist="38100" dir="2700000" algn="tl">
+                    <a:srgbClr val="000000">
+                      <a:alpha val="43137"/>
+                    </a:srgbClr>
+                  </a:outerShdw>
+                </a:effectLst>
+                <a:latin typeface="微軟正黑體" panose="020B0604030504040204" pitchFamily="34" charset="-120"/>
+                <a:ea typeface="微軟正黑體" panose="020B0604030504040204" pitchFamily="34" charset="-120"/>
+                <a:cs typeface="Heiti TC Light"/>
+              </a:rPr>
+              <a:t>conda</a:t>
+            </a:r>
+            <a:r>
+              <a:rPr kumimoji="1" lang="zh-TW" altLang="en-US" sz="3200" dirty="0">
+                <a:solidFill>
+                  <a:prstClr val="white"/>
+                </a:solidFill>
+                <a:effectLst>
+                  <a:outerShdw blurRad="38100" dist="38100" dir="2700000" algn="tl">
+                    <a:srgbClr val="000000">
+                      <a:alpha val="43137"/>
+                    </a:srgbClr>
+                  </a:outerShdw>
+                </a:effectLst>
+                <a:latin typeface="微軟正黑體" panose="020B0604030504040204" pitchFamily="34" charset="-120"/>
+                <a:ea typeface="微軟正黑體" panose="020B0604030504040204" pitchFamily="34" charset="-120"/>
+                <a:cs typeface="Heiti TC Light"/>
+              </a:rPr>
+              <a:t>環境</a:t>
+            </a:r>
+            <a:endParaRPr kumimoji="1" lang="en-US" altLang="zh-TW" sz="3200" dirty="0">
+              <a:solidFill>
+                <a:prstClr val="white"/>
+              </a:solidFill>
+              <a:effectLst>
+                <a:outerShdw blurRad="38100" dist="38100" dir="2700000" algn="tl">
+                  <a:srgbClr val="000000">
+                    <a:alpha val="43137"/>
+                  </a:srgbClr>
+                </a:outerShdw>
+              </a:effectLst>
+              <a:latin typeface="微軟正黑體" panose="020B0604030504040204" pitchFamily="34" charset="-120"/>
+              <a:ea typeface="微軟正黑體" panose="020B0604030504040204" pitchFamily="34" charset="-120"/>
+              <a:cs typeface="Heiti TC Light"/>
+            </a:endParaRPr>
+          </a:p>
+        </p:txBody>
+      </p:sp>
+      <p:sp>
+        <p:nvSpPr>
+          <p:cNvPr id="12" name="十字形 11">
+            <a:extLst>
+              <a:ext uri="{FF2B5EF4-FFF2-40B4-BE49-F238E27FC236}">
+                <a16:creationId xmlns:a16="http://schemas.microsoft.com/office/drawing/2014/main" id="{26C0F4EF-5854-056E-03CD-6C4AB1BFF050}"/>
+              </a:ext>
+            </a:extLst>
+          </p:cNvPr>
+          <p:cNvSpPr/>
+          <p:nvPr/>
+        </p:nvSpPr>
+        <p:spPr>
+          <a:xfrm rot="2678540">
+            <a:off x="3461808" y="3816959"/>
+            <a:ext cx="1601130" cy="1601029"/>
+          </a:xfrm>
+          <a:prstGeom prst="plus">
+            <a:avLst>
+              <a:gd name="adj" fmla="val 41084"/>
+            </a:avLst>
+          </a:prstGeom>
+          <a:solidFill>
+            <a:srgbClr val="FF0000"/>
+          </a:solidFill>
+        </p:spPr>
+        <p:style>
+          <a:lnRef idx="2">
+            <a:schemeClr val="accent1">
+              <a:shade val="15000"/>
+            </a:schemeClr>
+          </a:lnRef>
+          <a:fillRef idx="1">
+            <a:schemeClr val="accent1"/>
+          </a:fillRef>
+          <a:effectRef idx="0">
+            <a:schemeClr val="accent1"/>
+          </a:effectRef>
+          <a:fontRef idx="minor">
+            <a:schemeClr val="lt1"/>
+          </a:fontRef>
+        </p:style>
+        <p:txBody>
+          <a:bodyPr rtlCol="0" anchor="ctr"/>
+          <a:lstStyle/>
+          <a:p>
+            <a:pPr algn="ctr"/>
+            <a:endParaRPr lang="zh-TW" altLang="en-US"/>
+          </a:p>
+        </p:txBody>
+      </p:sp>
+    </p:spTree>
+    <p:extLst>
+      <p:ext uri="{BB962C8B-B14F-4D97-AF65-F5344CB8AC3E}">
+        <p14:creationId xmlns:p14="http://schemas.microsoft.com/office/powerpoint/2010/main" val="1072960598"/>
       </p:ext>
     </p:extLst>
   </p:cSld>
@@ -35281,10 +35542,10 @@
       </p:grpSpPr>
       <p:pic>
         <p:nvPicPr>
-          <p:cNvPr id="5" name="圖片 4">
+          <p:cNvPr id="4" name="圖片 3">
             <a:extLst>
               <a:ext uri="{FF2B5EF4-FFF2-40B4-BE49-F238E27FC236}">
-                <a16:creationId xmlns:a16="http://schemas.microsoft.com/office/drawing/2014/main" id="{DD01C14C-D9AE-4C5A-079D-DC0B9F598826}"/>
+                <a16:creationId xmlns:a16="http://schemas.microsoft.com/office/drawing/2014/main" id="{A74C1909-E6BE-6F14-D0D7-84E82822EDF2}"/>
               </a:ext>
             </a:extLst>
           </p:cNvPr>
@@ -35301,8 +35562,8 @@
         </p:blipFill>
         <p:spPr>
           <a:xfrm>
-            <a:off x="866710" y="2878766"/>
-            <a:ext cx="6791325" cy="3076575"/>
+            <a:off x="69111" y="3968563"/>
+            <a:ext cx="9144000" cy="2930165"/>
           </a:xfrm>
           <a:prstGeom prst="rect">
             <a:avLst/>
@@ -35378,8 +35639,8 @@
         </p:nvSpPr>
         <p:spPr>
           <a:xfrm>
-            <a:off x="533400" y="1062294"/>
-            <a:ext cx="8077200" cy="1077218"/>
+            <a:off x="632637" y="1211150"/>
+            <a:ext cx="8077200" cy="2062103"/>
           </a:xfrm>
           <a:prstGeom prst="rect">
             <a:avLst/>
@@ -35392,10 +35653,6 @@
           </a:bodyPr>
           <a:lstStyle/>
           <a:p>
-            <a:pPr marL="514338" indent="-514338">
-              <a:buFont typeface="Arial" panose="020B0604020202020204" pitchFamily="34" charset="0"/>
-              <a:buChar char="•"/>
-            </a:pPr>
             <a:r>
               <a:rPr kumimoji="1" lang="zh-TW" altLang="en-US" sz="3200" dirty="0">
                 <a:solidFill>
@@ -35412,133 +35669,7 @@
                 <a:ea typeface="微軟正黑體" panose="020B0604030504040204" pitchFamily="34" charset="-120"/>
                 <a:cs typeface="Heiti TC Light"/>
               </a:rPr>
-              <a:t>在</a:t>
-            </a:r>
-            <a:r>
-              <a:rPr kumimoji="1" lang="en-US" altLang="zh-TW" sz="3200" dirty="0">
-                <a:solidFill>
-                  <a:prstClr val="white"/>
-                </a:solidFill>
-                <a:effectLst>
-                  <a:outerShdw blurRad="38100" dist="38100" dir="2700000" algn="tl">
-                    <a:srgbClr val="000000">
-                      <a:alpha val="43137"/>
-                    </a:srgbClr>
-                  </a:outerShdw>
-                </a:effectLst>
-                <a:latin typeface="微軟正黑體" panose="020B0604030504040204" pitchFamily="34" charset="-120"/>
-                <a:ea typeface="微軟正黑體" panose="020B0604030504040204" pitchFamily="34" charset="-120"/>
-                <a:cs typeface="Heiti TC Light"/>
-              </a:rPr>
-              <a:t>Linux/Mac</a:t>
-            </a:r>
-            <a:r>
-              <a:rPr kumimoji="1" lang="zh-TW" altLang="en-US" sz="3200" dirty="0">
-                <a:solidFill>
-                  <a:prstClr val="white"/>
-                </a:solidFill>
-                <a:effectLst>
-                  <a:outerShdw blurRad="38100" dist="38100" dir="2700000" algn="tl">
-                    <a:srgbClr val="000000">
-                      <a:alpha val="43137"/>
-                    </a:srgbClr>
-                  </a:outerShdw>
-                </a:effectLst>
-                <a:latin typeface="微軟正黑體" panose="020B0604030504040204" pitchFamily="34" charset="-120"/>
-                <a:ea typeface="微軟正黑體" panose="020B0604030504040204" pitchFamily="34" charset="-120"/>
-                <a:cs typeface="Heiti TC Light"/>
-              </a:rPr>
-              <a:t>下設定環境變數，在</a:t>
-            </a:r>
-            <a:r>
-              <a:rPr kumimoji="1" lang="en-US" altLang="zh-TW" sz="3200" dirty="0">
-                <a:solidFill>
-                  <a:prstClr val="white"/>
-                </a:solidFill>
-                <a:effectLst>
-                  <a:outerShdw blurRad="38100" dist="38100" dir="2700000" algn="tl">
-                    <a:srgbClr val="000000">
-                      <a:alpha val="43137"/>
-                    </a:srgbClr>
-                  </a:outerShdw>
-                </a:effectLst>
-                <a:latin typeface="微軟正黑體" panose="020B0604030504040204" pitchFamily="34" charset="-120"/>
-                <a:ea typeface="微軟正黑體" panose="020B0604030504040204" pitchFamily="34" charset="-120"/>
-                <a:cs typeface="Heiti TC Light"/>
-              </a:rPr>
-              <a:t>.</a:t>
-            </a:r>
-            <a:r>
-              <a:rPr kumimoji="1" lang="en-US" altLang="zh-TW" sz="3200" dirty="0" err="1">
-                <a:solidFill>
-                  <a:prstClr val="white"/>
-                </a:solidFill>
-                <a:effectLst>
-                  <a:outerShdw blurRad="38100" dist="38100" dir="2700000" algn="tl">
-                    <a:srgbClr val="000000">
-                      <a:alpha val="43137"/>
-                    </a:srgbClr>
-                  </a:outerShdw>
-                </a:effectLst>
-                <a:latin typeface="微軟正黑體" panose="020B0604030504040204" pitchFamily="34" charset="-120"/>
-                <a:ea typeface="微軟正黑體" panose="020B0604030504040204" pitchFamily="34" charset="-120"/>
-                <a:cs typeface="Heiti TC Light"/>
-              </a:rPr>
-              <a:t>bashrc</a:t>
-            </a:r>
-            <a:r>
-              <a:rPr kumimoji="1" lang="en-US" altLang="zh-TW" sz="3200" dirty="0">
-                <a:solidFill>
-                  <a:prstClr val="white"/>
-                </a:solidFill>
-                <a:effectLst>
-                  <a:outerShdw blurRad="38100" dist="38100" dir="2700000" algn="tl">
-                    <a:srgbClr val="000000">
-                      <a:alpha val="43137"/>
-                    </a:srgbClr>
-                  </a:outerShdw>
-                </a:effectLst>
-                <a:latin typeface="微軟正黑體" panose="020B0604030504040204" pitchFamily="34" charset="-120"/>
-                <a:ea typeface="微軟正黑體" panose="020B0604030504040204" pitchFamily="34" charset="-120"/>
-                <a:cs typeface="Heiti TC Light"/>
-              </a:rPr>
-              <a:t>/.</a:t>
-            </a:r>
-            <a:r>
-              <a:rPr kumimoji="1" lang="en-US" altLang="zh-TW" sz="3200" dirty="0" err="1">
-                <a:solidFill>
-                  <a:prstClr val="white"/>
-                </a:solidFill>
-                <a:effectLst>
-                  <a:outerShdw blurRad="38100" dist="38100" dir="2700000" algn="tl">
-                    <a:srgbClr val="000000">
-                      <a:alpha val="43137"/>
-                    </a:srgbClr>
-                  </a:outerShdw>
-                </a:effectLst>
-                <a:latin typeface="微軟正黑體" panose="020B0604030504040204" pitchFamily="34" charset="-120"/>
-                <a:ea typeface="微軟正黑體" panose="020B0604030504040204" pitchFamily="34" charset="-120"/>
-                <a:cs typeface="Heiti TC Light"/>
-              </a:rPr>
-              <a:t>zshrc</a:t>
-            </a:r>
-            <a:r>
-              <a:rPr kumimoji="1" lang="zh-TW" altLang="en-US" sz="3200" dirty="0">
-                <a:solidFill>
-                  <a:prstClr val="white"/>
-                </a:solidFill>
-                <a:effectLst>
-                  <a:outerShdw blurRad="38100" dist="38100" dir="2700000" algn="tl">
-                    <a:srgbClr val="000000">
-                      <a:alpha val="43137"/>
-                    </a:srgbClr>
-                  </a:outerShdw>
-                </a:effectLst>
-                <a:latin typeface="微軟正黑體" panose="020B0604030504040204" pitchFamily="34" charset="-120"/>
-                <a:ea typeface="微軟正黑體" panose="020B0604030504040204" pitchFamily="34" charset="-120"/>
-                <a:cs typeface="Heiti TC Light"/>
-              </a:rPr>
-              <a:t>中也無法多</a:t>
+              <a:t>正確作法：使用</a:t>
             </a:r>
             <a:r>
               <a:rPr kumimoji="1" lang="en-US" altLang="zh-TW" sz="3200" dirty="0" err="1">
@@ -35574,7 +35705,7 @@
                 <a:ea typeface="微軟正黑體" panose="020B0604030504040204" pitchFamily="34" charset="-120"/>
                 <a:cs typeface="Heiti TC Light"/>
               </a:rPr>
-              <a:t>環境</a:t>
+              <a:t>設定</a:t>
             </a:r>
             <a:endParaRPr kumimoji="1" lang="en-US" altLang="zh-TW" sz="3200" dirty="0">
               <a:solidFill>
@@ -35592,331 +35723,6 @@
               <a:cs typeface="Heiti TC Light"/>
             </a:endParaRPr>
           </a:p>
-        </p:txBody>
-      </p:sp>
-      <p:sp>
-        <p:nvSpPr>
-          <p:cNvPr id="12" name="十字形 11">
-            <a:extLst>
-              <a:ext uri="{FF2B5EF4-FFF2-40B4-BE49-F238E27FC236}">
-                <a16:creationId xmlns:a16="http://schemas.microsoft.com/office/drawing/2014/main" id="{26C0F4EF-5854-056E-03CD-6C4AB1BFF050}"/>
-              </a:ext>
-            </a:extLst>
-          </p:cNvPr>
-          <p:cNvSpPr/>
-          <p:nvPr/>
-        </p:nvSpPr>
-        <p:spPr>
-          <a:xfrm rot="2678540">
-            <a:off x="3461808" y="3816959"/>
-            <a:ext cx="1601130" cy="1601029"/>
-          </a:xfrm>
-          <a:prstGeom prst="plus">
-            <a:avLst>
-              <a:gd name="adj" fmla="val 41084"/>
-            </a:avLst>
-          </a:prstGeom>
-          <a:solidFill>
-            <a:srgbClr val="FF0000"/>
-          </a:solidFill>
-        </p:spPr>
-        <p:style>
-          <a:lnRef idx="2">
-            <a:schemeClr val="accent1">
-              <a:shade val="15000"/>
-            </a:schemeClr>
-          </a:lnRef>
-          <a:fillRef idx="1">
-            <a:schemeClr val="accent1"/>
-          </a:fillRef>
-          <a:effectRef idx="0">
-            <a:schemeClr val="accent1"/>
-          </a:effectRef>
-          <a:fontRef idx="minor">
-            <a:schemeClr val="lt1"/>
-          </a:fontRef>
-        </p:style>
-        <p:txBody>
-          <a:bodyPr rtlCol="0" anchor="ctr"/>
-          <a:lstStyle/>
-          <a:p>
-            <a:pPr algn="ctr"/>
-            <a:endParaRPr lang="zh-TW" altLang="en-US"/>
-          </a:p>
-        </p:txBody>
-      </p:sp>
-    </p:spTree>
-    <p:extLst>
-      <p:ext uri="{BB962C8B-B14F-4D97-AF65-F5344CB8AC3E}">
-        <p14:creationId xmlns:p14="http://schemas.microsoft.com/office/powerpoint/2010/main" val="1072960598"/>
-      </p:ext>
-    </p:extLst>
-  </p:cSld>
-  <p:clrMapOvr>
-    <a:masterClrMapping/>
-  </p:clrMapOvr>
-  <p:transition>
-    <p:fade/>
-  </p:transition>
-  <p:timing>
-    <p:tnLst>
-      <p:par>
-        <p:cTn id="1" dur="indefinite" restart="never" nodeType="tmRoot">
-          <p:childTnLst>
-            <p:seq concurrent="1" nextAc="seek">
-              <p:cTn id="2" dur="indefinite" nodeType="mainSeq">
-                <p:childTnLst>
-                  <p:par>
-                    <p:cTn id="3" fill="hold">
-                      <p:stCondLst>
-                        <p:cond delay="indefinite"/>
-                      </p:stCondLst>
-                      <p:childTnLst>
-                        <p:par>
-                          <p:cTn id="4" fill="hold">
-                            <p:stCondLst>
-                              <p:cond delay="0"/>
-                            </p:stCondLst>
-                            <p:childTnLst>
-                              <p:par>
-                                <p:cTn id="5" presetID="10" presetClass="entr" presetSubtype="0" fill="hold" grpId="0" nodeType="clickEffect">
-                                  <p:stCondLst>
-                                    <p:cond delay="0"/>
-                                  </p:stCondLst>
-                                  <p:childTnLst>
-                                    <p:set>
-                                      <p:cBhvr>
-                                        <p:cTn id="6" dur="1" fill="hold">
-                                          <p:stCondLst>
-                                            <p:cond delay="0"/>
-                                          </p:stCondLst>
-                                        </p:cTn>
-                                        <p:tgtEl>
-                                          <p:spTgt spid="12"/>
-                                        </p:tgtEl>
-                                        <p:attrNameLst>
-                                          <p:attrName>style.visibility</p:attrName>
-                                        </p:attrNameLst>
-                                      </p:cBhvr>
-                                      <p:to>
-                                        <p:strVal val="visible"/>
-                                      </p:to>
-                                    </p:set>
-                                    <p:animEffect transition="in" filter="fade">
-                                      <p:cBhvr>
-                                        <p:cTn id="7" dur="500"/>
-                                        <p:tgtEl>
-                                          <p:spTgt spid="12"/>
-                                        </p:tgtEl>
-                                      </p:cBhvr>
-                                    </p:animEffect>
-                                  </p:childTnLst>
-                                </p:cTn>
-                              </p:par>
-                            </p:childTnLst>
-                          </p:cTn>
-                        </p:par>
-                      </p:childTnLst>
-                    </p:cTn>
-                  </p:par>
-                </p:childTnLst>
-              </p:cTn>
-              <p:prevCondLst>
-                <p:cond evt="onPrev" delay="0">
-                  <p:tgtEl>
-                    <p:sldTgt/>
-                  </p:tgtEl>
-                </p:cond>
-              </p:prevCondLst>
-              <p:nextCondLst>
-                <p:cond evt="onNext" delay="0">
-                  <p:tgtEl>
-                    <p:sldTgt/>
-                  </p:tgtEl>
-                </p:cond>
-              </p:nextCondLst>
-            </p:seq>
-          </p:childTnLst>
-        </p:cTn>
-      </p:par>
-    </p:tnLst>
-    <p:bldLst>
-      <p:bldP spid="12" grpId="0" animBg="1"/>
-    </p:bldLst>
-  </p:timing>
-</p:sld>
-</file>
-
-<file path=ppt/slides/slide46.xml><?xml version="1.0" encoding="utf-8"?>
-<p:sld xmlns:a="http://schemas.openxmlformats.org/drawingml/2006/main" xmlns:r="http://schemas.openxmlformats.org/officeDocument/2006/relationships" xmlns:p="http://schemas.openxmlformats.org/presentationml/2006/main">
-  <p:cSld>
-    <p:spTree>
-      <p:nvGrpSpPr>
-        <p:cNvPr id="1" name=""/>
-        <p:cNvGrpSpPr/>
-        <p:nvPr/>
-      </p:nvGrpSpPr>
-      <p:grpSpPr>
-        <a:xfrm>
-          <a:off x="0" y="0"/>
-          <a:ext cx="0" cy="0"/>
-          <a:chOff x="0" y="0"/>
-          <a:chExt cx="0" cy="0"/>
-        </a:xfrm>
-      </p:grpSpPr>
-      <p:sp>
-        <p:nvSpPr>
-          <p:cNvPr id="6" name="文字版面配置區 2">
-            <a:extLst>
-              <a:ext uri="{FF2B5EF4-FFF2-40B4-BE49-F238E27FC236}">
-                <a16:creationId xmlns:a16="http://schemas.microsoft.com/office/drawing/2014/main" id="{DC362AB1-BDCB-D11A-89BE-0A2EC77A4AD2}"/>
-              </a:ext>
-            </a:extLst>
-          </p:cNvPr>
-          <p:cNvSpPr txBox="1">
-            <a:spLocks/>
-          </p:cNvSpPr>
-          <p:nvPr/>
-        </p:nvSpPr>
-        <p:spPr>
-          <a:xfrm>
-            <a:off x="1373707" y="110010"/>
-            <a:ext cx="7407034" cy="990600"/>
-          </a:xfrm>
-          <a:prstGeom prst="rect">
-            <a:avLst/>
-          </a:prstGeom>
-        </p:spPr>
-        <p:txBody>
-          <a:bodyPr tIns="91440" bIns="91440" anchor="b" anchorCtr="0">
-            <a:noAutofit/>
-          </a:bodyPr>
-          <a:lstStyle/>
-          <a:p>
-            <a:pPr algn="just">
-              <a:spcBef>
-                <a:spcPct val="20000"/>
-              </a:spcBef>
-              <a:defRPr/>
-            </a:pPr>
-            <a:r>
-              <a:rPr lang="zh-TW" altLang="en-US" sz="4800" b="1" kern="0" dirty="0">
-                <a:solidFill>
-                  <a:srgbClr val="00B0F0"/>
-                </a:solidFill>
-                <a:effectLst>
-                  <a:outerShdw blurRad="38100" dist="38100" dir="2700000" algn="tl">
-                    <a:srgbClr val="000000">
-                      <a:alpha val="43137"/>
-                    </a:srgbClr>
-                  </a:outerShdw>
-                </a:effectLst>
-                <a:latin typeface="微軟正黑體" panose="020B0604030504040204" pitchFamily="34" charset="-120"/>
-                <a:ea typeface="微軟正黑體" panose="020B0604030504040204" pitchFamily="34" charset="-120"/>
-              </a:rPr>
-              <a:t>在開發環境中設定變數</a:t>
-            </a:r>
-          </a:p>
-        </p:txBody>
-      </p:sp>
-      <p:sp>
-        <p:nvSpPr>
-          <p:cNvPr id="2" name="文字方塊 1">
-            <a:extLst>
-              <a:ext uri="{FF2B5EF4-FFF2-40B4-BE49-F238E27FC236}">
-                <a16:creationId xmlns:a16="http://schemas.microsoft.com/office/drawing/2014/main" id="{178B99C9-F0FA-7E8E-5EC7-27E6EAB07462}"/>
-              </a:ext>
-            </a:extLst>
-          </p:cNvPr>
-          <p:cNvSpPr txBox="1"/>
-          <p:nvPr/>
-        </p:nvSpPr>
-        <p:spPr>
-          <a:xfrm>
-            <a:off x="632637" y="1211150"/>
-            <a:ext cx="8077200" cy="2062103"/>
-          </a:xfrm>
-          <a:prstGeom prst="rect">
-            <a:avLst/>
-          </a:prstGeom>
-          <a:noFill/>
-        </p:spPr>
-        <p:txBody>
-          <a:bodyPr wrap="square" rtlCol="0">
-            <a:spAutoFit/>
-          </a:bodyPr>
-          <a:lstStyle/>
-          <a:p>
-            <a:r>
-              <a:rPr kumimoji="1" lang="zh-TW" altLang="en-US" sz="3200" dirty="0">
-                <a:solidFill>
-                  <a:prstClr val="white"/>
-                </a:solidFill>
-                <a:effectLst>
-                  <a:outerShdw blurRad="38100" dist="38100" dir="2700000" algn="tl">
-                    <a:srgbClr val="000000">
-                      <a:alpha val="43137"/>
-                    </a:srgbClr>
-                  </a:outerShdw>
-                </a:effectLst>
-                <a:latin typeface="微軟正黑體" panose="020B0604030504040204" pitchFamily="34" charset="-120"/>
-                <a:ea typeface="微軟正黑體" panose="020B0604030504040204" pitchFamily="34" charset="-120"/>
-                <a:cs typeface="Heiti TC Light"/>
-              </a:rPr>
-              <a:t>正確作法：使用</a:t>
-            </a:r>
-            <a:r>
-              <a:rPr kumimoji="1" lang="en-US" altLang="zh-TW" sz="3200" dirty="0" err="1">
-                <a:solidFill>
-                  <a:prstClr val="white"/>
-                </a:solidFill>
-                <a:effectLst>
-                  <a:outerShdw blurRad="38100" dist="38100" dir="2700000" algn="tl">
-                    <a:srgbClr val="000000">
-                      <a:alpha val="43137"/>
-                    </a:srgbClr>
-                  </a:outerShdw>
-                </a:effectLst>
-                <a:latin typeface="微軟正黑體" panose="020B0604030504040204" pitchFamily="34" charset="-120"/>
-                <a:ea typeface="微軟正黑體" panose="020B0604030504040204" pitchFamily="34" charset="-120"/>
-                <a:cs typeface="Heiti TC Light"/>
-              </a:rPr>
-              <a:t>conda</a:t>
-            </a:r>
-            <a:r>
-              <a:rPr kumimoji="1" lang="zh-TW" altLang="en-US" sz="3200" dirty="0">
-                <a:solidFill>
-                  <a:prstClr val="white"/>
-                </a:solidFill>
-                <a:effectLst>
-                  <a:outerShdw blurRad="38100" dist="38100" dir="2700000" algn="tl">
-                    <a:srgbClr val="000000">
-                      <a:alpha val="43137"/>
-                    </a:srgbClr>
-                  </a:outerShdw>
-                </a:effectLst>
-                <a:latin typeface="微軟正黑體" panose="020B0604030504040204" pitchFamily="34" charset="-120"/>
-                <a:ea typeface="微軟正黑體" panose="020B0604030504040204" pitchFamily="34" charset="-120"/>
-                <a:cs typeface="Heiti TC Light"/>
-              </a:rPr>
-              <a:t>設定</a:t>
-            </a:r>
-            <a:endParaRPr kumimoji="1" lang="en-US" altLang="zh-TW" sz="3200" dirty="0">
-              <a:solidFill>
-                <a:prstClr val="white"/>
-              </a:solidFill>
-              <a:effectLst>
-                <a:outerShdw blurRad="38100" dist="38100" dir="2700000" algn="tl">
-                  <a:srgbClr val="000000">
-                    <a:alpha val="43137"/>
-                  </a:srgbClr>
-                </a:outerShdw>
-              </a:effectLst>
-              <a:latin typeface="微軟正黑體" panose="020B0604030504040204" pitchFamily="34" charset="-120"/>
-              <a:ea typeface="微軟正黑體" panose="020B0604030504040204" pitchFamily="34" charset="-120"/>
-              <a:cs typeface="Heiti TC Light"/>
-            </a:endParaRPr>
-          </a:p>
           <a:p>
             <a:r>
               <a:rPr kumimoji="1" lang="en-US" altLang="zh-TW" sz="3200" dirty="0" err="1">
@@ -36100,36 +35906,6 @@
           </a:p>
         </p:txBody>
       </p:sp>
-      <p:pic>
-        <p:nvPicPr>
-          <p:cNvPr id="7" name="圖片 6">
-            <a:extLst>
-              <a:ext uri="{FF2B5EF4-FFF2-40B4-BE49-F238E27FC236}">
-                <a16:creationId xmlns:a16="http://schemas.microsoft.com/office/drawing/2014/main" id="{711FF12B-5AE4-9032-FBCE-378EB4EDEEE6}"/>
-              </a:ext>
-            </a:extLst>
-          </p:cNvPr>
-          <p:cNvPicPr>
-            <a:picLocks noChangeAspect="1"/>
-          </p:cNvPicPr>
-          <p:nvPr/>
-        </p:nvPicPr>
-        <p:blipFill>
-          <a:blip r:embed="rId2"/>
-          <a:stretch>
-            <a:fillRect/>
-          </a:stretch>
-        </p:blipFill>
-        <p:spPr>
-          <a:xfrm>
-            <a:off x="220183" y="3924521"/>
-            <a:ext cx="8420100" cy="2000250"/>
-          </a:xfrm>
-          <a:prstGeom prst="rect">
-            <a:avLst/>
-          </a:prstGeom>
-        </p:spPr>
-      </p:pic>
       <p:pic>
         <p:nvPicPr>
           <p:cNvPr id="14" name="圖形 13" descr="核取記號 以實心填滿">
@@ -36268,6 +36044,245 @@
 </p:sld>
 </file>
 
+<file path=ppt/slides/slide46.xml><?xml version="1.0" encoding="utf-8"?>
+<p:sld xmlns:a="http://schemas.openxmlformats.org/drawingml/2006/main" xmlns:r="http://schemas.openxmlformats.org/officeDocument/2006/relationships" xmlns:p="http://schemas.openxmlformats.org/presentationml/2006/main">
+  <p:cSld>
+    <p:spTree>
+      <p:nvGrpSpPr>
+        <p:cNvPr id="1" name=""/>
+        <p:cNvGrpSpPr/>
+        <p:nvPr/>
+      </p:nvGrpSpPr>
+      <p:grpSpPr>
+        <a:xfrm>
+          <a:off x="0" y="0"/>
+          <a:ext cx="0" cy="0"/>
+          <a:chOff x="0" y="0"/>
+          <a:chExt cx="0" cy="0"/>
+        </a:xfrm>
+      </p:grpSpPr>
+      <p:sp>
+        <p:nvSpPr>
+          <p:cNvPr id="6" name="文字版面配置區 2">
+            <a:extLst>
+              <a:ext uri="{FF2B5EF4-FFF2-40B4-BE49-F238E27FC236}">
+                <a16:creationId xmlns:a16="http://schemas.microsoft.com/office/drawing/2014/main" id="{DC362AB1-BDCB-D11A-89BE-0A2EC77A4AD2}"/>
+              </a:ext>
+            </a:extLst>
+          </p:cNvPr>
+          <p:cNvSpPr txBox="1">
+            <a:spLocks/>
+          </p:cNvSpPr>
+          <p:nvPr/>
+        </p:nvSpPr>
+        <p:spPr>
+          <a:xfrm>
+            <a:off x="1373707" y="110010"/>
+            <a:ext cx="7407034" cy="990600"/>
+          </a:xfrm>
+          <a:prstGeom prst="rect">
+            <a:avLst/>
+          </a:prstGeom>
+        </p:spPr>
+        <p:txBody>
+          <a:bodyPr tIns="91440" bIns="91440" anchor="b" anchorCtr="0">
+            <a:noAutofit/>
+          </a:bodyPr>
+          <a:lstStyle/>
+          <a:p>
+            <a:pPr algn="just">
+              <a:spcBef>
+                <a:spcPct val="20000"/>
+              </a:spcBef>
+              <a:defRPr/>
+            </a:pPr>
+            <a:r>
+              <a:rPr lang="zh-TW" altLang="en-US" sz="4800" b="1" kern="0" dirty="0">
+                <a:solidFill>
+                  <a:srgbClr val="00B0F0"/>
+                </a:solidFill>
+                <a:effectLst>
+                  <a:outerShdw blurRad="38100" dist="38100" dir="2700000" algn="tl">
+                    <a:srgbClr val="000000">
+                      <a:alpha val="43137"/>
+                    </a:srgbClr>
+                  </a:outerShdw>
+                </a:effectLst>
+                <a:latin typeface="微軟正黑體" panose="020B0604030504040204" pitchFamily="34" charset="-120"/>
+                <a:ea typeface="微軟正黑體" panose="020B0604030504040204" pitchFamily="34" charset="-120"/>
+              </a:rPr>
+              <a:t>在開發環境中設定變數</a:t>
+            </a:r>
+          </a:p>
+        </p:txBody>
+      </p:sp>
+      <p:sp>
+        <p:nvSpPr>
+          <p:cNvPr id="2" name="文字方塊 1">
+            <a:extLst>
+              <a:ext uri="{FF2B5EF4-FFF2-40B4-BE49-F238E27FC236}">
+                <a16:creationId xmlns:a16="http://schemas.microsoft.com/office/drawing/2014/main" id="{178B99C9-F0FA-7E8E-5EC7-27E6EAB07462}"/>
+              </a:ext>
+            </a:extLst>
+          </p:cNvPr>
+          <p:cNvSpPr txBox="1"/>
+          <p:nvPr/>
+        </p:nvSpPr>
+        <p:spPr>
+          <a:xfrm>
+            <a:off x="632637" y="1211150"/>
+            <a:ext cx="8077200" cy="584775"/>
+          </a:xfrm>
+          <a:prstGeom prst="rect">
+            <a:avLst/>
+          </a:prstGeom>
+          <a:noFill/>
+        </p:spPr>
+        <p:txBody>
+          <a:bodyPr wrap="square" rtlCol="0">
+            <a:spAutoFit/>
+          </a:bodyPr>
+          <a:lstStyle/>
+          <a:p>
+            <a:r>
+              <a:rPr kumimoji="1" lang="zh-TW" altLang="en-US" sz="3200" dirty="0">
+                <a:solidFill>
+                  <a:prstClr val="white"/>
+                </a:solidFill>
+                <a:effectLst>
+                  <a:outerShdw blurRad="38100" dist="38100" dir="2700000" algn="tl">
+                    <a:srgbClr val="000000">
+                      <a:alpha val="43137"/>
+                    </a:srgbClr>
+                  </a:outerShdw>
+                </a:effectLst>
+                <a:latin typeface="微軟正黑體" panose="020B0604030504040204" pitchFamily="34" charset="-120"/>
+                <a:ea typeface="微軟正黑體" panose="020B0604030504040204" pitchFamily="34" charset="-120"/>
+                <a:cs typeface="Heiti TC Light"/>
+              </a:rPr>
+              <a:t>正確作法：在</a:t>
+            </a:r>
+            <a:r>
+              <a:rPr kumimoji="1" lang="en-US" altLang="zh-TW" sz="3200" dirty="0">
+                <a:solidFill>
+                  <a:prstClr val="white"/>
+                </a:solidFill>
+                <a:effectLst>
+                  <a:outerShdw blurRad="38100" dist="38100" dir="2700000" algn="tl">
+                    <a:srgbClr val="000000">
+                      <a:alpha val="43137"/>
+                    </a:srgbClr>
+                  </a:outerShdw>
+                </a:effectLst>
+                <a:latin typeface="微軟正黑體" panose="020B0604030504040204" pitchFamily="34" charset="-120"/>
+                <a:ea typeface="微軟正黑體" panose="020B0604030504040204" pitchFamily="34" charset="-120"/>
+                <a:cs typeface="Heiti TC Light"/>
+              </a:rPr>
+              <a:t>python</a:t>
+            </a:r>
+            <a:r>
+              <a:rPr kumimoji="1" lang="zh-TW" altLang="en-US" sz="3200" dirty="0">
+                <a:solidFill>
+                  <a:prstClr val="white"/>
+                </a:solidFill>
+                <a:effectLst>
+                  <a:outerShdw blurRad="38100" dist="38100" dir="2700000" algn="tl">
+                    <a:srgbClr val="000000">
+                      <a:alpha val="43137"/>
+                    </a:srgbClr>
+                  </a:outerShdw>
+                </a:effectLst>
+                <a:latin typeface="微軟正黑體" panose="020B0604030504040204" pitchFamily="34" charset="-120"/>
+                <a:ea typeface="微軟正黑體" panose="020B0604030504040204" pitchFamily="34" charset="-120"/>
+                <a:cs typeface="Heiti TC Light"/>
+              </a:rPr>
+              <a:t>中使用</a:t>
+            </a:r>
+            <a:r>
+              <a:rPr kumimoji="1" lang="en-US" altLang="zh-TW" sz="3200" dirty="0" err="1">
+                <a:solidFill>
+                  <a:prstClr val="white"/>
+                </a:solidFill>
+                <a:effectLst>
+                  <a:outerShdw blurRad="38100" dist="38100" dir="2700000" algn="tl">
+                    <a:srgbClr val="000000">
+                      <a:alpha val="43137"/>
+                    </a:srgbClr>
+                  </a:outerShdw>
+                </a:effectLst>
+                <a:latin typeface="微軟正黑體" panose="020B0604030504040204" pitchFamily="34" charset="-120"/>
+                <a:ea typeface="微軟正黑體" panose="020B0604030504040204" pitchFamily="34" charset="-120"/>
+                <a:cs typeface="Heiti TC Light"/>
+              </a:rPr>
+              <a:t>os.environ.get</a:t>
+            </a:r>
+            <a:r>
+              <a:rPr kumimoji="1" lang="en-US" altLang="zh-TW" sz="3200" dirty="0">
+                <a:solidFill>
+                  <a:prstClr val="white"/>
+                </a:solidFill>
+                <a:effectLst>
+                  <a:outerShdw blurRad="38100" dist="38100" dir="2700000" algn="tl">
+                    <a:srgbClr val="000000">
+                      <a:alpha val="43137"/>
+                    </a:srgbClr>
+                  </a:outerShdw>
+                </a:effectLst>
+                <a:latin typeface="微軟正黑體" panose="020B0604030504040204" pitchFamily="34" charset="-120"/>
+                <a:ea typeface="微軟正黑體" panose="020B0604030504040204" pitchFamily="34" charset="-120"/>
+                <a:cs typeface="Heiti TC Light"/>
+              </a:rPr>
+              <a:t>()</a:t>
+            </a:r>
+          </a:p>
+        </p:txBody>
+      </p:sp>
+      <p:pic>
+        <p:nvPicPr>
+          <p:cNvPr id="5" name="圖片 4">
+            <a:extLst>
+              <a:ext uri="{FF2B5EF4-FFF2-40B4-BE49-F238E27FC236}">
+                <a16:creationId xmlns:a16="http://schemas.microsoft.com/office/drawing/2014/main" id="{19C60C62-B511-57FF-2146-29A0E9B784CA}"/>
+              </a:ext>
+            </a:extLst>
+          </p:cNvPr>
+          <p:cNvPicPr>
+            <a:picLocks noChangeAspect="1"/>
+          </p:cNvPicPr>
+          <p:nvPr/>
+        </p:nvPicPr>
+        <p:blipFill>
+          <a:blip r:embed="rId2"/>
+          <a:stretch>
+            <a:fillRect/>
+          </a:stretch>
+        </p:blipFill>
+        <p:spPr>
+          <a:xfrm>
+            <a:off x="388637" y="2262021"/>
+            <a:ext cx="8366725" cy="3384829"/>
+          </a:xfrm>
+          <a:prstGeom prst="rect">
+            <a:avLst/>
+          </a:prstGeom>
+        </p:spPr>
+      </p:pic>
+    </p:spTree>
+    <p:extLst>
+      <p:ext uri="{BB962C8B-B14F-4D97-AF65-F5344CB8AC3E}">
+        <p14:creationId xmlns:p14="http://schemas.microsoft.com/office/powerpoint/2010/main" val="3040650782"/>
+      </p:ext>
+    </p:extLst>
+  </p:cSld>
+  <p:clrMapOvr>
+    <a:masterClrMapping/>
+  </p:clrMapOvr>
+  <p:transition>
+    <p:fade/>
+  </p:transition>
+</p:sld>
+</file>
+
 <file path=ppt/slides/slide47.xml><?xml version="1.0" encoding="utf-8"?>
 <p:sld xmlns:a="http://schemas.openxmlformats.org/drawingml/2006/main" xmlns:r="http://schemas.openxmlformats.org/officeDocument/2006/relationships" xmlns:p="http://schemas.openxmlformats.org/presentationml/2006/main">
   <p:cSld>
@@ -36301,7 +36316,7 @@
         </p:nvSpPr>
         <p:spPr>
           <a:xfrm>
-            <a:off x="1373707" y="110010"/>
+            <a:off x="1309912" y="358103"/>
             <a:ext cx="7407034" cy="990600"/>
           </a:xfrm>
           <a:prstGeom prst="rect">
@@ -36335,43 +36350,12 @@
                 <a:latin typeface="微軟正黑體" panose="020B0604030504040204" pitchFamily="34" charset="-120"/>
                 <a:ea typeface="微軟正黑體" panose="020B0604030504040204" pitchFamily="34" charset="-120"/>
               </a:rPr>
-              <a:t>在開發環境中設定變數</a:t>
-            </a:r>
-          </a:p>
-        </p:txBody>
-      </p:sp>
-      <p:sp>
-        <p:nvSpPr>
-          <p:cNvPr id="2" name="文字方塊 1">
-            <a:extLst>
-              <a:ext uri="{FF2B5EF4-FFF2-40B4-BE49-F238E27FC236}">
-                <a16:creationId xmlns:a16="http://schemas.microsoft.com/office/drawing/2014/main" id="{178B99C9-F0FA-7E8E-5EC7-27E6EAB07462}"/>
-              </a:ext>
-            </a:extLst>
-          </p:cNvPr>
-          <p:cNvSpPr txBox="1"/>
-          <p:nvPr/>
-        </p:nvSpPr>
-        <p:spPr>
-          <a:xfrm>
-            <a:off x="632637" y="1211150"/>
-            <a:ext cx="8077200" cy="584775"/>
-          </a:xfrm>
-          <a:prstGeom prst="rect">
-            <a:avLst/>
-          </a:prstGeom>
-          <a:noFill/>
-        </p:spPr>
-        <p:txBody>
-          <a:bodyPr wrap="square" rtlCol="0">
-            <a:spAutoFit/>
-          </a:bodyPr>
-          <a:lstStyle/>
-          <a:p>
-            <a:r>
-              <a:rPr kumimoji="1" lang="zh-TW" altLang="en-US" sz="3200" dirty="0">
-                <a:solidFill>
-                  <a:prstClr val="white"/>
+              <a:t>設定</a:t>
+            </a:r>
+            <a:r>
+              <a:rPr lang="en-US" altLang="zh-TW" sz="4800" b="1" kern="0" dirty="0">
+                <a:solidFill>
+                  <a:srgbClr val="00B0F0"/>
                 </a:solidFill>
                 <a:effectLst>
                   <a:outerShdw blurRad="38100" dist="38100" dir="2700000" algn="tl">
@@ -36382,91 +36366,32 @@
                 </a:effectLst>
                 <a:latin typeface="微軟正黑體" panose="020B0604030504040204" pitchFamily="34" charset="-120"/>
                 <a:ea typeface="微軟正黑體" panose="020B0604030504040204" pitchFamily="34" charset="-120"/>
-                <a:cs typeface="Heiti TC Light"/>
               </a:rPr>
-              <a:t>正確作法：在</a:t>
-            </a:r>
-            <a:r>
-              <a:rPr kumimoji="1" lang="en-US" altLang="zh-TW" sz="3200" dirty="0">
-                <a:solidFill>
-                  <a:prstClr val="white"/>
-                </a:solidFill>
-                <a:effectLst>
-                  <a:outerShdw blurRad="38100" dist="38100" dir="2700000" algn="tl">
-                    <a:srgbClr val="000000">
-                      <a:alpha val="43137"/>
-                    </a:srgbClr>
-                  </a:outerShdw>
-                </a:effectLst>
-                <a:latin typeface="微軟正黑體" panose="020B0604030504040204" pitchFamily="34" charset="-120"/>
-                <a:ea typeface="微軟正黑體" panose="020B0604030504040204" pitchFamily="34" charset="-120"/>
-                <a:cs typeface="Heiti TC Light"/>
-              </a:rPr>
-              <a:t>python</a:t>
-            </a:r>
-            <a:r>
-              <a:rPr kumimoji="1" lang="zh-TW" altLang="en-US" sz="3200" dirty="0">
-                <a:solidFill>
-                  <a:prstClr val="white"/>
-                </a:solidFill>
-                <a:effectLst>
-                  <a:outerShdw blurRad="38100" dist="38100" dir="2700000" algn="tl">
-                    <a:srgbClr val="000000">
-                      <a:alpha val="43137"/>
-                    </a:srgbClr>
-                  </a:outerShdw>
-                </a:effectLst>
-                <a:latin typeface="微軟正黑體" panose="020B0604030504040204" pitchFamily="34" charset="-120"/>
-                <a:ea typeface="微軟正黑體" panose="020B0604030504040204" pitchFamily="34" charset="-120"/>
-                <a:cs typeface="Heiti TC Light"/>
-              </a:rPr>
-              <a:t>中使用</a:t>
-            </a:r>
-            <a:r>
-              <a:rPr kumimoji="1" lang="en-US" altLang="zh-TW" sz="3200" dirty="0" err="1">
-                <a:solidFill>
-                  <a:prstClr val="white"/>
-                </a:solidFill>
-                <a:effectLst>
-                  <a:outerShdw blurRad="38100" dist="38100" dir="2700000" algn="tl">
-                    <a:srgbClr val="000000">
-                      <a:alpha val="43137"/>
-                    </a:srgbClr>
-                  </a:outerShdw>
-                </a:effectLst>
-                <a:latin typeface="微軟正黑體" panose="020B0604030504040204" pitchFamily="34" charset="-120"/>
-                <a:ea typeface="微軟正黑體" panose="020B0604030504040204" pitchFamily="34" charset="-120"/>
-                <a:cs typeface="Heiti TC Light"/>
-              </a:rPr>
-              <a:t>os.environ.get</a:t>
-            </a:r>
-            <a:r>
-              <a:rPr kumimoji="1" lang="en-US" altLang="zh-TW" sz="3200" dirty="0">
-                <a:solidFill>
-                  <a:prstClr val="white"/>
-                </a:solidFill>
-                <a:effectLst>
-                  <a:outerShdw blurRad="38100" dist="38100" dir="2700000" algn="tl">
-                    <a:srgbClr val="000000">
-                      <a:alpha val="43137"/>
-                    </a:srgbClr>
-                  </a:outerShdw>
-                </a:effectLst>
-                <a:latin typeface="微軟正黑體" panose="020B0604030504040204" pitchFamily="34" charset="-120"/>
-                <a:ea typeface="微軟正黑體" panose="020B0604030504040204" pitchFamily="34" charset="-120"/>
-                <a:cs typeface="Heiti TC Light"/>
-              </a:rPr>
-              <a:t>()</a:t>
-            </a:r>
+              <a:t>LINE Channel Secret</a:t>
+            </a:r>
+            <a:endParaRPr lang="zh-TW" altLang="en-US" sz="4800" b="1" kern="0" dirty="0">
+              <a:solidFill>
+                <a:srgbClr val="00B0F0"/>
+              </a:solidFill>
+              <a:effectLst>
+                <a:outerShdw blurRad="38100" dist="38100" dir="2700000" algn="tl">
+                  <a:srgbClr val="000000">
+                    <a:alpha val="43137"/>
+                  </a:srgbClr>
+                </a:outerShdw>
+              </a:effectLst>
+              <a:latin typeface="微軟正黑體" panose="020B0604030504040204" pitchFamily="34" charset="-120"/>
+              <a:ea typeface="微軟正黑體" panose="020B0604030504040204" pitchFamily="34" charset="-120"/>
+            </a:endParaRPr>
           </a:p>
         </p:txBody>
       </p:sp>
       <p:pic>
         <p:nvPicPr>
-          <p:cNvPr id="4" name="圖片 3">
+          <p:cNvPr id="5" name="圖片 4">
             <a:extLst>
               <a:ext uri="{FF2B5EF4-FFF2-40B4-BE49-F238E27FC236}">
-                <a16:creationId xmlns:a16="http://schemas.microsoft.com/office/drawing/2014/main" id="{6486FD5C-741E-CDEB-94D0-0FB5935C26F9}"/>
+                <a16:creationId xmlns:a16="http://schemas.microsoft.com/office/drawing/2014/main" id="{CDF7741F-1828-F807-08B0-6213B5B006AB}"/>
               </a:ext>
             </a:extLst>
           </p:cNvPr>
@@ -36483,8 +36408,8 @@
         </p:blipFill>
         <p:spPr>
           <a:xfrm>
-            <a:off x="926694" y="2256538"/>
-            <a:ext cx="7592132" cy="3640987"/>
+            <a:off x="0" y="1600711"/>
+            <a:ext cx="9144000" cy="4478830"/>
           </a:xfrm>
           <a:prstGeom prst="rect">
             <a:avLst/>
@@ -36494,7 +36419,7 @@
     </p:spTree>
     <p:extLst>
       <p:ext uri="{BB962C8B-B14F-4D97-AF65-F5344CB8AC3E}">
-        <p14:creationId xmlns:p14="http://schemas.microsoft.com/office/powerpoint/2010/main" val="3040650782"/>
+        <p14:creationId xmlns:p14="http://schemas.microsoft.com/office/powerpoint/2010/main" val="3770080935"/>
       </p:ext>
     </p:extLst>
   </p:cSld>
@@ -36612,10 +36537,10 @@
       </p:sp>
       <p:pic>
         <p:nvPicPr>
-          <p:cNvPr id="5" name="圖片 4">
+          <p:cNvPr id="3" name="圖片 2">
             <a:extLst>
               <a:ext uri="{FF2B5EF4-FFF2-40B4-BE49-F238E27FC236}">
-                <a16:creationId xmlns:a16="http://schemas.microsoft.com/office/drawing/2014/main" id="{CDF7741F-1828-F807-08B0-6213B5B006AB}"/>
+                <a16:creationId xmlns:a16="http://schemas.microsoft.com/office/drawing/2014/main" id="{52196C93-2135-BCB9-E4C7-72301470D2B6}"/>
               </a:ext>
             </a:extLst>
           </p:cNvPr>
@@ -36632,8 +36557,8 @@
         </p:blipFill>
         <p:spPr>
           <a:xfrm>
-            <a:off x="0" y="1600711"/>
-            <a:ext cx="9144000" cy="4478830"/>
+            <a:off x="827588" y="1524708"/>
+            <a:ext cx="7889358" cy="5051381"/>
           </a:xfrm>
           <a:prstGeom prst="rect">
             <a:avLst/>
@@ -36643,7 +36568,7 @@
     </p:spTree>
     <p:extLst>
       <p:ext uri="{BB962C8B-B14F-4D97-AF65-F5344CB8AC3E}">
-        <p14:creationId xmlns:p14="http://schemas.microsoft.com/office/powerpoint/2010/main" val="3770080935"/>
+        <p14:creationId xmlns:p14="http://schemas.microsoft.com/office/powerpoint/2010/main" val="218406963"/>
       </p:ext>
     </p:extLst>
   </p:cSld>
@@ -36761,10 +36686,10 @@
       </p:sp>
       <p:pic>
         <p:nvPicPr>
-          <p:cNvPr id="3" name="圖片 2">
+          <p:cNvPr id="4" name="圖片 3">
             <a:extLst>
               <a:ext uri="{FF2B5EF4-FFF2-40B4-BE49-F238E27FC236}">
-                <a16:creationId xmlns:a16="http://schemas.microsoft.com/office/drawing/2014/main" id="{52196C93-2135-BCB9-E4C7-72301470D2B6}"/>
+                <a16:creationId xmlns:a16="http://schemas.microsoft.com/office/drawing/2014/main" id="{70CC776C-F54E-3EE8-5149-8D2290C22E4F}"/>
               </a:ext>
             </a:extLst>
           </p:cNvPr>
@@ -36781,8 +36706,8 @@
         </p:blipFill>
         <p:spPr>
           <a:xfrm>
-            <a:off x="827588" y="1524708"/>
-            <a:ext cx="7889358" cy="5051381"/>
+            <a:off x="882858" y="1494858"/>
+            <a:ext cx="7834088" cy="4955420"/>
           </a:xfrm>
           <a:prstGeom prst="rect">
             <a:avLst/>
@@ -36792,7 +36717,7 @@
     </p:spTree>
     <p:extLst>
       <p:ext uri="{BB962C8B-B14F-4D97-AF65-F5344CB8AC3E}">
-        <p14:creationId xmlns:p14="http://schemas.microsoft.com/office/powerpoint/2010/main" val="218406963"/>
+        <p14:creationId xmlns:p14="http://schemas.microsoft.com/office/powerpoint/2010/main" val="342026300"/>
       </p:ext>
     </p:extLst>
   </p:cSld>
@@ -37182,10 +37107,10 @@
       </p:sp>
       <p:pic>
         <p:nvPicPr>
-          <p:cNvPr id="4" name="圖片 3">
+          <p:cNvPr id="3" name="圖片 2">
             <a:extLst>
               <a:ext uri="{FF2B5EF4-FFF2-40B4-BE49-F238E27FC236}">
-                <a16:creationId xmlns:a16="http://schemas.microsoft.com/office/drawing/2014/main" id="{70CC776C-F54E-3EE8-5149-8D2290C22E4F}"/>
+                <a16:creationId xmlns:a16="http://schemas.microsoft.com/office/drawing/2014/main" id="{F52818BA-E3FB-E8A1-C61A-1B1B2ED9AF09}"/>
               </a:ext>
             </a:extLst>
           </p:cNvPr>
@@ -37202,8 +37127,8 @@
         </p:blipFill>
         <p:spPr>
           <a:xfrm>
-            <a:off x="882858" y="1494858"/>
-            <a:ext cx="7834088" cy="4955420"/>
+            <a:off x="0" y="1713835"/>
+            <a:ext cx="8944089" cy="5016843"/>
           </a:xfrm>
           <a:prstGeom prst="rect">
             <a:avLst/>
@@ -37213,7 +37138,7 @@
     </p:spTree>
     <p:extLst>
       <p:ext uri="{BB962C8B-B14F-4D97-AF65-F5344CB8AC3E}">
-        <p14:creationId xmlns:p14="http://schemas.microsoft.com/office/powerpoint/2010/main" val="342026300"/>
+        <p14:creationId xmlns:p14="http://schemas.microsoft.com/office/powerpoint/2010/main" val="2937618688"/>
       </p:ext>
     </p:extLst>
   </p:cSld>
@@ -37329,12 +37254,222 @@
           </a:p>
         </p:txBody>
       </p:sp>
+      <p:sp>
+        <p:nvSpPr>
+          <p:cNvPr id="4" name="文字方塊 3">
+            <a:extLst>
+              <a:ext uri="{FF2B5EF4-FFF2-40B4-BE49-F238E27FC236}">
+                <a16:creationId xmlns:a16="http://schemas.microsoft.com/office/drawing/2014/main" id="{2A400E13-7562-60AF-5544-886E3FCCC917}"/>
+              </a:ext>
+            </a:extLst>
+          </p:cNvPr>
+          <p:cNvSpPr txBox="1"/>
+          <p:nvPr/>
+        </p:nvSpPr>
+        <p:spPr>
+          <a:xfrm>
+            <a:off x="427054" y="1412497"/>
+            <a:ext cx="8546824" cy="830997"/>
+          </a:xfrm>
+          <a:prstGeom prst="rect">
+            <a:avLst/>
+          </a:prstGeom>
+          <a:noFill/>
+        </p:spPr>
+        <p:txBody>
+          <a:bodyPr wrap="square">
+            <a:spAutoFit/>
+          </a:bodyPr>
+          <a:lstStyle/>
+          <a:p>
+            <a:r>
+              <a:rPr kumimoji="1" lang="en-US" altLang="zh-TW" sz="2400" dirty="0" err="1">
+                <a:solidFill>
+                  <a:srgbClr val="00B050"/>
+                </a:solidFill>
+                <a:effectLst>
+                  <a:outerShdw blurRad="38100" dist="38100" dir="2700000" algn="tl">
+                    <a:srgbClr val="000000">
+                      <a:alpha val="43137"/>
+                    </a:srgbClr>
+                  </a:outerShdw>
+                </a:effectLst>
+                <a:latin typeface="Consolas" panose="020B0609020204030204" pitchFamily="49" charset="0"/>
+                <a:ea typeface="微軟正黑體" panose="020B0604030504040204" pitchFamily="34" charset="-120"/>
+                <a:cs typeface="Heiti TC Light"/>
+              </a:rPr>
+              <a:t>conda</a:t>
+            </a:r>
+            <a:r>
+              <a:rPr kumimoji="1" lang="en-US" altLang="zh-TW" sz="2400" dirty="0">
+                <a:solidFill>
+                  <a:srgbClr val="00B050"/>
+                </a:solidFill>
+                <a:effectLst>
+                  <a:outerShdw blurRad="38100" dist="38100" dir="2700000" algn="tl">
+                    <a:srgbClr val="000000">
+                      <a:alpha val="43137"/>
+                    </a:srgbClr>
+                  </a:outerShdw>
+                </a:effectLst>
+                <a:latin typeface="Consolas" panose="020B0609020204030204" pitchFamily="49" charset="0"/>
+                <a:ea typeface="微軟正黑體" panose="020B0604030504040204" pitchFamily="34" charset="-120"/>
+                <a:cs typeface="Heiti TC Light"/>
+              </a:rPr>
+              <a:t> activate </a:t>
+            </a:r>
+            <a:r>
+              <a:rPr kumimoji="1" lang="en-US" altLang="zh-TW" sz="2400" dirty="0" err="1">
+                <a:solidFill>
+                  <a:srgbClr val="00B050"/>
+                </a:solidFill>
+                <a:effectLst>
+                  <a:outerShdw blurRad="38100" dist="38100" dir="2700000" algn="tl">
+                    <a:srgbClr val="000000">
+                      <a:alpha val="43137"/>
+                    </a:srgbClr>
+                  </a:outerShdw>
+                </a:effectLst>
+                <a:latin typeface="Consolas" panose="020B0609020204030204" pitchFamily="49" charset="0"/>
+                <a:ea typeface="微軟正黑體" panose="020B0604030504040204" pitchFamily="34" charset="-120"/>
+                <a:cs typeface="Heiti TC Light"/>
+              </a:rPr>
+              <a:t>linebot</a:t>
+            </a:r>
+            <a:endParaRPr kumimoji="1" lang="en-US" altLang="zh-TW" sz="2400" dirty="0">
+              <a:solidFill>
+                <a:srgbClr val="00B050"/>
+              </a:solidFill>
+              <a:effectLst>
+                <a:outerShdw blurRad="38100" dist="38100" dir="2700000" algn="tl">
+                  <a:srgbClr val="000000">
+                    <a:alpha val="43137"/>
+                  </a:srgbClr>
+                </a:outerShdw>
+              </a:effectLst>
+              <a:latin typeface="Consolas" panose="020B0609020204030204" pitchFamily="49" charset="0"/>
+              <a:ea typeface="微軟正黑體" panose="020B0604030504040204" pitchFamily="34" charset="-120"/>
+              <a:cs typeface="Heiti TC Light"/>
+            </a:endParaRPr>
+          </a:p>
+          <a:p>
+            <a:r>
+              <a:rPr kumimoji="1" lang="en-US" altLang="zh-TW" sz="2400" dirty="0" err="1">
+                <a:solidFill>
+                  <a:srgbClr val="00B050"/>
+                </a:solidFill>
+                <a:effectLst>
+                  <a:outerShdw blurRad="38100" dist="38100" dir="2700000" algn="tl">
+                    <a:srgbClr val="000000">
+                      <a:alpha val="43137"/>
+                    </a:srgbClr>
+                  </a:outerShdw>
+                </a:effectLst>
+                <a:latin typeface="Consolas" panose="020B0609020204030204" pitchFamily="49" charset="0"/>
+                <a:ea typeface="微軟正黑體" panose="020B0604030504040204" pitchFamily="34" charset="-120"/>
+                <a:cs typeface="Heiti TC Light"/>
+              </a:rPr>
+              <a:t>conda</a:t>
+            </a:r>
+            <a:r>
+              <a:rPr kumimoji="1" lang="en-US" altLang="zh-TW" sz="2400" dirty="0">
+                <a:solidFill>
+                  <a:srgbClr val="00B050"/>
+                </a:solidFill>
+                <a:effectLst>
+                  <a:outerShdw blurRad="38100" dist="38100" dir="2700000" algn="tl">
+                    <a:srgbClr val="000000">
+                      <a:alpha val="43137"/>
+                    </a:srgbClr>
+                  </a:outerShdw>
+                </a:effectLst>
+                <a:latin typeface="Consolas" panose="020B0609020204030204" pitchFamily="49" charset="0"/>
+                <a:ea typeface="微軟正黑體" panose="020B0604030504040204" pitchFamily="34" charset="-120"/>
+                <a:cs typeface="Heiti TC Light"/>
+              </a:rPr>
+              <a:t> env config vars set &lt;</a:t>
+            </a:r>
+            <a:r>
+              <a:rPr kumimoji="1" lang="zh-TW" altLang="en-US" sz="2400" dirty="0">
+                <a:solidFill>
+                  <a:srgbClr val="00B050"/>
+                </a:solidFill>
+                <a:effectLst>
+                  <a:outerShdw blurRad="38100" dist="38100" dir="2700000" algn="tl">
+                    <a:srgbClr val="000000">
+                      <a:alpha val="43137"/>
+                    </a:srgbClr>
+                  </a:outerShdw>
+                </a:effectLst>
+                <a:latin typeface="Consolas" panose="020B0609020204030204" pitchFamily="49" charset="0"/>
+                <a:ea typeface="微軟正黑體" panose="020B0604030504040204" pitchFamily="34" charset="-120"/>
+                <a:cs typeface="Heiti TC Light"/>
+              </a:rPr>
+              <a:t>要設定的變數</a:t>
+            </a:r>
+            <a:r>
+              <a:rPr kumimoji="1" lang="en-US" altLang="zh-TW" sz="2400" dirty="0">
+                <a:solidFill>
+                  <a:srgbClr val="00B050"/>
+                </a:solidFill>
+                <a:effectLst>
+                  <a:outerShdw blurRad="38100" dist="38100" dir="2700000" algn="tl">
+                    <a:srgbClr val="000000">
+                      <a:alpha val="43137"/>
+                    </a:srgbClr>
+                  </a:outerShdw>
+                </a:effectLst>
+                <a:latin typeface="Consolas" panose="020B0609020204030204" pitchFamily="49" charset="0"/>
+                <a:ea typeface="微軟正黑體" panose="020B0604030504040204" pitchFamily="34" charset="-120"/>
+                <a:cs typeface="Heiti TC Light"/>
+              </a:rPr>
+              <a:t>&gt;=&lt;</a:t>
+            </a:r>
+            <a:r>
+              <a:rPr kumimoji="1" lang="zh-TW" altLang="en-US" sz="2400" dirty="0">
+                <a:solidFill>
+                  <a:srgbClr val="00B050"/>
+                </a:solidFill>
+                <a:effectLst>
+                  <a:outerShdw blurRad="38100" dist="38100" dir="2700000" algn="tl">
+                    <a:srgbClr val="000000">
+                      <a:alpha val="43137"/>
+                    </a:srgbClr>
+                  </a:outerShdw>
+                </a:effectLst>
+                <a:latin typeface="Consolas" panose="020B0609020204030204" pitchFamily="49" charset="0"/>
+                <a:ea typeface="微軟正黑體" panose="020B0604030504040204" pitchFamily="34" charset="-120"/>
+                <a:cs typeface="Heiti TC Light"/>
+              </a:rPr>
+              <a:t>你的金鑰</a:t>
+            </a:r>
+            <a:r>
+              <a:rPr kumimoji="1" lang="en-US" altLang="zh-TW" sz="2400" dirty="0">
+                <a:solidFill>
+                  <a:srgbClr val="00B050"/>
+                </a:solidFill>
+                <a:effectLst>
+                  <a:outerShdw blurRad="38100" dist="38100" dir="2700000" algn="tl">
+                    <a:srgbClr val="000000">
+                      <a:alpha val="43137"/>
+                    </a:srgbClr>
+                  </a:outerShdw>
+                </a:effectLst>
+                <a:latin typeface="Consolas" panose="020B0609020204030204" pitchFamily="49" charset="0"/>
+                <a:ea typeface="微軟正黑體" panose="020B0604030504040204" pitchFamily="34" charset="-120"/>
+                <a:cs typeface="Heiti TC Light"/>
+              </a:rPr>
+              <a:t>&gt;</a:t>
+            </a:r>
+          </a:p>
+        </p:txBody>
+      </p:sp>
       <p:pic>
         <p:nvPicPr>
           <p:cNvPr id="3" name="圖片 2">
             <a:extLst>
               <a:ext uri="{FF2B5EF4-FFF2-40B4-BE49-F238E27FC236}">
-                <a16:creationId xmlns:a16="http://schemas.microsoft.com/office/drawing/2014/main" id="{F52818BA-E3FB-E8A1-C61A-1B1B2ED9AF09}"/>
+                <a16:creationId xmlns:a16="http://schemas.microsoft.com/office/drawing/2014/main" id="{7ACA7C35-1A3F-3B7C-D7A8-508853CC8DA7}"/>
               </a:ext>
             </a:extLst>
           </p:cNvPr>
@@ -37351,8 +37486,8 @@
         </p:blipFill>
         <p:spPr>
           <a:xfrm>
-            <a:off x="0" y="1713835"/>
-            <a:ext cx="8944089" cy="5016843"/>
+            <a:off x="0" y="3101192"/>
+            <a:ext cx="9144000" cy="2785866"/>
           </a:xfrm>
           <a:prstGeom prst="rect">
             <a:avLst/>
@@ -37362,7 +37497,7 @@
     </p:spTree>
     <p:extLst>
       <p:ext uri="{BB962C8B-B14F-4D97-AF65-F5344CB8AC3E}">
-        <p14:creationId xmlns:p14="http://schemas.microsoft.com/office/powerpoint/2010/main" val="2937618688"/>
+        <p14:creationId xmlns:p14="http://schemas.microsoft.com/office/powerpoint/2010/main" val="1186472524"/>
       </p:ext>
     </p:extLst>
   </p:cSld>
@@ -37408,8 +37543,8 @@
         </p:nvSpPr>
         <p:spPr>
           <a:xfrm>
-            <a:off x="1309912" y="358103"/>
-            <a:ext cx="7407034" cy="990600"/>
+            <a:off x="843516" y="251778"/>
+            <a:ext cx="8086081" cy="990600"/>
           </a:xfrm>
           <a:prstGeom prst="rect">
             <a:avLst/>
@@ -37428,7 +37563,7 @@
               <a:defRPr/>
             </a:pPr>
             <a:r>
-              <a:rPr lang="zh-TW" altLang="en-US" sz="4800" b="1" kern="0" dirty="0">
+              <a:rPr lang="zh-TW" altLang="en-US" sz="4000" b="1" kern="0" dirty="0">
                 <a:solidFill>
                   <a:srgbClr val="00B0F0"/>
                 </a:solidFill>
@@ -37445,7 +37580,7 @@
               <a:t>設定</a:t>
             </a:r>
             <a:r>
-              <a:rPr lang="en-US" altLang="zh-TW" sz="4800" b="1" kern="0" dirty="0">
+              <a:rPr lang="en-US" altLang="zh-TW" sz="4000" b="1" kern="0" dirty="0">
                 <a:solidFill>
                   <a:srgbClr val="00B0F0"/>
                 </a:solidFill>
@@ -37459,9 +37594,9 @@
                 <a:latin typeface="微軟正黑體" panose="020B0604030504040204" pitchFamily="34" charset="-120"/>
                 <a:ea typeface="微軟正黑體" panose="020B0604030504040204" pitchFamily="34" charset="-120"/>
               </a:rPr>
-              <a:t>LINE Channel Secret</a:t>
-            </a:r>
-            <a:endParaRPr lang="zh-TW" altLang="en-US" sz="4800" b="1" kern="0" dirty="0">
+              <a:t>LINE Channel Access Token</a:t>
+            </a:r>
+            <a:endParaRPr lang="zh-TW" altLang="en-US" sz="4000" b="1" kern="0" dirty="0">
               <a:solidFill>
                 <a:srgbClr val="00B0F0"/>
               </a:solidFill>
@@ -37478,222 +37613,12 @@
           </a:p>
         </p:txBody>
       </p:sp>
-      <p:sp>
-        <p:nvSpPr>
-          <p:cNvPr id="4" name="文字方塊 3">
+      <p:pic>
+        <p:nvPicPr>
+          <p:cNvPr id="3" name="圖片 2">
             <a:extLst>
               <a:ext uri="{FF2B5EF4-FFF2-40B4-BE49-F238E27FC236}">
-                <a16:creationId xmlns:a16="http://schemas.microsoft.com/office/drawing/2014/main" id="{2A400E13-7562-60AF-5544-886E3FCCC917}"/>
-              </a:ext>
-            </a:extLst>
-          </p:cNvPr>
-          <p:cNvSpPr txBox="1"/>
-          <p:nvPr/>
-        </p:nvSpPr>
-        <p:spPr>
-          <a:xfrm>
-            <a:off x="427054" y="1412497"/>
-            <a:ext cx="8546824" cy="830997"/>
-          </a:xfrm>
-          <a:prstGeom prst="rect">
-            <a:avLst/>
-          </a:prstGeom>
-          <a:noFill/>
-        </p:spPr>
-        <p:txBody>
-          <a:bodyPr wrap="square">
-            <a:spAutoFit/>
-          </a:bodyPr>
-          <a:lstStyle/>
-          <a:p>
-            <a:r>
-              <a:rPr kumimoji="1" lang="en-US" altLang="zh-TW" sz="2400" dirty="0" err="1">
-                <a:solidFill>
-                  <a:srgbClr val="00B050"/>
-                </a:solidFill>
-                <a:effectLst>
-                  <a:outerShdw blurRad="38100" dist="38100" dir="2700000" algn="tl">
-                    <a:srgbClr val="000000">
-                      <a:alpha val="43137"/>
-                    </a:srgbClr>
-                  </a:outerShdw>
-                </a:effectLst>
-                <a:latin typeface="Consolas" panose="020B0609020204030204" pitchFamily="49" charset="0"/>
-                <a:ea typeface="微軟正黑體" panose="020B0604030504040204" pitchFamily="34" charset="-120"/>
-                <a:cs typeface="Heiti TC Light"/>
-              </a:rPr>
-              <a:t>conda</a:t>
-            </a:r>
-            <a:r>
-              <a:rPr kumimoji="1" lang="en-US" altLang="zh-TW" sz="2400" dirty="0">
-                <a:solidFill>
-                  <a:srgbClr val="00B050"/>
-                </a:solidFill>
-                <a:effectLst>
-                  <a:outerShdw blurRad="38100" dist="38100" dir="2700000" algn="tl">
-                    <a:srgbClr val="000000">
-                      <a:alpha val="43137"/>
-                    </a:srgbClr>
-                  </a:outerShdw>
-                </a:effectLst>
-                <a:latin typeface="Consolas" panose="020B0609020204030204" pitchFamily="49" charset="0"/>
-                <a:ea typeface="微軟正黑體" panose="020B0604030504040204" pitchFamily="34" charset="-120"/>
-                <a:cs typeface="Heiti TC Light"/>
-              </a:rPr>
-              <a:t> activate </a:t>
-            </a:r>
-            <a:r>
-              <a:rPr kumimoji="1" lang="en-US" altLang="zh-TW" sz="2400" dirty="0" err="1">
-                <a:solidFill>
-                  <a:srgbClr val="00B050"/>
-                </a:solidFill>
-                <a:effectLst>
-                  <a:outerShdw blurRad="38100" dist="38100" dir="2700000" algn="tl">
-                    <a:srgbClr val="000000">
-                      <a:alpha val="43137"/>
-                    </a:srgbClr>
-                  </a:outerShdw>
-                </a:effectLst>
-                <a:latin typeface="Consolas" panose="020B0609020204030204" pitchFamily="49" charset="0"/>
-                <a:ea typeface="微軟正黑體" panose="020B0604030504040204" pitchFamily="34" charset="-120"/>
-                <a:cs typeface="Heiti TC Light"/>
-              </a:rPr>
-              <a:t>linebot</a:t>
-            </a:r>
-            <a:endParaRPr kumimoji="1" lang="en-US" altLang="zh-TW" sz="2400" dirty="0">
-              <a:solidFill>
-                <a:srgbClr val="00B050"/>
-              </a:solidFill>
-              <a:effectLst>
-                <a:outerShdw blurRad="38100" dist="38100" dir="2700000" algn="tl">
-                  <a:srgbClr val="000000">
-                    <a:alpha val="43137"/>
-                  </a:srgbClr>
-                </a:outerShdw>
-              </a:effectLst>
-              <a:latin typeface="Consolas" panose="020B0609020204030204" pitchFamily="49" charset="0"/>
-              <a:ea typeface="微軟正黑體" panose="020B0604030504040204" pitchFamily="34" charset="-120"/>
-              <a:cs typeface="Heiti TC Light"/>
-            </a:endParaRPr>
-          </a:p>
-          <a:p>
-            <a:r>
-              <a:rPr kumimoji="1" lang="en-US" altLang="zh-TW" sz="2400" dirty="0" err="1">
-                <a:solidFill>
-                  <a:srgbClr val="00B050"/>
-                </a:solidFill>
-                <a:effectLst>
-                  <a:outerShdw blurRad="38100" dist="38100" dir="2700000" algn="tl">
-                    <a:srgbClr val="000000">
-                      <a:alpha val="43137"/>
-                    </a:srgbClr>
-                  </a:outerShdw>
-                </a:effectLst>
-                <a:latin typeface="Consolas" panose="020B0609020204030204" pitchFamily="49" charset="0"/>
-                <a:ea typeface="微軟正黑體" panose="020B0604030504040204" pitchFamily="34" charset="-120"/>
-                <a:cs typeface="Heiti TC Light"/>
-              </a:rPr>
-              <a:t>conda</a:t>
-            </a:r>
-            <a:r>
-              <a:rPr kumimoji="1" lang="en-US" altLang="zh-TW" sz="2400" dirty="0">
-                <a:solidFill>
-                  <a:srgbClr val="00B050"/>
-                </a:solidFill>
-                <a:effectLst>
-                  <a:outerShdw blurRad="38100" dist="38100" dir="2700000" algn="tl">
-                    <a:srgbClr val="000000">
-                      <a:alpha val="43137"/>
-                    </a:srgbClr>
-                  </a:outerShdw>
-                </a:effectLst>
-                <a:latin typeface="Consolas" panose="020B0609020204030204" pitchFamily="49" charset="0"/>
-                <a:ea typeface="微軟正黑體" panose="020B0604030504040204" pitchFamily="34" charset="-120"/>
-                <a:cs typeface="Heiti TC Light"/>
-              </a:rPr>
-              <a:t> env config vars set &lt;</a:t>
-            </a:r>
-            <a:r>
-              <a:rPr kumimoji="1" lang="zh-TW" altLang="en-US" sz="2400" dirty="0">
-                <a:solidFill>
-                  <a:srgbClr val="00B050"/>
-                </a:solidFill>
-                <a:effectLst>
-                  <a:outerShdw blurRad="38100" dist="38100" dir="2700000" algn="tl">
-                    <a:srgbClr val="000000">
-                      <a:alpha val="43137"/>
-                    </a:srgbClr>
-                  </a:outerShdw>
-                </a:effectLst>
-                <a:latin typeface="Consolas" panose="020B0609020204030204" pitchFamily="49" charset="0"/>
-                <a:ea typeface="微軟正黑體" panose="020B0604030504040204" pitchFamily="34" charset="-120"/>
-                <a:cs typeface="Heiti TC Light"/>
-              </a:rPr>
-              <a:t>要設定的變數</a:t>
-            </a:r>
-            <a:r>
-              <a:rPr kumimoji="1" lang="en-US" altLang="zh-TW" sz="2400" dirty="0">
-                <a:solidFill>
-                  <a:srgbClr val="00B050"/>
-                </a:solidFill>
-                <a:effectLst>
-                  <a:outerShdw blurRad="38100" dist="38100" dir="2700000" algn="tl">
-                    <a:srgbClr val="000000">
-                      <a:alpha val="43137"/>
-                    </a:srgbClr>
-                  </a:outerShdw>
-                </a:effectLst>
-                <a:latin typeface="Consolas" panose="020B0609020204030204" pitchFamily="49" charset="0"/>
-                <a:ea typeface="微軟正黑體" panose="020B0604030504040204" pitchFamily="34" charset="-120"/>
-                <a:cs typeface="Heiti TC Light"/>
-              </a:rPr>
-              <a:t>&gt;=&lt;</a:t>
-            </a:r>
-            <a:r>
-              <a:rPr kumimoji="1" lang="zh-TW" altLang="en-US" sz="2400" dirty="0">
-                <a:solidFill>
-                  <a:srgbClr val="00B050"/>
-                </a:solidFill>
-                <a:effectLst>
-                  <a:outerShdw blurRad="38100" dist="38100" dir="2700000" algn="tl">
-                    <a:srgbClr val="000000">
-                      <a:alpha val="43137"/>
-                    </a:srgbClr>
-                  </a:outerShdw>
-                </a:effectLst>
-                <a:latin typeface="Consolas" panose="020B0609020204030204" pitchFamily="49" charset="0"/>
-                <a:ea typeface="微軟正黑體" panose="020B0604030504040204" pitchFamily="34" charset="-120"/>
-                <a:cs typeface="Heiti TC Light"/>
-              </a:rPr>
-              <a:t>你的金鑰</a:t>
-            </a:r>
-            <a:r>
-              <a:rPr kumimoji="1" lang="en-US" altLang="zh-TW" sz="2400" dirty="0">
-                <a:solidFill>
-                  <a:srgbClr val="00B050"/>
-                </a:solidFill>
-                <a:effectLst>
-                  <a:outerShdw blurRad="38100" dist="38100" dir="2700000" algn="tl">
-                    <a:srgbClr val="000000">
-                      <a:alpha val="43137"/>
-                    </a:srgbClr>
-                  </a:outerShdw>
-                </a:effectLst>
-                <a:latin typeface="Consolas" panose="020B0609020204030204" pitchFamily="49" charset="0"/>
-                <a:ea typeface="微軟正黑體" panose="020B0604030504040204" pitchFamily="34" charset="-120"/>
-                <a:cs typeface="Heiti TC Light"/>
-              </a:rPr>
-              <a:t>&gt;</a:t>
-            </a:r>
-          </a:p>
-        </p:txBody>
-      </p:sp>
-      <p:pic>
-        <p:nvPicPr>
-          <p:cNvPr id="9" name="圖片 8">
-            <a:extLst>
-              <a:ext uri="{FF2B5EF4-FFF2-40B4-BE49-F238E27FC236}">
-                <a16:creationId xmlns:a16="http://schemas.microsoft.com/office/drawing/2014/main" id="{594B9173-E2F0-AF0D-1C6A-21E4AB4C01FF}"/>
+                <a16:creationId xmlns:a16="http://schemas.microsoft.com/office/drawing/2014/main" id="{33AD1B23-5548-BBA0-72B1-06B1CDB22B7A}"/>
               </a:ext>
             </a:extLst>
           </p:cNvPr>
@@ -37710,8 +37635,8 @@
         </p:blipFill>
         <p:spPr>
           <a:xfrm>
-            <a:off x="0" y="3281122"/>
-            <a:ext cx="9144000" cy="2478974"/>
+            <a:off x="0" y="1940926"/>
+            <a:ext cx="9144000" cy="4365470"/>
           </a:xfrm>
           <a:prstGeom prst="rect">
             <a:avLst/>
@@ -37721,7 +37646,7 @@
     </p:spTree>
     <p:extLst>
       <p:ext uri="{BB962C8B-B14F-4D97-AF65-F5344CB8AC3E}">
-        <p14:creationId xmlns:p14="http://schemas.microsoft.com/office/powerpoint/2010/main" val="1186472524"/>
+        <p14:creationId xmlns:p14="http://schemas.microsoft.com/office/powerpoint/2010/main" val="1043984358"/>
       </p:ext>
     </p:extLst>
   </p:cSld>
@@ -37839,10 +37764,10 @@
       </p:sp>
       <p:pic>
         <p:nvPicPr>
-          <p:cNvPr id="3" name="圖片 2">
+          <p:cNvPr id="4" name="圖片 3">
             <a:extLst>
               <a:ext uri="{FF2B5EF4-FFF2-40B4-BE49-F238E27FC236}">
-                <a16:creationId xmlns:a16="http://schemas.microsoft.com/office/drawing/2014/main" id="{33AD1B23-5548-BBA0-72B1-06B1CDB22B7A}"/>
+                <a16:creationId xmlns:a16="http://schemas.microsoft.com/office/drawing/2014/main" id="{ACE4F802-F556-E2F2-DD21-24AC7337BBAF}"/>
               </a:ext>
             </a:extLst>
           </p:cNvPr>
@@ -37859,8 +37784,8 @@
         </p:blipFill>
         <p:spPr>
           <a:xfrm>
-            <a:off x="0" y="1940926"/>
-            <a:ext cx="9144000" cy="4365470"/>
+            <a:off x="323850" y="1444145"/>
+            <a:ext cx="8496300" cy="4905375"/>
           </a:xfrm>
           <a:prstGeom prst="rect">
             <a:avLst/>
@@ -37870,7 +37795,7 @@
     </p:spTree>
     <p:extLst>
       <p:ext uri="{BB962C8B-B14F-4D97-AF65-F5344CB8AC3E}">
-        <p14:creationId xmlns:p14="http://schemas.microsoft.com/office/powerpoint/2010/main" val="1043984358"/>
+        <p14:creationId xmlns:p14="http://schemas.microsoft.com/office/powerpoint/2010/main" val="3972191244"/>
       </p:ext>
     </p:extLst>
   </p:cSld>
@@ -37988,10 +37913,10 @@
       </p:sp>
       <p:pic>
         <p:nvPicPr>
-          <p:cNvPr id="4" name="圖片 3">
+          <p:cNvPr id="3" name="圖片 2">
             <a:extLst>
               <a:ext uri="{FF2B5EF4-FFF2-40B4-BE49-F238E27FC236}">
-                <a16:creationId xmlns:a16="http://schemas.microsoft.com/office/drawing/2014/main" id="{ACE4F802-F556-E2F2-DD21-24AC7337BBAF}"/>
+                <a16:creationId xmlns:a16="http://schemas.microsoft.com/office/drawing/2014/main" id="{3791CA64-FF64-1B71-708A-D80514A35E4D}"/>
               </a:ext>
             </a:extLst>
           </p:cNvPr>
@@ -38008,8 +37933,8 @@
         </p:blipFill>
         <p:spPr>
           <a:xfrm>
-            <a:off x="323850" y="1444145"/>
-            <a:ext cx="8496300" cy="4905375"/>
+            <a:off x="1112873" y="1455652"/>
+            <a:ext cx="7286847" cy="5150570"/>
           </a:xfrm>
           <a:prstGeom prst="rect">
             <a:avLst/>
@@ -38019,7 +37944,7 @@
     </p:spTree>
     <p:extLst>
       <p:ext uri="{BB962C8B-B14F-4D97-AF65-F5344CB8AC3E}">
-        <p14:creationId xmlns:p14="http://schemas.microsoft.com/office/powerpoint/2010/main" val="3972191244"/>
+        <p14:creationId xmlns:p14="http://schemas.microsoft.com/office/powerpoint/2010/main" val="826516980"/>
       </p:ext>
     </p:extLst>
   </p:cSld>
@@ -38137,10 +38062,10 @@
       </p:sp>
       <p:pic>
         <p:nvPicPr>
-          <p:cNvPr id="3" name="圖片 2">
+          <p:cNvPr id="4" name="圖片 3">
             <a:extLst>
               <a:ext uri="{FF2B5EF4-FFF2-40B4-BE49-F238E27FC236}">
-                <a16:creationId xmlns:a16="http://schemas.microsoft.com/office/drawing/2014/main" id="{3791CA64-FF64-1B71-708A-D80514A35E4D}"/>
+                <a16:creationId xmlns:a16="http://schemas.microsoft.com/office/drawing/2014/main" id="{76442E8A-F4BD-1E62-681A-5D22DFFE3ED0}"/>
               </a:ext>
             </a:extLst>
           </p:cNvPr>
@@ -38157,8 +38082,8 @@
         </p:blipFill>
         <p:spPr>
           <a:xfrm>
-            <a:off x="1112873" y="1455652"/>
-            <a:ext cx="7286847" cy="5150570"/>
+            <a:off x="772633" y="1369234"/>
+            <a:ext cx="7780263" cy="5320749"/>
           </a:xfrm>
           <a:prstGeom prst="rect">
             <a:avLst/>
@@ -38168,7 +38093,7 @@
     </p:spTree>
     <p:extLst>
       <p:ext uri="{BB962C8B-B14F-4D97-AF65-F5344CB8AC3E}">
-        <p14:creationId xmlns:p14="http://schemas.microsoft.com/office/powerpoint/2010/main" val="826516980"/>
+        <p14:creationId xmlns:p14="http://schemas.microsoft.com/office/powerpoint/2010/main" val="1900225590"/>
       </p:ext>
     </p:extLst>
   </p:cSld>
@@ -38286,10 +38211,10 @@
       </p:sp>
       <p:pic>
         <p:nvPicPr>
-          <p:cNvPr id="4" name="圖片 3">
+          <p:cNvPr id="3" name="圖片 2">
             <a:extLst>
               <a:ext uri="{FF2B5EF4-FFF2-40B4-BE49-F238E27FC236}">
-                <a16:creationId xmlns:a16="http://schemas.microsoft.com/office/drawing/2014/main" id="{76442E8A-F4BD-1E62-681A-5D22DFFE3ED0}"/>
+                <a16:creationId xmlns:a16="http://schemas.microsoft.com/office/drawing/2014/main" id="{1EB593F6-1992-DB05-01E4-F0D801659978}"/>
               </a:ext>
             </a:extLst>
           </p:cNvPr>
@@ -38306,8 +38231,8 @@
         </p:blipFill>
         <p:spPr>
           <a:xfrm>
-            <a:off x="772633" y="1369234"/>
-            <a:ext cx="7780263" cy="5320749"/>
+            <a:off x="317225" y="2028143"/>
+            <a:ext cx="8612372" cy="3016255"/>
           </a:xfrm>
           <a:prstGeom prst="rect">
             <a:avLst/>
@@ -38317,7 +38242,7 @@
     </p:spTree>
     <p:extLst>
       <p:ext uri="{BB962C8B-B14F-4D97-AF65-F5344CB8AC3E}">
-        <p14:creationId xmlns:p14="http://schemas.microsoft.com/office/powerpoint/2010/main" val="1900225590"/>
+        <p14:creationId xmlns:p14="http://schemas.microsoft.com/office/powerpoint/2010/main" val="1311519500"/>
       </p:ext>
     </p:extLst>
   </p:cSld>
@@ -38349,10 +38274,220 @@
       </p:grpSpPr>
       <p:sp>
         <p:nvSpPr>
-          <p:cNvPr id="6" name="文字版面配置區 2">
+          <p:cNvPr id="4" name="文字方塊 3">
             <a:extLst>
               <a:ext uri="{FF2B5EF4-FFF2-40B4-BE49-F238E27FC236}">
-                <a16:creationId xmlns:a16="http://schemas.microsoft.com/office/drawing/2014/main" id="{DC362AB1-BDCB-D11A-89BE-0A2EC77A4AD2}"/>
+                <a16:creationId xmlns:a16="http://schemas.microsoft.com/office/drawing/2014/main" id="{2A400E13-7562-60AF-5544-886E3FCCC917}"/>
+              </a:ext>
+            </a:extLst>
+          </p:cNvPr>
+          <p:cNvSpPr txBox="1"/>
+          <p:nvPr/>
+        </p:nvSpPr>
+        <p:spPr>
+          <a:xfrm>
+            <a:off x="427054" y="1412497"/>
+            <a:ext cx="8546824" cy="830997"/>
+          </a:xfrm>
+          <a:prstGeom prst="rect">
+            <a:avLst/>
+          </a:prstGeom>
+          <a:noFill/>
+        </p:spPr>
+        <p:txBody>
+          <a:bodyPr wrap="square">
+            <a:spAutoFit/>
+          </a:bodyPr>
+          <a:lstStyle/>
+          <a:p>
+            <a:r>
+              <a:rPr kumimoji="1" lang="en-US" altLang="zh-TW" sz="2400" dirty="0" err="1">
+                <a:solidFill>
+                  <a:srgbClr val="00B050"/>
+                </a:solidFill>
+                <a:effectLst>
+                  <a:outerShdw blurRad="38100" dist="38100" dir="2700000" algn="tl">
+                    <a:srgbClr val="000000">
+                      <a:alpha val="43137"/>
+                    </a:srgbClr>
+                  </a:outerShdw>
+                </a:effectLst>
+                <a:latin typeface="Consolas" panose="020B0609020204030204" pitchFamily="49" charset="0"/>
+                <a:ea typeface="微軟正黑體" panose="020B0604030504040204" pitchFamily="34" charset="-120"/>
+                <a:cs typeface="Heiti TC Light"/>
+              </a:rPr>
+              <a:t>conda</a:t>
+            </a:r>
+            <a:r>
+              <a:rPr kumimoji="1" lang="en-US" altLang="zh-TW" sz="2400" dirty="0">
+                <a:solidFill>
+                  <a:srgbClr val="00B050"/>
+                </a:solidFill>
+                <a:effectLst>
+                  <a:outerShdw blurRad="38100" dist="38100" dir="2700000" algn="tl">
+                    <a:srgbClr val="000000">
+                      <a:alpha val="43137"/>
+                    </a:srgbClr>
+                  </a:outerShdw>
+                </a:effectLst>
+                <a:latin typeface="Consolas" panose="020B0609020204030204" pitchFamily="49" charset="0"/>
+                <a:ea typeface="微軟正黑體" panose="020B0604030504040204" pitchFamily="34" charset="-120"/>
+                <a:cs typeface="Heiti TC Light"/>
+              </a:rPr>
+              <a:t> activate </a:t>
+            </a:r>
+            <a:r>
+              <a:rPr kumimoji="1" lang="en-US" altLang="zh-TW" sz="2400" dirty="0" err="1">
+                <a:solidFill>
+                  <a:srgbClr val="00B050"/>
+                </a:solidFill>
+                <a:effectLst>
+                  <a:outerShdw blurRad="38100" dist="38100" dir="2700000" algn="tl">
+                    <a:srgbClr val="000000">
+                      <a:alpha val="43137"/>
+                    </a:srgbClr>
+                  </a:outerShdw>
+                </a:effectLst>
+                <a:latin typeface="Consolas" panose="020B0609020204030204" pitchFamily="49" charset="0"/>
+                <a:ea typeface="微軟正黑體" panose="020B0604030504040204" pitchFamily="34" charset="-120"/>
+                <a:cs typeface="Heiti TC Light"/>
+              </a:rPr>
+              <a:t>linebot</a:t>
+            </a:r>
+            <a:endParaRPr kumimoji="1" lang="en-US" altLang="zh-TW" sz="2400" dirty="0">
+              <a:solidFill>
+                <a:srgbClr val="00B050"/>
+              </a:solidFill>
+              <a:effectLst>
+                <a:outerShdw blurRad="38100" dist="38100" dir="2700000" algn="tl">
+                  <a:srgbClr val="000000">
+                    <a:alpha val="43137"/>
+                  </a:srgbClr>
+                </a:outerShdw>
+              </a:effectLst>
+              <a:latin typeface="Consolas" panose="020B0609020204030204" pitchFamily="49" charset="0"/>
+              <a:ea typeface="微軟正黑體" panose="020B0604030504040204" pitchFamily="34" charset="-120"/>
+              <a:cs typeface="Heiti TC Light"/>
+            </a:endParaRPr>
+          </a:p>
+          <a:p>
+            <a:r>
+              <a:rPr kumimoji="1" lang="en-US" altLang="zh-TW" sz="2400" dirty="0" err="1">
+                <a:solidFill>
+                  <a:srgbClr val="00B050"/>
+                </a:solidFill>
+                <a:effectLst>
+                  <a:outerShdw blurRad="38100" dist="38100" dir="2700000" algn="tl">
+                    <a:srgbClr val="000000">
+                      <a:alpha val="43137"/>
+                    </a:srgbClr>
+                  </a:outerShdw>
+                </a:effectLst>
+                <a:latin typeface="Consolas" panose="020B0609020204030204" pitchFamily="49" charset="0"/>
+                <a:ea typeface="微軟正黑體" panose="020B0604030504040204" pitchFamily="34" charset="-120"/>
+                <a:cs typeface="Heiti TC Light"/>
+              </a:rPr>
+              <a:t>conda</a:t>
+            </a:r>
+            <a:r>
+              <a:rPr kumimoji="1" lang="en-US" altLang="zh-TW" sz="2400" dirty="0">
+                <a:solidFill>
+                  <a:srgbClr val="00B050"/>
+                </a:solidFill>
+                <a:effectLst>
+                  <a:outerShdw blurRad="38100" dist="38100" dir="2700000" algn="tl">
+                    <a:srgbClr val="000000">
+                      <a:alpha val="43137"/>
+                    </a:srgbClr>
+                  </a:outerShdw>
+                </a:effectLst>
+                <a:latin typeface="Consolas" panose="020B0609020204030204" pitchFamily="49" charset="0"/>
+                <a:ea typeface="微軟正黑體" panose="020B0604030504040204" pitchFamily="34" charset="-120"/>
+                <a:cs typeface="Heiti TC Light"/>
+              </a:rPr>
+              <a:t> env config vars set &lt;</a:t>
+            </a:r>
+            <a:r>
+              <a:rPr kumimoji="1" lang="zh-TW" altLang="en-US" sz="2400" dirty="0">
+                <a:solidFill>
+                  <a:srgbClr val="00B050"/>
+                </a:solidFill>
+                <a:effectLst>
+                  <a:outerShdw blurRad="38100" dist="38100" dir="2700000" algn="tl">
+                    <a:srgbClr val="000000">
+                      <a:alpha val="43137"/>
+                    </a:srgbClr>
+                  </a:outerShdw>
+                </a:effectLst>
+                <a:latin typeface="Consolas" panose="020B0609020204030204" pitchFamily="49" charset="0"/>
+                <a:ea typeface="微軟正黑體" panose="020B0604030504040204" pitchFamily="34" charset="-120"/>
+                <a:cs typeface="Heiti TC Light"/>
+              </a:rPr>
+              <a:t>要設定的變數</a:t>
+            </a:r>
+            <a:r>
+              <a:rPr kumimoji="1" lang="en-US" altLang="zh-TW" sz="2400" dirty="0">
+                <a:solidFill>
+                  <a:srgbClr val="00B050"/>
+                </a:solidFill>
+                <a:effectLst>
+                  <a:outerShdw blurRad="38100" dist="38100" dir="2700000" algn="tl">
+                    <a:srgbClr val="000000">
+                      <a:alpha val="43137"/>
+                    </a:srgbClr>
+                  </a:outerShdw>
+                </a:effectLst>
+                <a:latin typeface="Consolas" panose="020B0609020204030204" pitchFamily="49" charset="0"/>
+                <a:ea typeface="微軟正黑體" panose="020B0604030504040204" pitchFamily="34" charset="-120"/>
+                <a:cs typeface="Heiti TC Light"/>
+              </a:rPr>
+              <a:t>&gt;=&lt;</a:t>
+            </a:r>
+            <a:r>
+              <a:rPr kumimoji="1" lang="zh-TW" altLang="en-US" sz="2400" dirty="0">
+                <a:solidFill>
+                  <a:srgbClr val="00B050"/>
+                </a:solidFill>
+                <a:effectLst>
+                  <a:outerShdw blurRad="38100" dist="38100" dir="2700000" algn="tl">
+                    <a:srgbClr val="000000">
+                      <a:alpha val="43137"/>
+                    </a:srgbClr>
+                  </a:outerShdw>
+                </a:effectLst>
+                <a:latin typeface="Consolas" panose="020B0609020204030204" pitchFamily="49" charset="0"/>
+                <a:ea typeface="微軟正黑體" panose="020B0604030504040204" pitchFamily="34" charset="-120"/>
+                <a:cs typeface="Heiti TC Light"/>
+              </a:rPr>
+              <a:t>你的金鑰</a:t>
+            </a:r>
+            <a:r>
+              <a:rPr kumimoji="1" lang="en-US" altLang="zh-TW" sz="2400" dirty="0">
+                <a:solidFill>
+                  <a:srgbClr val="00B050"/>
+                </a:solidFill>
+                <a:effectLst>
+                  <a:outerShdw blurRad="38100" dist="38100" dir="2700000" algn="tl">
+                    <a:srgbClr val="000000">
+                      <a:alpha val="43137"/>
+                    </a:srgbClr>
+                  </a:outerShdw>
+                </a:effectLst>
+                <a:latin typeface="Consolas" panose="020B0609020204030204" pitchFamily="49" charset="0"/>
+                <a:ea typeface="微軟正黑體" panose="020B0604030504040204" pitchFamily="34" charset="-120"/>
+                <a:cs typeface="Heiti TC Light"/>
+              </a:rPr>
+              <a:t>&gt;</a:t>
+            </a:r>
+          </a:p>
+        </p:txBody>
+      </p:sp>
+      <p:sp>
+        <p:nvSpPr>
+          <p:cNvPr id="2" name="文字版面配置區 2">
+            <a:extLst>
+              <a:ext uri="{FF2B5EF4-FFF2-40B4-BE49-F238E27FC236}">
+                <a16:creationId xmlns:a16="http://schemas.microsoft.com/office/drawing/2014/main" id="{DB2FAA46-9B2A-DC8E-8996-377E71D9CC5C}"/>
               </a:ext>
             </a:extLst>
           </p:cNvPr>
@@ -38435,10 +38570,10 @@
       </p:sp>
       <p:pic>
         <p:nvPicPr>
-          <p:cNvPr id="3" name="圖片 2">
+          <p:cNvPr id="6" name="圖片 5">
             <a:extLst>
               <a:ext uri="{FF2B5EF4-FFF2-40B4-BE49-F238E27FC236}">
-                <a16:creationId xmlns:a16="http://schemas.microsoft.com/office/drawing/2014/main" id="{1EB593F6-1992-DB05-01E4-F0D801659978}"/>
+                <a16:creationId xmlns:a16="http://schemas.microsoft.com/office/drawing/2014/main" id="{B7C394F2-92B5-0D61-F110-0C6F4D0289A4}"/>
               </a:ext>
             </a:extLst>
           </p:cNvPr>
@@ -38455,8 +38590,8 @@
         </p:blipFill>
         <p:spPr>
           <a:xfrm>
-            <a:off x="317225" y="2028143"/>
-            <a:ext cx="8612372" cy="3016255"/>
+            <a:off x="0" y="3039833"/>
+            <a:ext cx="9144000" cy="1953991"/>
           </a:xfrm>
           <a:prstGeom prst="rect">
             <a:avLst/>
@@ -38466,7 +38601,7 @@
     </p:spTree>
     <p:extLst>
       <p:ext uri="{BB962C8B-B14F-4D97-AF65-F5344CB8AC3E}">
-        <p14:creationId xmlns:p14="http://schemas.microsoft.com/office/powerpoint/2010/main" val="1311519500"/>
+        <p14:creationId xmlns:p14="http://schemas.microsoft.com/office/powerpoint/2010/main" val="1398163176"/>
       </p:ext>
     </p:extLst>
   </p:cSld>
@@ -38498,216 +38633,6 @@
       </p:grpSpPr>
       <p:sp>
         <p:nvSpPr>
-          <p:cNvPr id="4" name="文字方塊 3">
-            <a:extLst>
-              <a:ext uri="{FF2B5EF4-FFF2-40B4-BE49-F238E27FC236}">
-                <a16:creationId xmlns:a16="http://schemas.microsoft.com/office/drawing/2014/main" id="{2A400E13-7562-60AF-5544-886E3FCCC917}"/>
-              </a:ext>
-            </a:extLst>
-          </p:cNvPr>
-          <p:cNvSpPr txBox="1"/>
-          <p:nvPr/>
-        </p:nvSpPr>
-        <p:spPr>
-          <a:xfrm>
-            <a:off x="427054" y="1412497"/>
-            <a:ext cx="8546824" cy="830997"/>
-          </a:xfrm>
-          <a:prstGeom prst="rect">
-            <a:avLst/>
-          </a:prstGeom>
-          <a:noFill/>
-        </p:spPr>
-        <p:txBody>
-          <a:bodyPr wrap="square">
-            <a:spAutoFit/>
-          </a:bodyPr>
-          <a:lstStyle/>
-          <a:p>
-            <a:r>
-              <a:rPr kumimoji="1" lang="en-US" altLang="zh-TW" sz="2400" dirty="0" err="1">
-                <a:solidFill>
-                  <a:srgbClr val="00B050"/>
-                </a:solidFill>
-                <a:effectLst>
-                  <a:outerShdw blurRad="38100" dist="38100" dir="2700000" algn="tl">
-                    <a:srgbClr val="000000">
-                      <a:alpha val="43137"/>
-                    </a:srgbClr>
-                  </a:outerShdw>
-                </a:effectLst>
-                <a:latin typeface="Consolas" panose="020B0609020204030204" pitchFamily="49" charset="0"/>
-                <a:ea typeface="微軟正黑體" panose="020B0604030504040204" pitchFamily="34" charset="-120"/>
-                <a:cs typeface="Heiti TC Light"/>
-              </a:rPr>
-              <a:t>conda</a:t>
-            </a:r>
-            <a:r>
-              <a:rPr kumimoji="1" lang="en-US" altLang="zh-TW" sz="2400" dirty="0">
-                <a:solidFill>
-                  <a:srgbClr val="00B050"/>
-                </a:solidFill>
-                <a:effectLst>
-                  <a:outerShdw blurRad="38100" dist="38100" dir="2700000" algn="tl">
-                    <a:srgbClr val="000000">
-                      <a:alpha val="43137"/>
-                    </a:srgbClr>
-                  </a:outerShdw>
-                </a:effectLst>
-                <a:latin typeface="Consolas" panose="020B0609020204030204" pitchFamily="49" charset="0"/>
-                <a:ea typeface="微軟正黑體" panose="020B0604030504040204" pitchFamily="34" charset="-120"/>
-                <a:cs typeface="Heiti TC Light"/>
-              </a:rPr>
-              <a:t> activate </a:t>
-            </a:r>
-            <a:r>
-              <a:rPr kumimoji="1" lang="en-US" altLang="zh-TW" sz="2400" dirty="0" err="1">
-                <a:solidFill>
-                  <a:srgbClr val="00B050"/>
-                </a:solidFill>
-                <a:effectLst>
-                  <a:outerShdw blurRad="38100" dist="38100" dir="2700000" algn="tl">
-                    <a:srgbClr val="000000">
-                      <a:alpha val="43137"/>
-                    </a:srgbClr>
-                  </a:outerShdw>
-                </a:effectLst>
-                <a:latin typeface="Consolas" panose="020B0609020204030204" pitchFamily="49" charset="0"/>
-                <a:ea typeface="微軟正黑體" panose="020B0604030504040204" pitchFamily="34" charset="-120"/>
-                <a:cs typeface="Heiti TC Light"/>
-              </a:rPr>
-              <a:t>linebot</a:t>
-            </a:r>
-            <a:endParaRPr kumimoji="1" lang="en-US" altLang="zh-TW" sz="2400" dirty="0">
-              <a:solidFill>
-                <a:srgbClr val="00B050"/>
-              </a:solidFill>
-              <a:effectLst>
-                <a:outerShdw blurRad="38100" dist="38100" dir="2700000" algn="tl">
-                  <a:srgbClr val="000000">
-                    <a:alpha val="43137"/>
-                  </a:srgbClr>
-                </a:outerShdw>
-              </a:effectLst>
-              <a:latin typeface="Consolas" panose="020B0609020204030204" pitchFamily="49" charset="0"/>
-              <a:ea typeface="微軟正黑體" panose="020B0604030504040204" pitchFamily="34" charset="-120"/>
-              <a:cs typeface="Heiti TC Light"/>
-            </a:endParaRPr>
-          </a:p>
-          <a:p>
-            <a:r>
-              <a:rPr kumimoji="1" lang="en-US" altLang="zh-TW" sz="2400" dirty="0" err="1">
-                <a:solidFill>
-                  <a:srgbClr val="00B050"/>
-                </a:solidFill>
-                <a:effectLst>
-                  <a:outerShdw blurRad="38100" dist="38100" dir="2700000" algn="tl">
-                    <a:srgbClr val="000000">
-                      <a:alpha val="43137"/>
-                    </a:srgbClr>
-                  </a:outerShdw>
-                </a:effectLst>
-                <a:latin typeface="Consolas" panose="020B0609020204030204" pitchFamily="49" charset="0"/>
-                <a:ea typeface="微軟正黑體" panose="020B0604030504040204" pitchFamily="34" charset="-120"/>
-                <a:cs typeface="Heiti TC Light"/>
-              </a:rPr>
-              <a:t>conda</a:t>
-            </a:r>
-            <a:r>
-              <a:rPr kumimoji="1" lang="en-US" altLang="zh-TW" sz="2400" dirty="0">
-                <a:solidFill>
-                  <a:srgbClr val="00B050"/>
-                </a:solidFill>
-                <a:effectLst>
-                  <a:outerShdw blurRad="38100" dist="38100" dir="2700000" algn="tl">
-                    <a:srgbClr val="000000">
-                      <a:alpha val="43137"/>
-                    </a:srgbClr>
-                  </a:outerShdw>
-                </a:effectLst>
-                <a:latin typeface="Consolas" panose="020B0609020204030204" pitchFamily="49" charset="0"/>
-                <a:ea typeface="微軟正黑體" panose="020B0604030504040204" pitchFamily="34" charset="-120"/>
-                <a:cs typeface="Heiti TC Light"/>
-              </a:rPr>
-              <a:t> env config vars set &lt;</a:t>
-            </a:r>
-            <a:r>
-              <a:rPr kumimoji="1" lang="zh-TW" altLang="en-US" sz="2400" dirty="0">
-                <a:solidFill>
-                  <a:srgbClr val="00B050"/>
-                </a:solidFill>
-                <a:effectLst>
-                  <a:outerShdw blurRad="38100" dist="38100" dir="2700000" algn="tl">
-                    <a:srgbClr val="000000">
-                      <a:alpha val="43137"/>
-                    </a:srgbClr>
-                  </a:outerShdw>
-                </a:effectLst>
-                <a:latin typeface="Consolas" panose="020B0609020204030204" pitchFamily="49" charset="0"/>
-                <a:ea typeface="微軟正黑體" panose="020B0604030504040204" pitchFamily="34" charset="-120"/>
-                <a:cs typeface="Heiti TC Light"/>
-              </a:rPr>
-              <a:t>要設定的變數</a:t>
-            </a:r>
-            <a:r>
-              <a:rPr kumimoji="1" lang="en-US" altLang="zh-TW" sz="2400" dirty="0">
-                <a:solidFill>
-                  <a:srgbClr val="00B050"/>
-                </a:solidFill>
-                <a:effectLst>
-                  <a:outerShdw blurRad="38100" dist="38100" dir="2700000" algn="tl">
-                    <a:srgbClr val="000000">
-                      <a:alpha val="43137"/>
-                    </a:srgbClr>
-                  </a:outerShdw>
-                </a:effectLst>
-                <a:latin typeface="Consolas" panose="020B0609020204030204" pitchFamily="49" charset="0"/>
-                <a:ea typeface="微軟正黑體" panose="020B0604030504040204" pitchFamily="34" charset="-120"/>
-                <a:cs typeface="Heiti TC Light"/>
-              </a:rPr>
-              <a:t>&gt;=&lt;</a:t>
-            </a:r>
-            <a:r>
-              <a:rPr kumimoji="1" lang="zh-TW" altLang="en-US" sz="2400" dirty="0">
-                <a:solidFill>
-                  <a:srgbClr val="00B050"/>
-                </a:solidFill>
-                <a:effectLst>
-                  <a:outerShdw blurRad="38100" dist="38100" dir="2700000" algn="tl">
-                    <a:srgbClr val="000000">
-                      <a:alpha val="43137"/>
-                    </a:srgbClr>
-                  </a:outerShdw>
-                </a:effectLst>
-                <a:latin typeface="Consolas" panose="020B0609020204030204" pitchFamily="49" charset="0"/>
-                <a:ea typeface="微軟正黑體" panose="020B0604030504040204" pitchFamily="34" charset="-120"/>
-                <a:cs typeface="Heiti TC Light"/>
-              </a:rPr>
-              <a:t>你的金鑰</a:t>
-            </a:r>
-            <a:r>
-              <a:rPr kumimoji="1" lang="en-US" altLang="zh-TW" sz="2400" dirty="0">
-                <a:solidFill>
-                  <a:srgbClr val="00B050"/>
-                </a:solidFill>
-                <a:effectLst>
-                  <a:outerShdw blurRad="38100" dist="38100" dir="2700000" algn="tl">
-                    <a:srgbClr val="000000">
-                      <a:alpha val="43137"/>
-                    </a:srgbClr>
-                  </a:outerShdw>
-                </a:effectLst>
-                <a:latin typeface="Consolas" panose="020B0609020204030204" pitchFamily="49" charset="0"/>
-                <a:ea typeface="微軟正黑體" panose="020B0604030504040204" pitchFamily="34" charset="-120"/>
-                <a:cs typeface="Heiti TC Light"/>
-              </a:rPr>
-              <a:t>&gt;</a:t>
-            </a:r>
-          </a:p>
-        </p:txBody>
-      </p:sp>
-      <p:sp>
-        <p:nvSpPr>
           <p:cNvPr id="2" name="文字版面配置區 2">
             <a:extLst>
               <a:ext uri="{FF2B5EF4-FFF2-40B4-BE49-F238E27FC236}">
@@ -38722,8 +38647,8 @@
         </p:nvSpPr>
         <p:spPr>
           <a:xfrm>
-            <a:off x="843516" y="251778"/>
-            <a:ext cx="8086081" cy="990600"/>
+            <a:off x="1827994" y="188728"/>
+            <a:ext cx="5488011" cy="990600"/>
           </a:xfrm>
           <a:prstGeom prst="rect">
             <a:avLst/>
@@ -38756,7 +38681,7 @@
                 <a:latin typeface="微軟正黑體" panose="020B0604030504040204" pitchFamily="34" charset="-120"/>
                 <a:ea typeface="微軟正黑體" panose="020B0604030504040204" pitchFamily="34" charset="-120"/>
               </a:rPr>
-              <a:t>設定</a:t>
+              <a:t>如果是</a:t>
             </a:r>
             <a:r>
               <a:rPr lang="en-US" altLang="zh-TW" sz="4000" b="1" kern="0" dirty="0">
@@ -38773,7 +38698,24 @@
                 <a:latin typeface="微軟正黑體" panose="020B0604030504040204" pitchFamily="34" charset="-120"/>
                 <a:ea typeface="微軟正黑體" panose="020B0604030504040204" pitchFamily="34" charset="-120"/>
               </a:rPr>
-              <a:t>LINE Channel Access Token</a:t>
+              <a:t>Google </a:t>
+            </a:r>
+            <a:r>
+              <a:rPr lang="en-US" altLang="zh-TW" sz="4000" b="1" kern="0" dirty="0" err="1">
+                <a:solidFill>
+                  <a:srgbClr val="00B0F0"/>
+                </a:solidFill>
+                <a:effectLst>
+                  <a:outerShdw blurRad="38100" dist="38100" dir="2700000" algn="tl">
+                    <a:srgbClr val="000000">
+                      <a:alpha val="43137"/>
+                    </a:srgbClr>
+                  </a:outerShdw>
+                </a:effectLst>
+                <a:latin typeface="微軟正黑體" panose="020B0604030504040204" pitchFamily="34" charset="-120"/>
+                <a:ea typeface="微軟正黑體" panose="020B0604030504040204" pitchFamily="34" charset="-120"/>
+              </a:rPr>
+              <a:t>Colab</a:t>
             </a:r>
             <a:endParaRPr lang="zh-TW" altLang="en-US" sz="4000" b="1" kern="0" dirty="0">
               <a:solidFill>
@@ -38794,10 +38736,10 @@
       </p:sp>
       <p:pic>
         <p:nvPicPr>
-          <p:cNvPr id="5" name="圖片 4">
+          <p:cNvPr id="6" name="圖片 5">
             <a:extLst>
               <a:ext uri="{FF2B5EF4-FFF2-40B4-BE49-F238E27FC236}">
-                <a16:creationId xmlns:a16="http://schemas.microsoft.com/office/drawing/2014/main" id="{1060C6A7-FB20-8F8D-490E-32323B4ABDA3}"/>
+                <a16:creationId xmlns:a16="http://schemas.microsoft.com/office/drawing/2014/main" id="{360359E3-2068-957A-287D-F39262BB2196}"/>
               </a:ext>
             </a:extLst>
           </p:cNvPr>
@@ -38814,8 +38756,8 @@
         </p:blipFill>
         <p:spPr>
           <a:xfrm>
-            <a:off x="128466" y="2643105"/>
-            <a:ext cx="8763611" cy="3530867"/>
+            <a:off x="320029" y="1759698"/>
+            <a:ext cx="8503942" cy="4260101"/>
           </a:xfrm>
           <a:prstGeom prst="rect">
             <a:avLst/>
@@ -38825,7 +38767,7 @@
     </p:spTree>
     <p:extLst>
       <p:ext uri="{BB962C8B-B14F-4D97-AF65-F5344CB8AC3E}">
-        <p14:creationId xmlns:p14="http://schemas.microsoft.com/office/powerpoint/2010/main" val="1398163176"/>
+        <p14:creationId xmlns:p14="http://schemas.microsoft.com/office/powerpoint/2010/main" val="261148238"/>
       </p:ext>
     </p:extLst>
   </p:cSld>
@@ -38960,10 +38902,10 @@
       </p:sp>
       <p:pic>
         <p:nvPicPr>
-          <p:cNvPr id="6" name="圖片 5">
+          <p:cNvPr id="5" name="圖片 4">
             <a:extLst>
               <a:ext uri="{FF2B5EF4-FFF2-40B4-BE49-F238E27FC236}">
-                <a16:creationId xmlns:a16="http://schemas.microsoft.com/office/drawing/2014/main" id="{360359E3-2068-957A-287D-F39262BB2196}"/>
+                <a16:creationId xmlns:a16="http://schemas.microsoft.com/office/drawing/2014/main" id="{28710C28-DC1F-4C01-1D3B-78FC8B407180}"/>
               </a:ext>
             </a:extLst>
           </p:cNvPr>
@@ -38980,8 +38922,8 @@
         </p:blipFill>
         <p:spPr>
           <a:xfrm>
-            <a:off x="320029" y="1759698"/>
-            <a:ext cx="8503942" cy="4260101"/>
+            <a:off x="511941" y="1478467"/>
+            <a:ext cx="7744907" cy="4831897"/>
           </a:xfrm>
           <a:prstGeom prst="rect">
             <a:avLst/>
@@ -38991,7 +38933,7 @@
     </p:spTree>
     <p:extLst>
       <p:ext uri="{BB962C8B-B14F-4D97-AF65-F5344CB8AC3E}">
-        <p14:creationId xmlns:p14="http://schemas.microsoft.com/office/powerpoint/2010/main" val="261148238"/>
+        <p14:creationId xmlns:p14="http://schemas.microsoft.com/office/powerpoint/2010/main" val="2009663404"/>
       </p:ext>
     </p:extLst>
   </p:cSld>
@@ -39140,172 +39082,6 @@
 </file>
 
 <file path=ppt/slides/slide60.xml><?xml version="1.0" encoding="utf-8"?>
-<p:sld xmlns:a="http://schemas.openxmlformats.org/drawingml/2006/main" xmlns:r="http://schemas.openxmlformats.org/officeDocument/2006/relationships" xmlns:p="http://schemas.openxmlformats.org/presentationml/2006/main">
-  <p:cSld>
-    <p:spTree>
-      <p:nvGrpSpPr>
-        <p:cNvPr id="1" name=""/>
-        <p:cNvGrpSpPr/>
-        <p:nvPr/>
-      </p:nvGrpSpPr>
-      <p:grpSpPr>
-        <a:xfrm>
-          <a:off x="0" y="0"/>
-          <a:ext cx="0" cy="0"/>
-          <a:chOff x="0" y="0"/>
-          <a:chExt cx="0" cy="0"/>
-        </a:xfrm>
-      </p:grpSpPr>
-      <p:sp>
-        <p:nvSpPr>
-          <p:cNvPr id="2" name="文字版面配置區 2">
-            <a:extLst>
-              <a:ext uri="{FF2B5EF4-FFF2-40B4-BE49-F238E27FC236}">
-                <a16:creationId xmlns:a16="http://schemas.microsoft.com/office/drawing/2014/main" id="{DB2FAA46-9B2A-DC8E-8996-377E71D9CC5C}"/>
-              </a:ext>
-            </a:extLst>
-          </p:cNvPr>
-          <p:cNvSpPr txBox="1">
-            <a:spLocks/>
-          </p:cNvSpPr>
-          <p:nvPr/>
-        </p:nvSpPr>
-        <p:spPr>
-          <a:xfrm>
-            <a:off x="1827994" y="188728"/>
-            <a:ext cx="5488011" cy="990600"/>
-          </a:xfrm>
-          <a:prstGeom prst="rect">
-            <a:avLst/>
-          </a:prstGeom>
-        </p:spPr>
-        <p:txBody>
-          <a:bodyPr tIns="91440" bIns="91440" anchor="b" anchorCtr="0">
-            <a:noAutofit/>
-          </a:bodyPr>
-          <a:lstStyle/>
-          <a:p>
-            <a:pPr algn="just">
-              <a:spcBef>
-                <a:spcPct val="20000"/>
-              </a:spcBef>
-              <a:defRPr/>
-            </a:pPr>
-            <a:r>
-              <a:rPr lang="zh-TW" altLang="en-US" sz="4000" b="1" kern="0" dirty="0">
-                <a:solidFill>
-                  <a:srgbClr val="00B0F0"/>
-                </a:solidFill>
-                <a:effectLst>
-                  <a:outerShdw blurRad="38100" dist="38100" dir="2700000" algn="tl">
-                    <a:srgbClr val="000000">
-                      <a:alpha val="43137"/>
-                    </a:srgbClr>
-                  </a:outerShdw>
-                </a:effectLst>
-                <a:latin typeface="微軟正黑體" panose="020B0604030504040204" pitchFamily="34" charset="-120"/>
-                <a:ea typeface="微軟正黑體" panose="020B0604030504040204" pitchFamily="34" charset="-120"/>
-              </a:rPr>
-              <a:t>如果是</a:t>
-            </a:r>
-            <a:r>
-              <a:rPr lang="en-US" altLang="zh-TW" sz="4000" b="1" kern="0" dirty="0">
-                <a:solidFill>
-                  <a:srgbClr val="00B0F0"/>
-                </a:solidFill>
-                <a:effectLst>
-                  <a:outerShdw blurRad="38100" dist="38100" dir="2700000" algn="tl">
-                    <a:srgbClr val="000000">
-                      <a:alpha val="43137"/>
-                    </a:srgbClr>
-                  </a:outerShdw>
-                </a:effectLst>
-                <a:latin typeface="微軟正黑體" panose="020B0604030504040204" pitchFamily="34" charset="-120"/>
-                <a:ea typeface="微軟正黑體" panose="020B0604030504040204" pitchFamily="34" charset="-120"/>
-              </a:rPr>
-              <a:t>Google </a:t>
-            </a:r>
-            <a:r>
-              <a:rPr lang="en-US" altLang="zh-TW" sz="4000" b="1" kern="0" dirty="0" err="1">
-                <a:solidFill>
-                  <a:srgbClr val="00B0F0"/>
-                </a:solidFill>
-                <a:effectLst>
-                  <a:outerShdw blurRad="38100" dist="38100" dir="2700000" algn="tl">
-                    <a:srgbClr val="000000">
-                      <a:alpha val="43137"/>
-                    </a:srgbClr>
-                  </a:outerShdw>
-                </a:effectLst>
-                <a:latin typeface="微軟正黑體" panose="020B0604030504040204" pitchFamily="34" charset="-120"/>
-                <a:ea typeface="微軟正黑體" panose="020B0604030504040204" pitchFamily="34" charset="-120"/>
-              </a:rPr>
-              <a:t>Colab</a:t>
-            </a:r>
-            <a:endParaRPr lang="zh-TW" altLang="en-US" sz="4000" b="1" kern="0" dirty="0">
-              <a:solidFill>
-                <a:srgbClr val="00B0F0"/>
-              </a:solidFill>
-              <a:effectLst>
-                <a:outerShdw blurRad="38100" dist="38100" dir="2700000" algn="tl">
-                  <a:srgbClr val="000000">
-                    <a:alpha val="43137"/>
-                  </a:srgbClr>
-                </a:outerShdw>
-              </a:effectLst>
-              <a:latin typeface="微軟正黑體" panose="020B0604030504040204" pitchFamily="34" charset="-120"/>
-              <a:ea typeface="微軟正黑體" panose="020B0604030504040204" pitchFamily="34" charset="-120"/>
-            </a:endParaRPr>
-          </a:p>
-        </p:txBody>
-      </p:sp>
-      <p:pic>
-        <p:nvPicPr>
-          <p:cNvPr id="5" name="圖片 4">
-            <a:extLst>
-              <a:ext uri="{FF2B5EF4-FFF2-40B4-BE49-F238E27FC236}">
-                <a16:creationId xmlns:a16="http://schemas.microsoft.com/office/drawing/2014/main" id="{28710C28-DC1F-4C01-1D3B-78FC8B407180}"/>
-              </a:ext>
-            </a:extLst>
-          </p:cNvPr>
-          <p:cNvPicPr>
-            <a:picLocks noChangeAspect="1"/>
-          </p:cNvPicPr>
-          <p:nvPr/>
-        </p:nvPicPr>
-        <p:blipFill>
-          <a:blip r:embed="rId2"/>
-          <a:stretch>
-            <a:fillRect/>
-          </a:stretch>
-        </p:blipFill>
-        <p:spPr>
-          <a:xfrm>
-            <a:off x="511941" y="1478467"/>
-            <a:ext cx="7744907" cy="4831897"/>
-          </a:xfrm>
-          <a:prstGeom prst="rect">
-            <a:avLst/>
-          </a:prstGeom>
-        </p:spPr>
-      </p:pic>
-    </p:spTree>
-    <p:extLst>
-      <p:ext uri="{BB962C8B-B14F-4D97-AF65-F5344CB8AC3E}">
-        <p14:creationId xmlns:p14="http://schemas.microsoft.com/office/powerpoint/2010/main" val="2009663404"/>
-      </p:ext>
-    </p:extLst>
-  </p:cSld>
-  <p:clrMapOvr>
-    <a:masterClrMapping/>
-  </p:clrMapOvr>
-  <p:transition>
-    <p:fade/>
-  </p:transition>
-</p:sld>
-</file>
-
-<file path=ppt/slides/slide61.xml><?xml version="1.0" encoding="utf-8"?>
 <p:sld xmlns:a="http://schemas.openxmlformats.org/drawingml/2006/main" xmlns:r="http://schemas.openxmlformats.org/officeDocument/2006/relationships" xmlns:p="http://schemas.openxmlformats.org/presentationml/2006/main">
   <p:cSld>
     <p:spTree>

--- a/Slides/04. Ngrok說明.pptx
+++ b/Slides/04. Ngrok說明.pptx
@@ -6,7 +6,7 @@
     <p:sldMasterId id="2147483660" r:id="rId2"/>
   </p:sldMasterIdLst>
   <p:notesMasterIdLst>
-    <p:notesMasterId r:id="rId63"/>
+    <p:notesMasterId r:id="rId64"/>
   </p:notesMasterIdLst>
   <p:sldIdLst>
     <p:sldId id="681" r:id="rId3"/>
@@ -49,26 +49,27 @@
     <p:sldId id="1352" r:id="rId40"/>
     <p:sldId id="1357" r:id="rId41"/>
     <p:sldId id="1412" r:id="rId42"/>
-    <p:sldId id="1359" r:id="rId43"/>
-    <p:sldId id="1360" r:id="rId44"/>
-    <p:sldId id="1361" r:id="rId45"/>
-    <p:sldId id="1362" r:id="rId46"/>
-    <p:sldId id="1363" r:id="rId47"/>
-    <p:sldId id="1364" r:id="rId48"/>
-    <p:sldId id="1365" r:id="rId49"/>
-    <p:sldId id="1366" r:id="rId50"/>
-    <p:sldId id="1367" r:id="rId51"/>
-    <p:sldId id="1368" r:id="rId52"/>
-    <p:sldId id="1369" r:id="rId53"/>
-    <p:sldId id="1370" r:id="rId54"/>
-    <p:sldId id="1371" r:id="rId55"/>
-    <p:sldId id="1372" r:id="rId56"/>
-    <p:sldId id="1373" r:id="rId57"/>
-    <p:sldId id="1374" r:id="rId58"/>
-    <p:sldId id="1375" r:id="rId59"/>
-    <p:sldId id="1376" r:id="rId60"/>
-    <p:sldId id="1377" r:id="rId61"/>
-    <p:sldId id="1378" r:id="rId62"/>
+    <p:sldId id="1419" r:id="rId43"/>
+    <p:sldId id="1359" r:id="rId44"/>
+    <p:sldId id="1360" r:id="rId45"/>
+    <p:sldId id="1361" r:id="rId46"/>
+    <p:sldId id="1362" r:id="rId47"/>
+    <p:sldId id="1363" r:id="rId48"/>
+    <p:sldId id="1364" r:id="rId49"/>
+    <p:sldId id="1365" r:id="rId50"/>
+    <p:sldId id="1366" r:id="rId51"/>
+    <p:sldId id="1367" r:id="rId52"/>
+    <p:sldId id="1368" r:id="rId53"/>
+    <p:sldId id="1369" r:id="rId54"/>
+    <p:sldId id="1370" r:id="rId55"/>
+    <p:sldId id="1371" r:id="rId56"/>
+    <p:sldId id="1372" r:id="rId57"/>
+    <p:sldId id="1373" r:id="rId58"/>
+    <p:sldId id="1374" r:id="rId59"/>
+    <p:sldId id="1375" r:id="rId60"/>
+    <p:sldId id="1376" r:id="rId61"/>
+    <p:sldId id="1377" r:id="rId62"/>
+    <p:sldId id="1378" r:id="rId63"/>
   </p:sldIdLst>
   <p:sldSz cx="9144000" cy="6858000" type="screen4x3"/>
   <p:notesSz cx="6858000" cy="9144000"/>
@@ -5080,7 +5081,7 @@
                 <a:tabLst/>
                 <a:defRPr/>
               </a:pPr>
-              <a:t>41</a:t>
+              <a:t>42</a:t>
             </a:fld>
             <a:endParaRPr kumimoji="0" lang="en-US" sz="1200" b="0" i="0" u="none" strike="noStrike" kern="1200" cap="none" spc="0" normalizeH="0" baseline="0" noProof="0" dirty="0">
               <a:ln>
@@ -34188,6 +34189,298 @@
   <p:cSld>
     <p:spTree>
       <p:nvGrpSpPr>
+        <p:cNvPr id="1" name="">
+          <a:extLst>
+            <a:ext uri="{FF2B5EF4-FFF2-40B4-BE49-F238E27FC236}">
+              <a16:creationId xmlns:a16="http://schemas.microsoft.com/office/drawing/2014/main" id="{681DA189-591A-54E3-727A-4BE9E12B7DE4}"/>
+            </a:ext>
+          </a:extLst>
+        </p:cNvPr>
+        <p:cNvGrpSpPr/>
+        <p:nvPr/>
+      </p:nvGrpSpPr>
+      <p:grpSpPr>
+        <a:xfrm>
+          <a:off x="0" y="0"/>
+          <a:ext cx="0" cy="0"/>
+          <a:chOff x="0" y="0"/>
+          <a:chExt cx="0" cy="0"/>
+        </a:xfrm>
+      </p:grpSpPr>
+      <p:sp>
+        <p:nvSpPr>
+          <p:cNvPr id="6" name="文字版面配置區 2">
+            <a:extLst>
+              <a:ext uri="{FF2B5EF4-FFF2-40B4-BE49-F238E27FC236}">
+                <a16:creationId xmlns:a16="http://schemas.microsoft.com/office/drawing/2014/main" id="{D28C7D33-58C6-3707-C04A-35FF622BA91E}"/>
+              </a:ext>
+            </a:extLst>
+          </p:cNvPr>
+          <p:cNvSpPr txBox="1">
+            <a:spLocks/>
+          </p:cNvSpPr>
+          <p:nvPr/>
+        </p:nvSpPr>
+        <p:spPr>
+          <a:xfrm>
+            <a:off x="1740716" y="349541"/>
+            <a:ext cx="5662568" cy="990600"/>
+          </a:xfrm>
+          <a:prstGeom prst="rect">
+            <a:avLst/>
+          </a:prstGeom>
+        </p:spPr>
+        <p:txBody>
+          <a:bodyPr tIns="91440" bIns="91440" anchor="b" anchorCtr="0">
+            <a:noAutofit/>
+          </a:bodyPr>
+          <a:lstStyle/>
+          <a:p>
+            <a:pPr algn="just">
+              <a:spcBef>
+                <a:spcPct val="20000"/>
+              </a:spcBef>
+              <a:defRPr/>
+            </a:pPr>
+            <a:r>
+              <a:rPr lang="zh-TW" altLang="en-US" sz="4800" b="1" kern="0" dirty="0">
+                <a:solidFill>
+                  <a:srgbClr val="00B0F0"/>
+                </a:solidFill>
+                <a:effectLst>
+                  <a:outerShdw blurRad="38100" dist="38100" dir="2700000" algn="tl">
+                    <a:srgbClr val="000000">
+                      <a:alpha val="43137"/>
+                    </a:srgbClr>
+                  </a:outerShdw>
+                </a:effectLst>
+                <a:latin typeface="微軟正黑體" panose="020B0604030504040204" pitchFamily="34" charset="-120"/>
+                <a:ea typeface="微軟正黑體" panose="020B0604030504040204" pitchFamily="34" charset="-120"/>
+              </a:rPr>
+              <a:t>執行本機</a:t>
+            </a:r>
+            <a:r>
+              <a:rPr lang="en-US" altLang="zh-TW" sz="4800" b="1" kern="0" dirty="0">
+                <a:solidFill>
+                  <a:srgbClr val="00B0F0"/>
+                </a:solidFill>
+                <a:effectLst>
+                  <a:outerShdw blurRad="38100" dist="38100" dir="2700000" algn="tl">
+                    <a:srgbClr val="000000">
+                      <a:alpha val="43137"/>
+                    </a:srgbClr>
+                  </a:outerShdw>
+                </a:effectLst>
+                <a:latin typeface="微軟正黑體" panose="020B0604030504040204" pitchFamily="34" charset="-120"/>
+                <a:ea typeface="微軟正黑體" panose="020B0604030504040204" pitchFamily="34" charset="-120"/>
+              </a:rPr>
+              <a:t>web</a:t>
+            </a:r>
+            <a:r>
+              <a:rPr lang="zh-TW" altLang="en-US" sz="4800" b="1" kern="0" dirty="0">
+                <a:solidFill>
+                  <a:srgbClr val="00B0F0"/>
+                </a:solidFill>
+                <a:effectLst>
+                  <a:outerShdw blurRad="38100" dist="38100" dir="2700000" algn="tl">
+                    <a:srgbClr val="000000">
+                      <a:alpha val="43137"/>
+                    </a:srgbClr>
+                  </a:outerShdw>
+                </a:effectLst>
+                <a:latin typeface="微軟正黑體" panose="020B0604030504040204" pitchFamily="34" charset="-120"/>
+                <a:ea typeface="微軟正黑體" panose="020B0604030504040204" pitchFamily="34" charset="-120"/>
+              </a:rPr>
+              <a:t>程式</a:t>
+            </a:r>
+          </a:p>
+        </p:txBody>
+      </p:sp>
+      <p:sp>
+        <p:nvSpPr>
+          <p:cNvPr id="2" name="文字方塊 1">
+            <a:extLst>
+              <a:ext uri="{FF2B5EF4-FFF2-40B4-BE49-F238E27FC236}">
+                <a16:creationId xmlns:a16="http://schemas.microsoft.com/office/drawing/2014/main" id="{598D4DD6-F79D-194C-4845-427FA4F652CF}"/>
+              </a:ext>
+            </a:extLst>
+          </p:cNvPr>
+          <p:cNvSpPr txBox="1"/>
+          <p:nvPr/>
+        </p:nvSpPr>
+        <p:spPr>
+          <a:xfrm>
+            <a:off x="615846" y="1340141"/>
+            <a:ext cx="8077200" cy="1077218"/>
+          </a:xfrm>
+          <a:prstGeom prst="rect">
+            <a:avLst/>
+          </a:prstGeom>
+          <a:noFill/>
+        </p:spPr>
+        <p:txBody>
+          <a:bodyPr wrap="square" rtlCol="0">
+            <a:spAutoFit/>
+          </a:bodyPr>
+          <a:lstStyle/>
+          <a:p>
+            <a:pPr marL="514338" indent="-514338">
+              <a:buFont typeface="Arial" panose="020B0604020202020204" pitchFamily="34" charset="0"/>
+              <a:buChar char="•"/>
+            </a:pPr>
+            <a:r>
+              <a:rPr kumimoji="1" lang="zh-TW" altLang="en-US" sz="3200" dirty="0">
+                <a:solidFill>
+                  <a:prstClr val="white"/>
+                </a:solidFill>
+                <a:effectLst>
+                  <a:outerShdw blurRad="38100" dist="38100" dir="2700000" algn="tl">
+                    <a:srgbClr val="000000">
+                      <a:alpha val="43137"/>
+                    </a:srgbClr>
+                  </a:outerShdw>
+                </a:effectLst>
+                <a:latin typeface="微軟正黑體" panose="020B0604030504040204" pitchFamily="34" charset="-120"/>
+                <a:ea typeface="微軟正黑體" panose="020B0604030504040204" pitchFamily="34" charset="-120"/>
+                <a:cs typeface="Heiti TC Light"/>
+              </a:rPr>
+              <a:t>如果出現這個樣子的網址和頁面，就要執行</a:t>
+            </a:r>
+            <a:r>
+              <a:rPr kumimoji="1" lang="en-US" altLang="zh-TW" sz="3200" dirty="0" err="1">
+                <a:solidFill>
+                  <a:prstClr val="white"/>
+                </a:solidFill>
+                <a:effectLst>
+                  <a:outerShdw blurRad="38100" dist="38100" dir="2700000" algn="tl">
+                    <a:srgbClr val="000000">
+                      <a:alpha val="43137"/>
+                    </a:srgbClr>
+                  </a:outerShdw>
+                </a:effectLst>
+                <a:latin typeface="微軟正黑體" panose="020B0604030504040204" pitchFamily="34" charset="-120"/>
+                <a:ea typeface="微軟正黑體" panose="020B0604030504040204" pitchFamily="34" charset="-120"/>
+                <a:cs typeface="Heiti TC Light"/>
+              </a:rPr>
+              <a:t>colab</a:t>
+            </a:r>
+            <a:r>
+              <a:rPr kumimoji="1" lang="zh-TW" altLang="en-US" sz="3200" dirty="0">
+                <a:solidFill>
+                  <a:prstClr val="white"/>
+                </a:solidFill>
+                <a:effectLst>
+                  <a:outerShdw blurRad="38100" dist="38100" dir="2700000" algn="tl">
+                    <a:srgbClr val="000000">
+                      <a:alpha val="43137"/>
+                    </a:srgbClr>
+                  </a:outerShdw>
+                </a:effectLst>
+                <a:latin typeface="微軟正黑體" panose="020B0604030504040204" pitchFamily="34" charset="-120"/>
+                <a:ea typeface="微軟正黑體" panose="020B0604030504040204" pitchFamily="34" charset="-120"/>
+                <a:cs typeface="Heiti TC Light"/>
+              </a:rPr>
+              <a:t>程式了</a:t>
+            </a:r>
+            <a:endParaRPr kumimoji="1" lang="en-US" altLang="zh-TW" sz="3200" dirty="0">
+              <a:solidFill>
+                <a:prstClr val="white"/>
+              </a:solidFill>
+              <a:effectLst>
+                <a:outerShdw blurRad="38100" dist="38100" dir="2700000" algn="tl">
+                  <a:srgbClr val="000000">
+                    <a:alpha val="43137"/>
+                  </a:srgbClr>
+                </a:outerShdw>
+              </a:effectLst>
+              <a:latin typeface="微軟正黑體" panose="020B0604030504040204" pitchFamily="34" charset="-120"/>
+              <a:ea typeface="微軟正黑體" panose="020B0604030504040204" pitchFamily="34" charset="-120"/>
+              <a:cs typeface="Heiti TC Light"/>
+            </a:endParaRPr>
+          </a:p>
+        </p:txBody>
+      </p:sp>
+      <p:pic>
+        <p:nvPicPr>
+          <p:cNvPr id="4" name="圖片 3">
+            <a:extLst>
+              <a:ext uri="{FF2B5EF4-FFF2-40B4-BE49-F238E27FC236}">
+                <a16:creationId xmlns:a16="http://schemas.microsoft.com/office/drawing/2014/main" id="{93A920D9-2358-F862-9F51-1C97A5B51B8E}"/>
+              </a:ext>
+            </a:extLst>
+          </p:cNvPr>
+          <p:cNvPicPr>
+            <a:picLocks noChangeAspect="1"/>
+          </p:cNvPicPr>
+          <p:nvPr/>
+        </p:nvPicPr>
+        <p:blipFill>
+          <a:blip r:embed="rId2"/>
+          <a:stretch>
+            <a:fillRect/>
+          </a:stretch>
+        </p:blipFill>
+        <p:spPr>
+          <a:xfrm>
+            <a:off x="389687" y="2330741"/>
+            <a:ext cx="6543675" cy="428625"/>
+          </a:xfrm>
+          <a:prstGeom prst="rect">
+            <a:avLst/>
+          </a:prstGeom>
+        </p:spPr>
+      </p:pic>
+      <p:pic>
+        <p:nvPicPr>
+          <p:cNvPr id="7" name="圖片 6">
+            <a:extLst>
+              <a:ext uri="{FF2B5EF4-FFF2-40B4-BE49-F238E27FC236}">
+                <a16:creationId xmlns:a16="http://schemas.microsoft.com/office/drawing/2014/main" id="{EC9BC193-3EF7-9DA6-D81E-D86A68CF3436}"/>
+              </a:ext>
+            </a:extLst>
+          </p:cNvPr>
+          <p:cNvPicPr>
+            <a:picLocks noChangeAspect="1"/>
+          </p:cNvPicPr>
+          <p:nvPr/>
+        </p:nvPicPr>
+        <p:blipFill>
+          <a:blip r:embed="rId3"/>
+          <a:stretch>
+            <a:fillRect/>
+          </a:stretch>
+        </p:blipFill>
+        <p:spPr>
+          <a:xfrm>
+            <a:off x="2308295" y="2759366"/>
+            <a:ext cx="6506308" cy="4065437"/>
+          </a:xfrm>
+          <a:prstGeom prst="rect">
+            <a:avLst/>
+          </a:prstGeom>
+        </p:spPr>
+      </p:pic>
+    </p:spTree>
+    <p:extLst>
+      <p:ext uri="{BB962C8B-B14F-4D97-AF65-F5344CB8AC3E}">
+        <p14:creationId xmlns:p14="http://schemas.microsoft.com/office/powerpoint/2010/main" val="77576844"/>
+      </p:ext>
+    </p:extLst>
+  </p:cSld>
+  <p:clrMapOvr>
+    <a:masterClrMapping/>
+  </p:clrMapOvr>
+  <p:transition>
+    <p:fade/>
+  </p:transition>
+</p:sld>
+</file>
+
+<file path=ppt/slides/slide42.xml><?xml version="1.0" encoding="utf-8"?>
+<p:sld xmlns:a="http://schemas.openxmlformats.org/drawingml/2006/main" xmlns:r="http://schemas.openxmlformats.org/officeDocument/2006/relationships" xmlns:p="http://schemas.openxmlformats.org/presentationml/2006/main">
+  <p:cSld>
+    <p:spTree>
+      <p:nvGrpSpPr>
         <p:cNvPr id="1" name=""/>
         <p:cNvGrpSpPr/>
         <p:nvPr/>
@@ -34260,7 +34553,7 @@
 </p:sld>
 </file>
 
-<file path=ppt/slides/slide42.xml><?xml version="1.0" encoding="utf-8"?>
+<file path=ppt/slides/slide43.xml><?xml version="1.0" encoding="utf-8"?>
 <p:sld xmlns:a="http://schemas.openxmlformats.org/drawingml/2006/main" xmlns:r="http://schemas.openxmlformats.org/officeDocument/2006/relationships" xmlns:p="http://schemas.openxmlformats.org/presentationml/2006/main">
   <p:cSld>
     <p:spTree>
@@ -34583,7 +34876,7 @@
 </p:sld>
 </file>
 
-<file path=ppt/slides/slide43.xml><?xml version="1.0" encoding="utf-8"?>
+<file path=ppt/slides/slide44.xml><?xml version="1.0" encoding="utf-8"?>
 <p:sld xmlns:a="http://schemas.openxmlformats.org/drawingml/2006/main" xmlns:r="http://schemas.openxmlformats.org/officeDocument/2006/relationships" xmlns:p="http://schemas.openxmlformats.org/presentationml/2006/main">
   <p:cSld>
     <p:spTree>
@@ -34940,491 +35233,6 @@
     <p:extLst>
       <p:ext uri="{BB962C8B-B14F-4D97-AF65-F5344CB8AC3E}">
         <p14:creationId xmlns:p14="http://schemas.microsoft.com/office/powerpoint/2010/main" val="3483958529"/>
-      </p:ext>
-    </p:extLst>
-  </p:cSld>
-  <p:clrMapOvr>
-    <a:masterClrMapping/>
-  </p:clrMapOvr>
-  <p:transition>
-    <p:fade/>
-  </p:transition>
-  <p:timing>
-    <p:tnLst>
-      <p:par>
-        <p:cTn id="1" dur="indefinite" restart="never" nodeType="tmRoot">
-          <p:childTnLst>
-            <p:seq concurrent="1" nextAc="seek">
-              <p:cTn id="2" dur="indefinite" nodeType="mainSeq">
-                <p:childTnLst>
-                  <p:par>
-                    <p:cTn id="3" fill="hold">
-                      <p:stCondLst>
-                        <p:cond delay="indefinite"/>
-                      </p:stCondLst>
-                      <p:childTnLst>
-                        <p:par>
-                          <p:cTn id="4" fill="hold">
-                            <p:stCondLst>
-                              <p:cond delay="0"/>
-                            </p:stCondLst>
-                            <p:childTnLst>
-                              <p:par>
-                                <p:cTn id="5" presetID="10" presetClass="entr" presetSubtype="0" fill="hold" grpId="0" nodeType="clickEffect">
-                                  <p:stCondLst>
-                                    <p:cond delay="0"/>
-                                  </p:stCondLst>
-                                  <p:childTnLst>
-                                    <p:set>
-                                      <p:cBhvr>
-                                        <p:cTn id="6" dur="1" fill="hold">
-                                          <p:stCondLst>
-                                            <p:cond delay="0"/>
-                                          </p:stCondLst>
-                                        </p:cTn>
-                                        <p:tgtEl>
-                                          <p:spTgt spid="12"/>
-                                        </p:tgtEl>
-                                        <p:attrNameLst>
-                                          <p:attrName>style.visibility</p:attrName>
-                                        </p:attrNameLst>
-                                      </p:cBhvr>
-                                      <p:to>
-                                        <p:strVal val="visible"/>
-                                      </p:to>
-                                    </p:set>
-                                    <p:animEffect transition="in" filter="fade">
-                                      <p:cBhvr>
-                                        <p:cTn id="7" dur="500"/>
-                                        <p:tgtEl>
-                                          <p:spTgt spid="12"/>
-                                        </p:tgtEl>
-                                      </p:cBhvr>
-                                    </p:animEffect>
-                                  </p:childTnLst>
-                                </p:cTn>
-                              </p:par>
-                            </p:childTnLst>
-                          </p:cTn>
-                        </p:par>
-                      </p:childTnLst>
-                    </p:cTn>
-                  </p:par>
-                </p:childTnLst>
-              </p:cTn>
-              <p:prevCondLst>
-                <p:cond evt="onPrev" delay="0">
-                  <p:tgtEl>
-                    <p:sldTgt/>
-                  </p:tgtEl>
-                </p:cond>
-              </p:prevCondLst>
-              <p:nextCondLst>
-                <p:cond evt="onNext" delay="0">
-                  <p:tgtEl>
-                    <p:sldTgt/>
-                  </p:tgtEl>
-                </p:cond>
-              </p:nextCondLst>
-            </p:seq>
-          </p:childTnLst>
-        </p:cTn>
-      </p:par>
-    </p:tnLst>
-    <p:bldLst>
-      <p:bldP spid="12" grpId="0" animBg="1"/>
-    </p:bldLst>
-  </p:timing>
-</p:sld>
-</file>
-
-<file path=ppt/slides/slide44.xml><?xml version="1.0" encoding="utf-8"?>
-<p:sld xmlns:a="http://schemas.openxmlformats.org/drawingml/2006/main" xmlns:r="http://schemas.openxmlformats.org/officeDocument/2006/relationships" xmlns:p="http://schemas.openxmlformats.org/presentationml/2006/main">
-  <p:cSld>
-    <p:spTree>
-      <p:nvGrpSpPr>
-        <p:cNvPr id="1" name=""/>
-        <p:cNvGrpSpPr/>
-        <p:nvPr/>
-      </p:nvGrpSpPr>
-      <p:grpSpPr>
-        <a:xfrm>
-          <a:off x="0" y="0"/>
-          <a:ext cx="0" cy="0"/>
-          <a:chOff x="0" y="0"/>
-          <a:chExt cx="0" cy="0"/>
-        </a:xfrm>
-      </p:grpSpPr>
-      <p:pic>
-        <p:nvPicPr>
-          <p:cNvPr id="5" name="圖片 4">
-            <a:extLst>
-              <a:ext uri="{FF2B5EF4-FFF2-40B4-BE49-F238E27FC236}">
-                <a16:creationId xmlns:a16="http://schemas.microsoft.com/office/drawing/2014/main" id="{DD01C14C-D9AE-4C5A-079D-DC0B9F598826}"/>
-              </a:ext>
-            </a:extLst>
-          </p:cNvPr>
-          <p:cNvPicPr>
-            <a:picLocks noChangeAspect="1"/>
-          </p:cNvPicPr>
-          <p:nvPr/>
-        </p:nvPicPr>
-        <p:blipFill>
-          <a:blip r:embed="rId2"/>
-          <a:stretch>
-            <a:fillRect/>
-          </a:stretch>
-        </p:blipFill>
-        <p:spPr>
-          <a:xfrm>
-            <a:off x="866710" y="2878766"/>
-            <a:ext cx="6791325" cy="3076575"/>
-          </a:xfrm>
-          <a:prstGeom prst="rect">
-            <a:avLst/>
-          </a:prstGeom>
-        </p:spPr>
-      </p:pic>
-      <p:sp>
-        <p:nvSpPr>
-          <p:cNvPr id="6" name="文字版面配置區 2">
-            <a:extLst>
-              <a:ext uri="{FF2B5EF4-FFF2-40B4-BE49-F238E27FC236}">
-                <a16:creationId xmlns:a16="http://schemas.microsoft.com/office/drawing/2014/main" id="{DC362AB1-BDCB-D11A-89BE-0A2EC77A4AD2}"/>
-              </a:ext>
-            </a:extLst>
-          </p:cNvPr>
-          <p:cNvSpPr txBox="1">
-            <a:spLocks/>
-          </p:cNvSpPr>
-          <p:nvPr/>
-        </p:nvSpPr>
-        <p:spPr>
-          <a:xfrm>
-            <a:off x="1373707" y="110010"/>
-            <a:ext cx="7407034" cy="990600"/>
-          </a:xfrm>
-          <a:prstGeom prst="rect">
-            <a:avLst/>
-          </a:prstGeom>
-        </p:spPr>
-        <p:txBody>
-          <a:bodyPr tIns="91440" bIns="91440" anchor="b" anchorCtr="0">
-            <a:noAutofit/>
-          </a:bodyPr>
-          <a:lstStyle/>
-          <a:p>
-            <a:pPr algn="just">
-              <a:spcBef>
-                <a:spcPct val="20000"/>
-              </a:spcBef>
-              <a:defRPr/>
-            </a:pPr>
-            <a:r>
-              <a:rPr lang="zh-TW" altLang="en-US" sz="4800" b="1" kern="0" dirty="0">
-                <a:solidFill>
-                  <a:srgbClr val="00B0F0"/>
-                </a:solidFill>
-                <a:effectLst>
-                  <a:outerShdw blurRad="38100" dist="38100" dir="2700000" algn="tl">
-                    <a:srgbClr val="000000">
-                      <a:alpha val="43137"/>
-                    </a:srgbClr>
-                  </a:outerShdw>
-                </a:effectLst>
-                <a:latin typeface="微軟正黑體" panose="020B0604030504040204" pitchFamily="34" charset="-120"/>
-                <a:ea typeface="微軟正黑體" panose="020B0604030504040204" pitchFamily="34" charset="-120"/>
-              </a:rPr>
-              <a:t>在開發環境中設定變數</a:t>
-            </a:r>
-          </a:p>
-        </p:txBody>
-      </p:sp>
-      <p:sp>
-        <p:nvSpPr>
-          <p:cNvPr id="2" name="文字方塊 1">
-            <a:extLst>
-              <a:ext uri="{FF2B5EF4-FFF2-40B4-BE49-F238E27FC236}">
-                <a16:creationId xmlns:a16="http://schemas.microsoft.com/office/drawing/2014/main" id="{178B99C9-F0FA-7E8E-5EC7-27E6EAB07462}"/>
-              </a:ext>
-            </a:extLst>
-          </p:cNvPr>
-          <p:cNvSpPr txBox="1"/>
-          <p:nvPr/>
-        </p:nvSpPr>
-        <p:spPr>
-          <a:xfrm>
-            <a:off x="533400" y="1062294"/>
-            <a:ext cx="8077200" cy="1077218"/>
-          </a:xfrm>
-          <a:prstGeom prst="rect">
-            <a:avLst/>
-          </a:prstGeom>
-          <a:noFill/>
-        </p:spPr>
-        <p:txBody>
-          <a:bodyPr wrap="square" rtlCol="0">
-            <a:spAutoFit/>
-          </a:bodyPr>
-          <a:lstStyle/>
-          <a:p>
-            <a:pPr marL="514338" indent="-514338">
-              <a:buFont typeface="Arial" panose="020B0604020202020204" pitchFamily="34" charset="0"/>
-              <a:buChar char="•"/>
-            </a:pPr>
-            <a:r>
-              <a:rPr kumimoji="1" lang="zh-TW" altLang="en-US" sz="3200" dirty="0">
-                <a:solidFill>
-                  <a:prstClr val="white"/>
-                </a:solidFill>
-                <a:effectLst>
-                  <a:outerShdw blurRad="38100" dist="38100" dir="2700000" algn="tl">
-                    <a:srgbClr val="000000">
-                      <a:alpha val="43137"/>
-                    </a:srgbClr>
-                  </a:outerShdw>
-                </a:effectLst>
-                <a:latin typeface="微軟正黑體" panose="020B0604030504040204" pitchFamily="34" charset="-120"/>
-                <a:ea typeface="微軟正黑體" panose="020B0604030504040204" pitchFamily="34" charset="-120"/>
-                <a:cs typeface="Heiti TC Light"/>
-              </a:rPr>
-              <a:t>在</a:t>
-            </a:r>
-            <a:r>
-              <a:rPr kumimoji="1" lang="en-US" altLang="zh-TW" sz="3200" dirty="0">
-                <a:solidFill>
-                  <a:prstClr val="white"/>
-                </a:solidFill>
-                <a:effectLst>
-                  <a:outerShdw blurRad="38100" dist="38100" dir="2700000" algn="tl">
-                    <a:srgbClr val="000000">
-                      <a:alpha val="43137"/>
-                    </a:srgbClr>
-                  </a:outerShdw>
-                </a:effectLst>
-                <a:latin typeface="微軟正黑體" panose="020B0604030504040204" pitchFamily="34" charset="-120"/>
-                <a:ea typeface="微軟正黑體" panose="020B0604030504040204" pitchFamily="34" charset="-120"/>
-                <a:cs typeface="Heiti TC Light"/>
-              </a:rPr>
-              <a:t>Linux/Mac</a:t>
-            </a:r>
-            <a:r>
-              <a:rPr kumimoji="1" lang="zh-TW" altLang="en-US" sz="3200" dirty="0">
-                <a:solidFill>
-                  <a:prstClr val="white"/>
-                </a:solidFill>
-                <a:effectLst>
-                  <a:outerShdw blurRad="38100" dist="38100" dir="2700000" algn="tl">
-                    <a:srgbClr val="000000">
-                      <a:alpha val="43137"/>
-                    </a:srgbClr>
-                  </a:outerShdw>
-                </a:effectLst>
-                <a:latin typeface="微軟正黑體" panose="020B0604030504040204" pitchFamily="34" charset="-120"/>
-                <a:ea typeface="微軟正黑體" panose="020B0604030504040204" pitchFamily="34" charset="-120"/>
-                <a:cs typeface="Heiti TC Light"/>
-              </a:rPr>
-              <a:t>下設定環境變數，在</a:t>
-            </a:r>
-            <a:r>
-              <a:rPr kumimoji="1" lang="en-US" altLang="zh-TW" sz="3200" dirty="0">
-                <a:solidFill>
-                  <a:prstClr val="white"/>
-                </a:solidFill>
-                <a:effectLst>
-                  <a:outerShdw blurRad="38100" dist="38100" dir="2700000" algn="tl">
-                    <a:srgbClr val="000000">
-                      <a:alpha val="43137"/>
-                    </a:srgbClr>
-                  </a:outerShdw>
-                </a:effectLst>
-                <a:latin typeface="微軟正黑體" panose="020B0604030504040204" pitchFamily="34" charset="-120"/>
-                <a:ea typeface="微軟正黑體" panose="020B0604030504040204" pitchFamily="34" charset="-120"/>
-                <a:cs typeface="Heiti TC Light"/>
-              </a:rPr>
-              <a:t>.</a:t>
-            </a:r>
-            <a:r>
-              <a:rPr kumimoji="1" lang="en-US" altLang="zh-TW" sz="3200" dirty="0" err="1">
-                <a:solidFill>
-                  <a:prstClr val="white"/>
-                </a:solidFill>
-                <a:effectLst>
-                  <a:outerShdw blurRad="38100" dist="38100" dir="2700000" algn="tl">
-                    <a:srgbClr val="000000">
-                      <a:alpha val="43137"/>
-                    </a:srgbClr>
-                  </a:outerShdw>
-                </a:effectLst>
-                <a:latin typeface="微軟正黑體" panose="020B0604030504040204" pitchFamily="34" charset="-120"/>
-                <a:ea typeface="微軟正黑體" panose="020B0604030504040204" pitchFamily="34" charset="-120"/>
-                <a:cs typeface="Heiti TC Light"/>
-              </a:rPr>
-              <a:t>bashrc</a:t>
-            </a:r>
-            <a:r>
-              <a:rPr kumimoji="1" lang="en-US" altLang="zh-TW" sz="3200" dirty="0">
-                <a:solidFill>
-                  <a:prstClr val="white"/>
-                </a:solidFill>
-                <a:effectLst>
-                  <a:outerShdw blurRad="38100" dist="38100" dir="2700000" algn="tl">
-                    <a:srgbClr val="000000">
-                      <a:alpha val="43137"/>
-                    </a:srgbClr>
-                  </a:outerShdw>
-                </a:effectLst>
-                <a:latin typeface="微軟正黑體" panose="020B0604030504040204" pitchFamily="34" charset="-120"/>
-                <a:ea typeface="微軟正黑體" panose="020B0604030504040204" pitchFamily="34" charset="-120"/>
-                <a:cs typeface="Heiti TC Light"/>
-              </a:rPr>
-              <a:t>/.</a:t>
-            </a:r>
-            <a:r>
-              <a:rPr kumimoji="1" lang="en-US" altLang="zh-TW" sz="3200" dirty="0" err="1">
-                <a:solidFill>
-                  <a:prstClr val="white"/>
-                </a:solidFill>
-                <a:effectLst>
-                  <a:outerShdw blurRad="38100" dist="38100" dir="2700000" algn="tl">
-                    <a:srgbClr val="000000">
-                      <a:alpha val="43137"/>
-                    </a:srgbClr>
-                  </a:outerShdw>
-                </a:effectLst>
-                <a:latin typeface="微軟正黑體" panose="020B0604030504040204" pitchFamily="34" charset="-120"/>
-                <a:ea typeface="微軟正黑體" panose="020B0604030504040204" pitchFamily="34" charset="-120"/>
-                <a:cs typeface="Heiti TC Light"/>
-              </a:rPr>
-              <a:t>zshrc</a:t>
-            </a:r>
-            <a:r>
-              <a:rPr kumimoji="1" lang="zh-TW" altLang="en-US" sz="3200" dirty="0">
-                <a:solidFill>
-                  <a:prstClr val="white"/>
-                </a:solidFill>
-                <a:effectLst>
-                  <a:outerShdw blurRad="38100" dist="38100" dir="2700000" algn="tl">
-                    <a:srgbClr val="000000">
-                      <a:alpha val="43137"/>
-                    </a:srgbClr>
-                  </a:outerShdw>
-                </a:effectLst>
-                <a:latin typeface="微軟正黑體" panose="020B0604030504040204" pitchFamily="34" charset="-120"/>
-                <a:ea typeface="微軟正黑體" panose="020B0604030504040204" pitchFamily="34" charset="-120"/>
-                <a:cs typeface="Heiti TC Light"/>
-              </a:rPr>
-              <a:t>中也無法多</a:t>
-            </a:r>
-            <a:r>
-              <a:rPr kumimoji="1" lang="en-US" altLang="zh-TW" sz="3200" dirty="0" err="1">
-                <a:solidFill>
-                  <a:prstClr val="white"/>
-                </a:solidFill>
-                <a:effectLst>
-                  <a:outerShdw blurRad="38100" dist="38100" dir="2700000" algn="tl">
-                    <a:srgbClr val="000000">
-                      <a:alpha val="43137"/>
-                    </a:srgbClr>
-                  </a:outerShdw>
-                </a:effectLst>
-                <a:latin typeface="微軟正黑體" panose="020B0604030504040204" pitchFamily="34" charset="-120"/>
-                <a:ea typeface="微軟正黑體" panose="020B0604030504040204" pitchFamily="34" charset="-120"/>
-                <a:cs typeface="Heiti TC Light"/>
-              </a:rPr>
-              <a:t>conda</a:t>
-            </a:r>
-            <a:r>
-              <a:rPr kumimoji="1" lang="zh-TW" altLang="en-US" sz="3200" dirty="0">
-                <a:solidFill>
-                  <a:prstClr val="white"/>
-                </a:solidFill>
-                <a:effectLst>
-                  <a:outerShdw blurRad="38100" dist="38100" dir="2700000" algn="tl">
-                    <a:srgbClr val="000000">
-                      <a:alpha val="43137"/>
-                    </a:srgbClr>
-                  </a:outerShdw>
-                </a:effectLst>
-                <a:latin typeface="微軟正黑體" panose="020B0604030504040204" pitchFamily="34" charset="-120"/>
-                <a:ea typeface="微軟正黑體" panose="020B0604030504040204" pitchFamily="34" charset="-120"/>
-                <a:cs typeface="Heiti TC Light"/>
-              </a:rPr>
-              <a:t>環境</a:t>
-            </a:r>
-            <a:endParaRPr kumimoji="1" lang="en-US" altLang="zh-TW" sz="3200" dirty="0">
-              <a:solidFill>
-                <a:prstClr val="white"/>
-              </a:solidFill>
-              <a:effectLst>
-                <a:outerShdw blurRad="38100" dist="38100" dir="2700000" algn="tl">
-                  <a:srgbClr val="000000">
-                    <a:alpha val="43137"/>
-                  </a:srgbClr>
-                </a:outerShdw>
-              </a:effectLst>
-              <a:latin typeface="微軟正黑體" panose="020B0604030504040204" pitchFamily="34" charset="-120"/>
-              <a:ea typeface="微軟正黑體" panose="020B0604030504040204" pitchFamily="34" charset="-120"/>
-              <a:cs typeface="Heiti TC Light"/>
-            </a:endParaRPr>
-          </a:p>
-        </p:txBody>
-      </p:sp>
-      <p:sp>
-        <p:nvSpPr>
-          <p:cNvPr id="12" name="十字形 11">
-            <a:extLst>
-              <a:ext uri="{FF2B5EF4-FFF2-40B4-BE49-F238E27FC236}">
-                <a16:creationId xmlns:a16="http://schemas.microsoft.com/office/drawing/2014/main" id="{26C0F4EF-5854-056E-03CD-6C4AB1BFF050}"/>
-              </a:ext>
-            </a:extLst>
-          </p:cNvPr>
-          <p:cNvSpPr/>
-          <p:nvPr/>
-        </p:nvSpPr>
-        <p:spPr>
-          <a:xfrm rot="2678540">
-            <a:off x="3461808" y="3816959"/>
-            <a:ext cx="1601130" cy="1601029"/>
-          </a:xfrm>
-          <a:prstGeom prst="plus">
-            <a:avLst>
-              <a:gd name="adj" fmla="val 41084"/>
-            </a:avLst>
-          </a:prstGeom>
-          <a:solidFill>
-            <a:srgbClr val="FF0000"/>
-          </a:solidFill>
-        </p:spPr>
-        <p:style>
-          <a:lnRef idx="2">
-            <a:schemeClr val="accent1">
-              <a:shade val="15000"/>
-            </a:schemeClr>
-          </a:lnRef>
-          <a:fillRef idx="1">
-            <a:schemeClr val="accent1"/>
-          </a:fillRef>
-          <a:effectRef idx="0">
-            <a:schemeClr val="accent1"/>
-          </a:effectRef>
-          <a:fontRef idx="minor">
-            <a:schemeClr val="lt1"/>
-          </a:fontRef>
-        </p:style>
-        <p:txBody>
-          <a:bodyPr rtlCol="0" anchor="ctr"/>
-          <a:lstStyle/>
-          <a:p>
-            <a:pPr algn="ctr"/>
-            <a:endParaRPr lang="zh-TW" altLang="en-US"/>
-          </a:p>
-        </p:txBody>
-      </p:sp>
-    </p:spTree>
-    <p:extLst>
-      <p:ext uri="{BB962C8B-B14F-4D97-AF65-F5344CB8AC3E}">
-        <p14:creationId xmlns:p14="http://schemas.microsoft.com/office/powerpoint/2010/main" val="1072960598"/>
       </p:ext>
     </p:extLst>
   </p:cSld>
@@ -35542,6 +35350,491 @@
       </p:grpSpPr>
       <p:pic>
         <p:nvPicPr>
+          <p:cNvPr id="5" name="圖片 4">
+            <a:extLst>
+              <a:ext uri="{FF2B5EF4-FFF2-40B4-BE49-F238E27FC236}">
+                <a16:creationId xmlns:a16="http://schemas.microsoft.com/office/drawing/2014/main" id="{DD01C14C-D9AE-4C5A-079D-DC0B9F598826}"/>
+              </a:ext>
+            </a:extLst>
+          </p:cNvPr>
+          <p:cNvPicPr>
+            <a:picLocks noChangeAspect="1"/>
+          </p:cNvPicPr>
+          <p:nvPr/>
+        </p:nvPicPr>
+        <p:blipFill>
+          <a:blip r:embed="rId2"/>
+          <a:stretch>
+            <a:fillRect/>
+          </a:stretch>
+        </p:blipFill>
+        <p:spPr>
+          <a:xfrm>
+            <a:off x="866710" y="2878766"/>
+            <a:ext cx="6791325" cy="3076575"/>
+          </a:xfrm>
+          <a:prstGeom prst="rect">
+            <a:avLst/>
+          </a:prstGeom>
+        </p:spPr>
+      </p:pic>
+      <p:sp>
+        <p:nvSpPr>
+          <p:cNvPr id="6" name="文字版面配置區 2">
+            <a:extLst>
+              <a:ext uri="{FF2B5EF4-FFF2-40B4-BE49-F238E27FC236}">
+                <a16:creationId xmlns:a16="http://schemas.microsoft.com/office/drawing/2014/main" id="{DC362AB1-BDCB-D11A-89BE-0A2EC77A4AD2}"/>
+              </a:ext>
+            </a:extLst>
+          </p:cNvPr>
+          <p:cNvSpPr txBox="1">
+            <a:spLocks/>
+          </p:cNvSpPr>
+          <p:nvPr/>
+        </p:nvSpPr>
+        <p:spPr>
+          <a:xfrm>
+            <a:off x="1373707" y="110010"/>
+            <a:ext cx="7407034" cy="990600"/>
+          </a:xfrm>
+          <a:prstGeom prst="rect">
+            <a:avLst/>
+          </a:prstGeom>
+        </p:spPr>
+        <p:txBody>
+          <a:bodyPr tIns="91440" bIns="91440" anchor="b" anchorCtr="0">
+            <a:noAutofit/>
+          </a:bodyPr>
+          <a:lstStyle/>
+          <a:p>
+            <a:pPr algn="just">
+              <a:spcBef>
+                <a:spcPct val="20000"/>
+              </a:spcBef>
+              <a:defRPr/>
+            </a:pPr>
+            <a:r>
+              <a:rPr lang="zh-TW" altLang="en-US" sz="4800" b="1" kern="0" dirty="0">
+                <a:solidFill>
+                  <a:srgbClr val="00B0F0"/>
+                </a:solidFill>
+                <a:effectLst>
+                  <a:outerShdw blurRad="38100" dist="38100" dir="2700000" algn="tl">
+                    <a:srgbClr val="000000">
+                      <a:alpha val="43137"/>
+                    </a:srgbClr>
+                  </a:outerShdw>
+                </a:effectLst>
+                <a:latin typeface="微軟正黑體" panose="020B0604030504040204" pitchFamily="34" charset="-120"/>
+                <a:ea typeface="微軟正黑體" panose="020B0604030504040204" pitchFamily="34" charset="-120"/>
+              </a:rPr>
+              <a:t>在開發環境中設定變數</a:t>
+            </a:r>
+          </a:p>
+        </p:txBody>
+      </p:sp>
+      <p:sp>
+        <p:nvSpPr>
+          <p:cNvPr id="2" name="文字方塊 1">
+            <a:extLst>
+              <a:ext uri="{FF2B5EF4-FFF2-40B4-BE49-F238E27FC236}">
+                <a16:creationId xmlns:a16="http://schemas.microsoft.com/office/drawing/2014/main" id="{178B99C9-F0FA-7E8E-5EC7-27E6EAB07462}"/>
+              </a:ext>
+            </a:extLst>
+          </p:cNvPr>
+          <p:cNvSpPr txBox="1"/>
+          <p:nvPr/>
+        </p:nvSpPr>
+        <p:spPr>
+          <a:xfrm>
+            <a:off x="533400" y="1062294"/>
+            <a:ext cx="8077200" cy="1077218"/>
+          </a:xfrm>
+          <a:prstGeom prst="rect">
+            <a:avLst/>
+          </a:prstGeom>
+          <a:noFill/>
+        </p:spPr>
+        <p:txBody>
+          <a:bodyPr wrap="square" rtlCol="0">
+            <a:spAutoFit/>
+          </a:bodyPr>
+          <a:lstStyle/>
+          <a:p>
+            <a:pPr marL="514338" indent="-514338">
+              <a:buFont typeface="Arial" panose="020B0604020202020204" pitchFamily="34" charset="0"/>
+              <a:buChar char="•"/>
+            </a:pPr>
+            <a:r>
+              <a:rPr kumimoji="1" lang="zh-TW" altLang="en-US" sz="3200" dirty="0">
+                <a:solidFill>
+                  <a:prstClr val="white"/>
+                </a:solidFill>
+                <a:effectLst>
+                  <a:outerShdw blurRad="38100" dist="38100" dir="2700000" algn="tl">
+                    <a:srgbClr val="000000">
+                      <a:alpha val="43137"/>
+                    </a:srgbClr>
+                  </a:outerShdw>
+                </a:effectLst>
+                <a:latin typeface="微軟正黑體" panose="020B0604030504040204" pitchFamily="34" charset="-120"/>
+                <a:ea typeface="微軟正黑體" panose="020B0604030504040204" pitchFamily="34" charset="-120"/>
+                <a:cs typeface="Heiti TC Light"/>
+              </a:rPr>
+              <a:t>在</a:t>
+            </a:r>
+            <a:r>
+              <a:rPr kumimoji="1" lang="en-US" altLang="zh-TW" sz="3200" dirty="0">
+                <a:solidFill>
+                  <a:prstClr val="white"/>
+                </a:solidFill>
+                <a:effectLst>
+                  <a:outerShdw blurRad="38100" dist="38100" dir="2700000" algn="tl">
+                    <a:srgbClr val="000000">
+                      <a:alpha val="43137"/>
+                    </a:srgbClr>
+                  </a:outerShdw>
+                </a:effectLst>
+                <a:latin typeface="微軟正黑體" panose="020B0604030504040204" pitchFamily="34" charset="-120"/>
+                <a:ea typeface="微軟正黑體" panose="020B0604030504040204" pitchFamily="34" charset="-120"/>
+                <a:cs typeface="Heiti TC Light"/>
+              </a:rPr>
+              <a:t>Linux/Mac</a:t>
+            </a:r>
+            <a:r>
+              <a:rPr kumimoji="1" lang="zh-TW" altLang="en-US" sz="3200" dirty="0">
+                <a:solidFill>
+                  <a:prstClr val="white"/>
+                </a:solidFill>
+                <a:effectLst>
+                  <a:outerShdw blurRad="38100" dist="38100" dir="2700000" algn="tl">
+                    <a:srgbClr val="000000">
+                      <a:alpha val="43137"/>
+                    </a:srgbClr>
+                  </a:outerShdw>
+                </a:effectLst>
+                <a:latin typeface="微軟正黑體" panose="020B0604030504040204" pitchFamily="34" charset="-120"/>
+                <a:ea typeface="微軟正黑體" panose="020B0604030504040204" pitchFamily="34" charset="-120"/>
+                <a:cs typeface="Heiti TC Light"/>
+              </a:rPr>
+              <a:t>下設定環境變數，在</a:t>
+            </a:r>
+            <a:r>
+              <a:rPr kumimoji="1" lang="en-US" altLang="zh-TW" sz="3200" dirty="0">
+                <a:solidFill>
+                  <a:prstClr val="white"/>
+                </a:solidFill>
+                <a:effectLst>
+                  <a:outerShdw blurRad="38100" dist="38100" dir="2700000" algn="tl">
+                    <a:srgbClr val="000000">
+                      <a:alpha val="43137"/>
+                    </a:srgbClr>
+                  </a:outerShdw>
+                </a:effectLst>
+                <a:latin typeface="微軟正黑體" panose="020B0604030504040204" pitchFamily="34" charset="-120"/>
+                <a:ea typeface="微軟正黑體" panose="020B0604030504040204" pitchFamily="34" charset="-120"/>
+                <a:cs typeface="Heiti TC Light"/>
+              </a:rPr>
+              <a:t>.</a:t>
+            </a:r>
+            <a:r>
+              <a:rPr kumimoji="1" lang="en-US" altLang="zh-TW" sz="3200" dirty="0" err="1">
+                <a:solidFill>
+                  <a:prstClr val="white"/>
+                </a:solidFill>
+                <a:effectLst>
+                  <a:outerShdw blurRad="38100" dist="38100" dir="2700000" algn="tl">
+                    <a:srgbClr val="000000">
+                      <a:alpha val="43137"/>
+                    </a:srgbClr>
+                  </a:outerShdw>
+                </a:effectLst>
+                <a:latin typeface="微軟正黑體" panose="020B0604030504040204" pitchFamily="34" charset="-120"/>
+                <a:ea typeface="微軟正黑體" panose="020B0604030504040204" pitchFamily="34" charset="-120"/>
+                <a:cs typeface="Heiti TC Light"/>
+              </a:rPr>
+              <a:t>bashrc</a:t>
+            </a:r>
+            <a:r>
+              <a:rPr kumimoji="1" lang="en-US" altLang="zh-TW" sz="3200" dirty="0">
+                <a:solidFill>
+                  <a:prstClr val="white"/>
+                </a:solidFill>
+                <a:effectLst>
+                  <a:outerShdw blurRad="38100" dist="38100" dir="2700000" algn="tl">
+                    <a:srgbClr val="000000">
+                      <a:alpha val="43137"/>
+                    </a:srgbClr>
+                  </a:outerShdw>
+                </a:effectLst>
+                <a:latin typeface="微軟正黑體" panose="020B0604030504040204" pitchFamily="34" charset="-120"/>
+                <a:ea typeface="微軟正黑體" panose="020B0604030504040204" pitchFamily="34" charset="-120"/>
+                <a:cs typeface="Heiti TC Light"/>
+              </a:rPr>
+              <a:t>/.</a:t>
+            </a:r>
+            <a:r>
+              <a:rPr kumimoji="1" lang="en-US" altLang="zh-TW" sz="3200" dirty="0" err="1">
+                <a:solidFill>
+                  <a:prstClr val="white"/>
+                </a:solidFill>
+                <a:effectLst>
+                  <a:outerShdw blurRad="38100" dist="38100" dir="2700000" algn="tl">
+                    <a:srgbClr val="000000">
+                      <a:alpha val="43137"/>
+                    </a:srgbClr>
+                  </a:outerShdw>
+                </a:effectLst>
+                <a:latin typeface="微軟正黑體" panose="020B0604030504040204" pitchFamily="34" charset="-120"/>
+                <a:ea typeface="微軟正黑體" panose="020B0604030504040204" pitchFamily="34" charset="-120"/>
+                <a:cs typeface="Heiti TC Light"/>
+              </a:rPr>
+              <a:t>zshrc</a:t>
+            </a:r>
+            <a:r>
+              <a:rPr kumimoji="1" lang="zh-TW" altLang="en-US" sz="3200" dirty="0">
+                <a:solidFill>
+                  <a:prstClr val="white"/>
+                </a:solidFill>
+                <a:effectLst>
+                  <a:outerShdw blurRad="38100" dist="38100" dir="2700000" algn="tl">
+                    <a:srgbClr val="000000">
+                      <a:alpha val="43137"/>
+                    </a:srgbClr>
+                  </a:outerShdw>
+                </a:effectLst>
+                <a:latin typeface="微軟正黑體" panose="020B0604030504040204" pitchFamily="34" charset="-120"/>
+                <a:ea typeface="微軟正黑體" panose="020B0604030504040204" pitchFamily="34" charset="-120"/>
+                <a:cs typeface="Heiti TC Light"/>
+              </a:rPr>
+              <a:t>中也無法多</a:t>
+            </a:r>
+            <a:r>
+              <a:rPr kumimoji="1" lang="en-US" altLang="zh-TW" sz="3200" dirty="0" err="1">
+                <a:solidFill>
+                  <a:prstClr val="white"/>
+                </a:solidFill>
+                <a:effectLst>
+                  <a:outerShdw blurRad="38100" dist="38100" dir="2700000" algn="tl">
+                    <a:srgbClr val="000000">
+                      <a:alpha val="43137"/>
+                    </a:srgbClr>
+                  </a:outerShdw>
+                </a:effectLst>
+                <a:latin typeface="微軟正黑體" panose="020B0604030504040204" pitchFamily="34" charset="-120"/>
+                <a:ea typeface="微軟正黑體" panose="020B0604030504040204" pitchFamily="34" charset="-120"/>
+                <a:cs typeface="Heiti TC Light"/>
+              </a:rPr>
+              <a:t>conda</a:t>
+            </a:r>
+            <a:r>
+              <a:rPr kumimoji="1" lang="zh-TW" altLang="en-US" sz="3200" dirty="0">
+                <a:solidFill>
+                  <a:prstClr val="white"/>
+                </a:solidFill>
+                <a:effectLst>
+                  <a:outerShdw blurRad="38100" dist="38100" dir="2700000" algn="tl">
+                    <a:srgbClr val="000000">
+                      <a:alpha val="43137"/>
+                    </a:srgbClr>
+                  </a:outerShdw>
+                </a:effectLst>
+                <a:latin typeface="微軟正黑體" panose="020B0604030504040204" pitchFamily="34" charset="-120"/>
+                <a:ea typeface="微軟正黑體" panose="020B0604030504040204" pitchFamily="34" charset="-120"/>
+                <a:cs typeface="Heiti TC Light"/>
+              </a:rPr>
+              <a:t>環境</a:t>
+            </a:r>
+            <a:endParaRPr kumimoji="1" lang="en-US" altLang="zh-TW" sz="3200" dirty="0">
+              <a:solidFill>
+                <a:prstClr val="white"/>
+              </a:solidFill>
+              <a:effectLst>
+                <a:outerShdw blurRad="38100" dist="38100" dir="2700000" algn="tl">
+                  <a:srgbClr val="000000">
+                    <a:alpha val="43137"/>
+                  </a:srgbClr>
+                </a:outerShdw>
+              </a:effectLst>
+              <a:latin typeface="微軟正黑體" panose="020B0604030504040204" pitchFamily="34" charset="-120"/>
+              <a:ea typeface="微軟正黑體" panose="020B0604030504040204" pitchFamily="34" charset="-120"/>
+              <a:cs typeface="Heiti TC Light"/>
+            </a:endParaRPr>
+          </a:p>
+        </p:txBody>
+      </p:sp>
+      <p:sp>
+        <p:nvSpPr>
+          <p:cNvPr id="12" name="十字形 11">
+            <a:extLst>
+              <a:ext uri="{FF2B5EF4-FFF2-40B4-BE49-F238E27FC236}">
+                <a16:creationId xmlns:a16="http://schemas.microsoft.com/office/drawing/2014/main" id="{26C0F4EF-5854-056E-03CD-6C4AB1BFF050}"/>
+              </a:ext>
+            </a:extLst>
+          </p:cNvPr>
+          <p:cNvSpPr/>
+          <p:nvPr/>
+        </p:nvSpPr>
+        <p:spPr>
+          <a:xfrm rot="2678540">
+            <a:off x="3461808" y="3816959"/>
+            <a:ext cx="1601130" cy="1601029"/>
+          </a:xfrm>
+          <a:prstGeom prst="plus">
+            <a:avLst>
+              <a:gd name="adj" fmla="val 41084"/>
+            </a:avLst>
+          </a:prstGeom>
+          <a:solidFill>
+            <a:srgbClr val="FF0000"/>
+          </a:solidFill>
+        </p:spPr>
+        <p:style>
+          <a:lnRef idx="2">
+            <a:schemeClr val="accent1">
+              <a:shade val="15000"/>
+            </a:schemeClr>
+          </a:lnRef>
+          <a:fillRef idx="1">
+            <a:schemeClr val="accent1"/>
+          </a:fillRef>
+          <a:effectRef idx="0">
+            <a:schemeClr val="accent1"/>
+          </a:effectRef>
+          <a:fontRef idx="minor">
+            <a:schemeClr val="lt1"/>
+          </a:fontRef>
+        </p:style>
+        <p:txBody>
+          <a:bodyPr rtlCol="0" anchor="ctr"/>
+          <a:lstStyle/>
+          <a:p>
+            <a:pPr algn="ctr"/>
+            <a:endParaRPr lang="zh-TW" altLang="en-US"/>
+          </a:p>
+        </p:txBody>
+      </p:sp>
+    </p:spTree>
+    <p:extLst>
+      <p:ext uri="{BB962C8B-B14F-4D97-AF65-F5344CB8AC3E}">
+        <p14:creationId xmlns:p14="http://schemas.microsoft.com/office/powerpoint/2010/main" val="1072960598"/>
+      </p:ext>
+    </p:extLst>
+  </p:cSld>
+  <p:clrMapOvr>
+    <a:masterClrMapping/>
+  </p:clrMapOvr>
+  <p:transition>
+    <p:fade/>
+  </p:transition>
+  <p:timing>
+    <p:tnLst>
+      <p:par>
+        <p:cTn id="1" dur="indefinite" restart="never" nodeType="tmRoot">
+          <p:childTnLst>
+            <p:seq concurrent="1" nextAc="seek">
+              <p:cTn id="2" dur="indefinite" nodeType="mainSeq">
+                <p:childTnLst>
+                  <p:par>
+                    <p:cTn id="3" fill="hold">
+                      <p:stCondLst>
+                        <p:cond delay="indefinite"/>
+                      </p:stCondLst>
+                      <p:childTnLst>
+                        <p:par>
+                          <p:cTn id="4" fill="hold">
+                            <p:stCondLst>
+                              <p:cond delay="0"/>
+                            </p:stCondLst>
+                            <p:childTnLst>
+                              <p:par>
+                                <p:cTn id="5" presetID="10" presetClass="entr" presetSubtype="0" fill="hold" grpId="0" nodeType="clickEffect">
+                                  <p:stCondLst>
+                                    <p:cond delay="0"/>
+                                  </p:stCondLst>
+                                  <p:childTnLst>
+                                    <p:set>
+                                      <p:cBhvr>
+                                        <p:cTn id="6" dur="1" fill="hold">
+                                          <p:stCondLst>
+                                            <p:cond delay="0"/>
+                                          </p:stCondLst>
+                                        </p:cTn>
+                                        <p:tgtEl>
+                                          <p:spTgt spid="12"/>
+                                        </p:tgtEl>
+                                        <p:attrNameLst>
+                                          <p:attrName>style.visibility</p:attrName>
+                                        </p:attrNameLst>
+                                      </p:cBhvr>
+                                      <p:to>
+                                        <p:strVal val="visible"/>
+                                      </p:to>
+                                    </p:set>
+                                    <p:animEffect transition="in" filter="fade">
+                                      <p:cBhvr>
+                                        <p:cTn id="7" dur="500"/>
+                                        <p:tgtEl>
+                                          <p:spTgt spid="12"/>
+                                        </p:tgtEl>
+                                      </p:cBhvr>
+                                    </p:animEffect>
+                                  </p:childTnLst>
+                                </p:cTn>
+                              </p:par>
+                            </p:childTnLst>
+                          </p:cTn>
+                        </p:par>
+                      </p:childTnLst>
+                    </p:cTn>
+                  </p:par>
+                </p:childTnLst>
+              </p:cTn>
+              <p:prevCondLst>
+                <p:cond evt="onPrev" delay="0">
+                  <p:tgtEl>
+                    <p:sldTgt/>
+                  </p:tgtEl>
+                </p:cond>
+              </p:prevCondLst>
+              <p:nextCondLst>
+                <p:cond evt="onNext" delay="0">
+                  <p:tgtEl>
+                    <p:sldTgt/>
+                  </p:tgtEl>
+                </p:cond>
+              </p:nextCondLst>
+            </p:seq>
+          </p:childTnLst>
+        </p:cTn>
+      </p:par>
+    </p:tnLst>
+    <p:bldLst>
+      <p:bldP spid="12" grpId="0" animBg="1"/>
+    </p:bldLst>
+  </p:timing>
+</p:sld>
+</file>
+
+<file path=ppt/slides/slide46.xml><?xml version="1.0" encoding="utf-8"?>
+<p:sld xmlns:a="http://schemas.openxmlformats.org/drawingml/2006/main" xmlns:r="http://schemas.openxmlformats.org/officeDocument/2006/relationships" xmlns:p="http://schemas.openxmlformats.org/presentationml/2006/main">
+  <p:cSld>
+    <p:spTree>
+      <p:nvGrpSpPr>
+        <p:cNvPr id="1" name=""/>
+        <p:cNvGrpSpPr/>
+        <p:nvPr/>
+      </p:nvGrpSpPr>
+      <p:grpSpPr>
+        <a:xfrm>
+          <a:off x="0" y="0"/>
+          <a:ext cx="0" cy="0"/>
+          <a:chOff x="0" y="0"/>
+          <a:chExt cx="0" cy="0"/>
+        </a:xfrm>
+      </p:grpSpPr>
+      <p:pic>
+        <p:nvPicPr>
           <p:cNvPr id="4" name="圖片 3">
             <a:extLst>
               <a:ext uri="{FF2B5EF4-FFF2-40B4-BE49-F238E27FC236}">
@@ -36044,7 +36337,7 @@
 </p:sld>
 </file>
 
-<file path=ppt/slides/slide46.xml><?xml version="1.0" encoding="utf-8"?>
+<file path=ppt/slides/slide47.xml><?xml version="1.0" encoding="utf-8"?>
 <p:sld xmlns:a="http://schemas.openxmlformats.org/drawingml/2006/main" xmlns:r="http://schemas.openxmlformats.org/officeDocument/2006/relationships" xmlns:p="http://schemas.openxmlformats.org/presentationml/2006/main">
   <p:cSld>
     <p:spTree>
@@ -36271,155 +36564,6 @@
     <p:extLst>
       <p:ext uri="{BB962C8B-B14F-4D97-AF65-F5344CB8AC3E}">
         <p14:creationId xmlns:p14="http://schemas.microsoft.com/office/powerpoint/2010/main" val="3040650782"/>
-      </p:ext>
-    </p:extLst>
-  </p:cSld>
-  <p:clrMapOvr>
-    <a:masterClrMapping/>
-  </p:clrMapOvr>
-  <p:transition>
-    <p:fade/>
-  </p:transition>
-</p:sld>
-</file>
-
-<file path=ppt/slides/slide47.xml><?xml version="1.0" encoding="utf-8"?>
-<p:sld xmlns:a="http://schemas.openxmlformats.org/drawingml/2006/main" xmlns:r="http://schemas.openxmlformats.org/officeDocument/2006/relationships" xmlns:p="http://schemas.openxmlformats.org/presentationml/2006/main">
-  <p:cSld>
-    <p:spTree>
-      <p:nvGrpSpPr>
-        <p:cNvPr id="1" name=""/>
-        <p:cNvGrpSpPr/>
-        <p:nvPr/>
-      </p:nvGrpSpPr>
-      <p:grpSpPr>
-        <a:xfrm>
-          <a:off x="0" y="0"/>
-          <a:ext cx="0" cy="0"/>
-          <a:chOff x="0" y="0"/>
-          <a:chExt cx="0" cy="0"/>
-        </a:xfrm>
-      </p:grpSpPr>
-      <p:sp>
-        <p:nvSpPr>
-          <p:cNvPr id="6" name="文字版面配置區 2">
-            <a:extLst>
-              <a:ext uri="{FF2B5EF4-FFF2-40B4-BE49-F238E27FC236}">
-                <a16:creationId xmlns:a16="http://schemas.microsoft.com/office/drawing/2014/main" id="{DC362AB1-BDCB-D11A-89BE-0A2EC77A4AD2}"/>
-              </a:ext>
-            </a:extLst>
-          </p:cNvPr>
-          <p:cNvSpPr txBox="1">
-            <a:spLocks/>
-          </p:cNvSpPr>
-          <p:nvPr/>
-        </p:nvSpPr>
-        <p:spPr>
-          <a:xfrm>
-            <a:off x="1309912" y="358103"/>
-            <a:ext cx="7407034" cy="990600"/>
-          </a:xfrm>
-          <a:prstGeom prst="rect">
-            <a:avLst/>
-          </a:prstGeom>
-        </p:spPr>
-        <p:txBody>
-          <a:bodyPr tIns="91440" bIns="91440" anchor="b" anchorCtr="0">
-            <a:noAutofit/>
-          </a:bodyPr>
-          <a:lstStyle/>
-          <a:p>
-            <a:pPr algn="just">
-              <a:spcBef>
-                <a:spcPct val="20000"/>
-              </a:spcBef>
-              <a:defRPr/>
-            </a:pPr>
-            <a:r>
-              <a:rPr lang="zh-TW" altLang="en-US" sz="4800" b="1" kern="0" dirty="0">
-                <a:solidFill>
-                  <a:srgbClr val="00B0F0"/>
-                </a:solidFill>
-                <a:effectLst>
-                  <a:outerShdw blurRad="38100" dist="38100" dir="2700000" algn="tl">
-                    <a:srgbClr val="000000">
-                      <a:alpha val="43137"/>
-                    </a:srgbClr>
-                  </a:outerShdw>
-                </a:effectLst>
-                <a:latin typeface="微軟正黑體" panose="020B0604030504040204" pitchFamily="34" charset="-120"/>
-                <a:ea typeface="微軟正黑體" panose="020B0604030504040204" pitchFamily="34" charset="-120"/>
-              </a:rPr>
-              <a:t>設定</a:t>
-            </a:r>
-            <a:r>
-              <a:rPr lang="en-US" altLang="zh-TW" sz="4800" b="1" kern="0" dirty="0">
-                <a:solidFill>
-                  <a:srgbClr val="00B0F0"/>
-                </a:solidFill>
-                <a:effectLst>
-                  <a:outerShdw blurRad="38100" dist="38100" dir="2700000" algn="tl">
-                    <a:srgbClr val="000000">
-                      <a:alpha val="43137"/>
-                    </a:srgbClr>
-                  </a:outerShdw>
-                </a:effectLst>
-                <a:latin typeface="微軟正黑體" panose="020B0604030504040204" pitchFamily="34" charset="-120"/>
-                <a:ea typeface="微軟正黑體" panose="020B0604030504040204" pitchFamily="34" charset="-120"/>
-              </a:rPr>
-              <a:t>LINE Channel Secret</a:t>
-            </a:r>
-            <a:endParaRPr lang="zh-TW" altLang="en-US" sz="4800" b="1" kern="0" dirty="0">
-              <a:solidFill>
-                <a:srgbClr val="00B0F0"/>
-              </a:solidFill>
-              <a:effectLst>
-                <a:outerShdw blurRad="38100" dist="38100" dir="2700000" algn="tl">
-                  <a:srgbClr val="000000">
-                    <a:alpha val="43137"/>
-                  </a:srgbClr>
-                </a:outerShdw>
-              </a:effectLst>
-              <a:latin typeface="微軟正黑體" panose="020B0604030504040204" pitchFamily="34" charset="-120"/>
-              <a:ea typeface="微軟正黑體" panose="020B0604030504040204" pitchFamily="34" charset="-120"/>
-            </a:endParaRPr>
-          </a:p>
-        </p:txBody>
-      </p:sp>
-      <p:pic>
-        <p:nvPicPr>
-          <p:cNvPr id="5" name="圖片 4">
-            <a:extLst>
-              <a:ext uri="{FF2B5EF4-FFF2-40B4-BE49-F238E27FC236}">
-                <a16:creationId xmlns:a16="http://schemas.microsoft.com/office/drawing/2014/main" id="{CDF7741F-1828-F807-08B0-6213B5B006AB}"/>
-              </a:ext>
-            </a:extLst>
-          </p:cNvPr>
-          <p:cNvPicPr>
-            <a:picLocks noChangeAspect="1"/>
-          </p:cNvPicPr>
-          <p:nvPr/>
-        </p:nvPicPr>
-        <p:blipFill>
-          <a:blip r:embed="rId2"/>
-          <a:stretch>
-            <a:fillRect/>
-          </a:stretch>
-        </p:blipFill>
-        <p:spPr>
-          <a:xfrm>
-            <a:off x="0" y="1600711"/>
-            <a:ext cx="9144000" cy="4478830"/>
-          </a:xfrm>
-          <a:prstGeom prst="rect">
-            <a:avLst/>
-          </a:prstGeom>
-        </p:spPr>
-      </p:pic>
-    </p:spTree>
-    <p:extLst>
-      <p:ext uri="{BB962C8B-B14F-4D97-AF65-F5344CB8AC3E}">
-        <p14:creationId xmlns:p14="http://schemas.microsoft.com/office/powerpoint/2010/main" val="3770080935"/>
       </p:ext>
     </p:extLst>
   </p:cSld>
@@ -36537,10 +36681,10 @@
       </p:sp>
       <p:pic>
         <p:nvPicPr>
-          <p:cNvPr id="3" name="圖片 2">
+          <p:cNvPr id="5" name="圖片 4">
             <a:extLst>
               <a:ext uri="{FF2B5EF4-FFF2-40B4-BE49-F238E27FC236}">
-                <a16:creationId xmlns:a16="http://schemas.microsoft.com/office/drawing/2014/main" id="{52196C93-2135-BCB9-E4C7-72301470D2B6}"/>
+                <a16:creationId xmlns:a16="http://schemas.microsoft.com/office/drawing/2014/main" id="{CDF7741F-1828-F807-08B0-6213B5B006AB}"/>
               </a:ext>
             </a:extLst>
           </p:cNvPr>
@@ -36557,8 +36701,8 @@
         </p:blipFill>
         <p:spPr>
           <a:xfrm>
-            <a:off x="827588" y="1524708"/>
-            <a:ext cx="7889358" cy="5051381"/>
+            <a:off x="0" y="1600711"/>
+            <a:ext cx="9144000" cy="4478830"/>
           </a:xfrm>
           <a:prstGeom prst="rect">
             <a:avLst/>
@@ -36568,7 +36712,7 @@
     </p:spTree>
     <p:extLst>
       <p:ext uri="{BB962C8B-B14F-4D97-AF65-F5344CB8AC3E}">
-        <p14:creationId xmlns:p14="http://schemas.microsoft.com/office/powerpoint/2010/main" val="218406963"/>
+        <p14:creationId xmlns:p14="http://schemas.microsoft.com/office/powerpoint/2010/main" val="3770080935"/>
       </p:ext>
     </p:extLst>
   </p:cSld>
@@ -36686,10 +36830,10 @@
       </p:sp>
       <p:pic>
         <p:nvPicPr>
-          <p:cNvPr id="4" name="圖片 3">
+          <p:cNvPr id="3" name="圖片 2">
             <a:extLst>
               <a:ext uri="{FF2B5EF4-FFF2-40B4-BE49-F238E27FC236}">
-                <a16:creationId xmlns:a16="http://schemas.microsoft.com/office/drawing/2014/main" id="{70CC776C-F54E-3EE8-5149-8D2290C22E4F}"/>
+                <a16:creationId xmlns:a16="http://schemas.microsoft.com/office/drawing/2014/main" id="{52196C93-2135-BCB9-E4C7-72301470D2B6}"/>
               </a:ext>
             </a:extLst>
           </p:cNvPr>
@@ -36706,8 +36850,8 @@
         </p:blipFill>
         <p:spPr>
           <a:xfrm>
-            <a:off x="882858" y="1494858"/>
-            <a:ext cx="7834088" cy="4955420"/>
+            <a:off x="827588" y="1524708"/>
+            <a:ext cx="7889358" cy="5051381"/>
           </a:xfrm>
           <a:prstGeom prst="rect">
             <a:avLst/>
@@ -36717,7 +36861,7 @@
     </p:spTree>
     <p:extLst>
       <p:ext uri="{BB962C8B-B14F-4D97-AF65-F5344CB8AC3E}">
-        <p14:creationId xmlns:p14="http://schemas.microsoft.com/office/powerpoint/2010/main" val="342026300"/>
+        <p14:creationId xmlns:p14="http://schemas.microsoft.com/office/powerpoint/2010/main" val="218406963"/>
       </p:ext>
     </p:extLst>
   </p:cSld>
@@ -37107,10 +37251,10 @@
       </p:sp>
       <p:pic>
         <p:nvPicPr>
-          <p:cNvPr id="3" name="圖片 2">
+          <p:cNvPr id="4" name="圖片 3">
             <a:extLst>
               <a:ext uri="{FF2B5EF4-FFF2-40B4-BE49-F238E27FC236}">
-                <a16:creationId xmlns:a16="http://schemas.microsoft.com/office/drawing/2014/main" id="{F52818BA-E3FB-E8A1-C61A-1B1B2ED9AF09}"/>
+                <a16:creationId xmlns:a16="http://schemas.microsoft.com/office/drawing/2014/main" id="{70CC776C-F54E-3EE8-5149-8D2290C22E4F}"/>
               </a:ext>
             </a:extLst>
           </p:cNvPr>
@@ -37127,8 +37271,8 @@
         </p:blipFill>
         <p:spPr>
           <a:xfrm>
-            <a:off x="0" y="1713835"/>
-            <a:ext cx="8944089" cy="5016843"/>
+            <a:off x="882858" y="1494858"/>
+            <a:ext cx="7834088" cy="4955420"/>
           </a:xfrm>
           <a:prstGeom prst="rect">
             <a:avLst/>
@@ -37138,7 +37282,7 @@
     </p:spTree>
     <p:extLst>
       <p:ext uri="{BB962C8B-B14F-4D97-AF65-F5344CB8AC3E}">
-        <p14:creationId xmlns:p14="http://schemas.microsoft.com/office/powerpoint/2010/main" val="2937618688"/>
+        <p14:creationId xmlns:p14="http://schemas.microsoft.com/office/powerpoint/2010/main" val="342026300"/>
       </p:ext>
     </p:extLst>
   </p:cSld>
@@ -37254,222 +37398,12 @@
           </a:p>
         </p:txBody>
       </p:sp>
-      <p:sp>
-        <p:nvSpPr>
-          <p:cNvPr id="4" name="文字方塊 3">
-            <a:extLst>
-              <a:ext uri="{FF2B5EF4-FFF2-40B4-BE49-F238E27FC236}">
-                <a16:creationId xmlns:a16="http://schemas.microsoft.com/office/drawing/2014/main" id="{2A400E13-7562-60AF-5544-886E3FCCC917}"/>
-              </a:ext>
-            </a:extLst>
-          </p:cNvPr>
-          <p:cNvSpPr txBox="1"/>
-          <p:nvPr/>
-        </p:nvSpPr>
-        <p:spPr>
-          <a:xfrm>
-            <a:off x="427054" y="1412497"/>
-            <a:ext cx="8546824" cy="830997"/>
-          </a:xfrm>
-          <a:prstGeom prst="rect">
-            <a:avLst/>
-          </a:prstGeom>
-          <a:noFill/>
-        </p:spPr>
-        <p:txBody>
-          <a:bodyPr wrap="square">
-            <a:spAutoFit/>
-          </a:bodyPr>
-          <a:lstStyle/>
-          <a:p>
-            <a:r>
-              <a:rPr kumimoji="1" lang="en-US" altLang="zh-TW" sz="2400" dirty="0" err="1">
-                <a:solidFill>
-                  <a:srgbClr val="00B050"/>
-                </a:solidFill>
-                <a:effectLst>
-                  <a:outerShdw blurRad="38100" dist="38100" dir="2700000" algn="tl">
-                    <a:srgbClr val="000000">
-                      <a:alpha val="43137"/>
-                    </a:srgbClr>
-                  </a:outerShdw>
-                </a:effectLst>
-                <a:latin typeface="Consolas" panose="020B0609020204030204" pitchFamily="49" charset="0"/>
-                <a:ea typeface="微軟正黑體" panose="020B0604030504040204" pitchFamily="34" charset="-120"/>
-                <a:cs typeface="Heiti TC Light"/>
-              </a:rPr>
-              <a:t>conda</a:t>
-            </a:r>
-            <a:r>
-              <a:rPr kumimoji="1" lang="en-US" altLang="zh-TW" sz="2400" dirty="0">
-                <a:solidFill>
-                  <a:srgbClr val="00B050"/>
-                </a:solidFill>
-                <a:effectLst>
-                  <a:outerShdw blurRad="38100" dist="38100" dir="2700000" algn="tl">
-                    <a:srgbClr val="000000">
-                      <a:alpha val="43137"/>
-                    </a:srgbClr>
-                  </a:outerShdw>
-                </a:effectLst>
-                <a:latin typeface="Consolas" panose="020B0609020204030204" pitchFamily="49" charset="0"/>
-                <a:ea typeface="微軟正黑體" panose="020B0604030504040204" pitchFamily="34" charset="-120"/>
-                <a:cs typeface="Heiti TC Light"/>
-              </a:rPr>
-              <a:t> activate </a:t>
-            </a:r>
-            <a:r>
-              <a:rPr kumimoji="1" lang="en-US" altLang="zh-TW" sz="2400" dirty="0" err="1">
-                <a:solidFill>
-                  <a:srgbClr val="00B050"/>
-                </a:solidFill>
-                <a:effectLst>
-                  <a:outerShdw blurRad="38100" dist="38100" dir="2700000" algn="tl">
-                    <a:srgbClr val="000000">
-                      <a:alpha val="43137"/>
-                    </a:srgbClr>
-                  </a:outerShdw>
-                </a:effectLst>
-                <a:latin typeface="Consolas" panose="020B0609020204030204" pitchFamily="49" charset="0"/>
-                <a:ea typeface="微軟正黑體" panose="020B0604030504040204" pitchFamily="34" charset="-120"/>
-                <a:cs typeface="Heiti TC Light"/>
-              </a:rPr>
-              <a:t>linebot</a:t>
-            </a:r>
-            <a:endParaRPr kumimoji="1" lang="en-US" altLang="zh-TW" sz="2400" dirty="0">
-              <a:solidFill>
-                <a:srgbClr val="00B050"/>
-              </a:solidFill>
-              <a:effectLst>
-                <a:outerShdw blurRad="38100" dist="38100" dir="2700000" algn="tl">
-                  <a:srgbClr val="000000">
-                    <a:alpha val="43137"/>
-                  </a:srgbClr>
-                </a:outerShdw>
-              </a:effectLst>
-              <a:latin typeface="Consolas" panose="020B0609020204030204" pitchFamily="49" charset="0"/>
-              <a:ea typeface="微軟正黑體" panose="020B0604030504040204" pitchFamily="34" charset="-120"/>
-              <a:cs typeface="Heiti TC Light"/>
-            </a:endParaRPr>
-          </a:p>
-          <a:p>
-            <a:r>
-              <a:rPr kumimoji="1" lang="en-US" altLang="zh-TW" sz="2400" dirty="0" err="1">
-                <a:solidFill>
-                  <a:srgbClr val="00B050"/>
-                </a:solidFill>
-                <a:effectLst>
-                  <a:outerShdw blurRad="38100" dist="38100" dir="2700000" algn="tl">
-                    <a:srgbClr val="000000">
-                      <a:alpha val="43137"/>
-                    </a:srgbClr>
-                  </a:outerShdw>
-                </a:effectLst>
-                <a:latin typeface="Consolas" panose="020B0609020204030204" pitchFamily="49" charset="0"/>
-                <a:ea typeface="微軟正黑體" panose="020B0604030504040204" pitchFamily="34" charset="-120"/>
-                <a:cs typeface="Heiti TC Light"/>
-              </a:rPr>
-              <a:t>conda</a:t>
-            </a:r>
-            <a:r>
-              <a:rPr kumimoji="1" lang="en-US" altLang="zh-TW" sz="2400" dirty="0">
-                <a:solidFill>
-                  <a:srgbClr val="00B050"/>
-                </a:solidFill>
-                <a:effectLst>
-                  <a:outerShdw blurRad="38100" dist="38100" dir="2700000" algn="tl">
-                    <a:srgbClr val="000000">
-                      <a:alpha val="43137"/>
-                    </a:srgbClr>
-                  </a:outerShdw>
-                </a:effectLst>
-                <a:latin typeface="Consolas" panose="020B0609020204030204" pitchFamily="49" charset="0"/>
-                <a:ea typeface="微軟正黑體" panose="020B0604030504040204" pitchFamily="34" charset="-120"/>
-                <a:cs typeface="Heiti TC Light"/>
-              </a:rPr>
-              <a:t> env config vars set &lt;</a:t>
-            </a:r>
-            <a:r>
-              <a:rPr kumimoji="1" lang="zh-TW" altLang="en-US" sz="2400" dirty="0">
-                <a:solidFill>
-                  <a:srgbClr val="00B050"/>
-                </a:solidFill>
-                <a:effectLst>
-                  <a:outerShdw blurRad="38100" dist="38100" dir="2700000" algn="tl">
-                    <a:srgbClr val="000000">
-                      <a:alpha val="43137"/>
-                    </a:srgbClr>
-                  </a:outerShdw>
-                </a:effectLst>
-                <a:latin typeface="Consolas" panose="020B0609020204030204" pitchFamily="49" charset="0"/>
-                <a:ea typeface="微軟正黑體" panose="020B0604030504040204" pitchFamily="34" charset="-120"/>
-                <a:cs typeface="Heiti TC Light"/>
-              </a:rPr>
-              <a:t>要設定的變數</a:t>
-            </a:r>
-            <a:r>
-              <a:rPr kumimoji="1" lang="en-US" altLang="zh-TW" sz="2400" dirty="0">
-                <a:solidFill>
-                  <a:srgbClr val="00B050"/>
-                </a:solidFill>
-                <a:effectLst>
-                  <a:outerShdw blurRad="38100" dist="38100" dir="2700000" algn="tl">
-                    <a:srgbClr val="000000">
-                      <a:alpha val="43137"/>
-                    </a:srgbClr>
-                  </a:outerShdw>
-                </a:effectLst>
-                <a:latin typeface="Consolas" panose="020B0609020204030204" pitchFamily="49" charset="0"/>
-                <a:ea typeface="微軟正黑體" panose="020B0604030504040204" pitchFamily="34" charset="-120"/>
-                <a:cs typeface="Heiti TC Light"/>
-              </a:rPr>
-              <a:t>&gt;=&lt;</a:t>
-            </a:r>
-            <a:r>
-              <a:rPr kumimoji="1" lang="zh-TW" altLang="en-US" sz="2400" dirty="0">
-                <a:solidFill>
-                  <a:srgbClr val="00B050"/>
-                </a:solidFill>
-                <a:effectLst>
-                  <a:outerShdw blurRad="38100" dist="38100" dir="2700000" algn="tl">
-                    <a:srgbClr val="000000">
-                      <a:alpha val="43137"/>
-                    </a:srgbClr>
-                  </a:outerShdw>
-                </a:effectLst>
-                <a:latin typeface="Consolas" panose="020B0609020204030204" pitchFamily="49" charset="0"/>
-                <a:ea typeface="微軟正黑體" panose="020B0604030504040204" pitchFamily="34" charset="-120"/>
-                <a:cs typeface="Heiti TC Light"/>
-              </a:rPr>
-              <a:t>你的金鑰</a:t>
-            </a:r>
-            <a:r>
-              <a:rPr kumimoji="1" lang="en-US" altLang="zh-TW" sz="2400" dirty="0">
-                <a:solidFill>
-                  <a:srgbClr val="00B050"/>
-                </a:solidFill>
-                <a:effectLst>
-                  <a:outerShdw blurRad="38100" dist="38100" dir="2700000" algn="tl">
-                    <a:srgbClr val="000000">
-                      <a:alpha val="43137"/>
-                    </a:srgbClr>
-                  </a:outerShdw>
-                </a:effectLst>
-                <a:latin typeface="Consolas" panose="020B0609020204030204" pitchFamily="49" charset="0"/>
-                <a:ea typeface="微軟正黑體" panose="020B0604030504040204" pitchFamily="34" charset="-120"/>
-                <a:cs typeface="Heiti TC Light"/>
-              </a:rPr>
-              <a:t>&gt;</a:t>
-            </a:r>
-          </a:p>
-        </p:txBody>
-      </p:sp>
       <p:pic>
         <p:nvPicPr>
           <p:cNvPr id="3" name="圖片 2">
             <a:extLst>
               <a:ext uri="{FF2B5EF4-FFF2-40B4-BE49-F238E27FC236}">
-                <a16:creationId xmlns:a16="http://schemas.microsoft.com/office/drawing/2014/main" id="{7ACA7C35-1A3F-3B7C-D7A8-508853CC8DA7}"/>
+                <a16:creationId xmlns:a16="http://schemas.microsoft.com/office/drawing/2014/main" id="{F52818BA-E3FB-E8A1-C61A-1B1B2ED9AF09}"/>
               </a:ext>
             </a:extLst>
           </p:cNvPr>
@@ -37486,8 +37420,8 @@
         </p:blipFill>
         <p:spPr>
           <a:xfrm>
-            <a:off x="0" y="3101192"/>
-            <a:ext cx="9144000" cy="2785866"/>
+            <a:off x="0" y="1713835"/>
+            <a:ext cx="8944089" cy="5016843"/>
           </a:xfrm>
           <a:prstGeom prst="rect">
             <a:avLst/>
@@ -37497,7 +37431,7 @@
     </p:spTree>
     <p:extLst>
       <p:ext uri="{BB962C8B-B14F-4D97-AF65-F5344CB8AC3E}">
-        <p14:creationId xmlns:p14="http://schemas.microsoft.com/office/powerpoint/2010/main" val="1186472524"/>
+        <p14:creationId xmlns:p14="http://schemas.microsoft.com/office/powerpoint/2010/main" val="2937618688"/>
       </p:ext>
     </p:extLst>
   </p:cSld>
@@ -37543,8 +37477,8 @@
         </p:nvSpPr>
         <p:spPr>
           <a:xfrm>
-            <a:off x="843516" y="251778"/>
-            <a:ext cx="8086081" cy="990600"/>
+            <a:off x="1309912" y="358103"/>
+            <a:ext cx="7407034" cy="990600"/>
           </a:xfrm>
           <a:prstGeom prst="rect">
             <a:avLst/>
@@ -37563,7 +37497,7 @@
               <a:defRPr/>
             </a:pPr>
             <a:r>
-              <a:rPr lang="zh-TW" altLang="en-US" sz="4000" b="1" kern="0" dirty="0">
+              <a:rPr lang="zh-TW" altLang="en-US" sz="4800" b="1" kern="0" dirty="0">
                 <a:solidFill>
                   <a:srgbClr val="00B0F0"/>
                 </a:solidFill>
@@ -37580,7 +37514,7 @@
               <a:t>設定</a:t>
             </a:r>
             <a:r>
-              <a:rPr lang="en-US" altLang="zh-TW" sz="4000" b="1" kern="0" dirty="0">
+              <a:rPr lang="en-US" altLang="zh-TW" sz="4800" b="1" kern="0" dirty="0">
                 <a:solidFill>
                   <a:srgbClr val="00B0F0"/>
                 </a:solidFill>
@@ -37594,9 +37528,9 @@
                 <a:latin typeface="微軟正黑體" panose="020B0604030504040204" pitchFamily="34" charset="-120"/>
                 <a:ea typeface="微軟正黑體" panose="020B0604030504040204" pitchFamily="34" charset="-120"/>
               </a:rPr>
-              <a:t>LINE Channel Access Token</a:t>
-            </a:r>
-            <a:endParaRPr lang="zh-TW" altLang="en-US" sz="4000" b="1" kern="0" dirty="0">
+              <a:t>LINE Channel Secret</a:t>
+            </a:r>
+            <a:endParaRPr lang="zh-TW" altLang="en-US" sz="4800" b="1" kern="0" dirty="0">
               <a:solidFill>
                 <a:srgbClr val="00B0F0"/>
               </a:solidFill>
@@ -37613,12 +37547,222 @@
           </a:p>
         </p:txBody>
       </p:sp>
+      <p:sp>
+        <p:nvSpPr>
+          <p:cNvPr id="4" name="文字方塊 3">
+            <a:extLst>
+              <a:ext uri="{FF2B5EF4-FFF2-40B4-BE49-F238E27FC236}">
+                <a16:creationId xmlns:a16="http://schemas.microsoft.com/office/drawing/2014/main" id="{2A400E13-7562-60AF-5544-886E3FCCC917}"/>
+              </a:ext>
+            </a:extLst>
+          </p:cNvPr>
+          <p:cNvSpPr txBox="1"/>
+          <p:nvPr/>
+        </p:nvSpPr>
+        <p:spPr>
+          <a:xfrm>
+            <a:off x="427054" y="1412497"/>
+            <a:ext cx="8546824" cy="830997"/>
+          </a:xfrm>
+          <a:prstGeom prst="rect">
+            <a:avLst/>
+          </a:prstGeom>
+          <a:noFill/>
+        </p:spPr>
+        <p:txBody>
+          <a:bodyPr wrap="square">
+            <a:spAutoFit/>
+          </a:bodyPr>
+          <a:lstStyle/>
+          <a:p>
+            <a:r>
+              <a:rPr kumimoji="1" lang="en-US" altLang="zh-TW" sz="2400" dirty="0" err="1">
+                <a:solidFill>
+                  <a:srgbClr val="00B050"/>
+                </a:solidFill>
+                <a:effectLst>
+                  <a:outerShdw blurRad="38100" dist="38100" dir="2700000" algn="tl">
+                    <a:srgbClr val="000000">
+                      <a:alpha val="43137"/>
+                    </a:srgbClr>
+                  </a:outerShdw>
+                </a:effectLst>
+                <a:latin typeface="Consolas" panose="020B0609020204030204" pitchFamily="49" charset="0"/>
+                <a:ea typeface="微軟正黑體" panose="020B0604030504040204" pitchFamily="34" charset="-120"/>
+                <a:cs typeface="Heiti TC Light"/>
+              </a:rPr>
+              <a:t>conda</a:t>
+            </a:r>
+            <a:r>
+              <a:rPr kumimoji="1" lang="en-US" altLang="zh-TW" sz="2400" dirty="0">
+                <a:solidFill>
+                  <a:srgbClr val="00B050"/>
+                </a:solidFill>
+                <a:effectLst>
+                  <a:outerShdw blurRad="38100" dist="38100" dir="2700000" algn="tl">
+                    <a:srgbClr val="000000">
+                      <a:alpha val="43137"/>
+                    </a:srgbClr>
+                  </a:outerShdw>
+                </a:effectLst>
+                <a:latin typeface="Consolas" panose="020B0609020204030204" pitchFamily="49" charset="0"/>
+                <a:ea typeface="微軟正黑體" panose="020B0604030504040204" pitchFamily="34" charset="-120"/>
+                <a:cs typeface="Heiti TC Light"/>
+              </a:rPr>
+              <a:t> activate </a:t>
+            </a:r>
+            <a:r>
+              <a:rPr kumimoji="1" lang="en-US" altLang="zh-TW" sz="2400" dirty="0" err="1">
+                <a:solidFill>
+                  <a:srgbClr val="00B050"/>
+                </a:solidFill>
+                <a:effectLst>
+                  <a:outerShdw blurRad="38100" dist="38100" dir="2700000" algn="tl">
+                    <a:srgbClr val="000000">
+                      <a:alpha val="43137"/>
+                    </a:srgbClr>
+                  </a:outerShdw>
+                </a:effectLst>
+                <a:latin typeface="Consolas" panose="020B0609020204030204" pitchFamily="49" charset="0"/>
+                <a:ea typeface="微軟正黑體" panose="020B0604030504040204" pitchFamily="34" charset="-120"/>
+                <a:cs typeface="Heiti TC Light"/>
+              </a:rPr>
+              <a:t>linebot</a:t>
+            </a:r>
+            <a:endParaRPr kumimoji="1" lang="en-US" altLang="zh-TW" sz="2400" dirty="0">
+              <a:solidFill>
+                <a:srgbClr val="00B050"/>
+              </a:solidFill>
+              <a:effectLst>
+                <a:outerShdw blurRad="38100" dist="38100" dir="2700000" algn="tl">
+                  <a:srgbClr val="000000">
+                    <a:alpha val="43137"/>
+                  </a:srgbClr>
+                </a:outerShdw>
+              </a:effectLst>
+              <a:latin typeface="Consolas" panose="020B0609020204030204" pitchFamily="49" charset="0"/>
+              <a:ea typeface="微軟正黑體" panose="020B0604030504040204" pitchFamily="34" charset="-120"/>
+              <a:cs typeface="Heiti TC Light"/>
+            </a:endParaRPr>
+          </a:p>
+          <a:p>
+            <a:r>
+              <a:rPr kumimoji="1" lang="en-US" altLang="zh-TW" sz="2400" dirty="0" err="1">
+                <a:solidFill>
+                  <a:srgbClr val="00B050"/>
+                </a:solidFill>
+                <a:effectLst>
+                  <a:outerShdw blurRad="38100" dist="38100" dir="2700000" algn="tl">
+                    <a:srgbClr val="000000">
+                      <a:alpha val="43137"/>
+                    </a:srgbClr>
+                  </a:outerShdw>
+                </a:effectLst>
+                <a:latin typeface="Consolas" panose="020B0609020204030204" pitchFamily="49" charset="0"/>
+                <a:ea typeface="微軟正黑體" panose="020B0604030504040204" pitchFamily="34" charset="-120"/>
+                <a:cs typeface="Heiti TC Light"/>
+              </a:rPr>
+              <a:t>conda</a:t>
+            </a:r>
+            <a:r>
+              <a:rPr kumimoji="1" lang="en-US" altLang="zh-TW" sz="2400" dirty="0">
+                <a:solidFill>
+                  <a:srgbClr val="00B050"/>
+                </a:solidFill>
+                <a:effectLst>
+                  <a:outerShdw blurRad="38100" dist="38100" dir="2700000" algn="tl">
+                    <a:srgbClr val="000000">
+                      <a:alpha val="43137"/>
+                    </a:srgbClr>
+                  </a:outerShdw>
+                </a:effectLst>
+                <a:latin typeface="Consolas" panose="020B0609020204030204" pitchFamily="49" charset="0"/>
+                <a:ea typeface="微軟正黑體" panose="020B0604030504040204" pitchFamily="34" charset="-120"/>
+                <a:cs typeface="Heiti TC Light"/>
+              </a:rPr>
+              <a:t> env config vars set &lt;</a:t>
+            </a:r>
+            <a:r>
+              <a:rPr kumimoji="1" lang="zh-TW" altLang="en-US" sz="2400" dirty="0">
+                <a:solidFill>
+                  <a:srgbClr val="00B050"/>
+                </a:solidFill>
+                <a:effectLst>
+                  <a:outerShdw blurRad="38100" dist="38100" dir="2700000" algn="tl">
+                    <a:srgbClr val="000000">
+                      <a:alpha val="43137"/>
+                    </a:srgbClr>
+                  </a:outerShdw>
+                </a:effectLst>
+                <a:latin typeface="Consolas" panose="020B0609020204030204" pitchFamily="49" charset="0"/>
+                <a:ea typeface="微軟正黑體" panose="020B0604030504040204" pitchFamily="34" charset="-120"/>
+                <a:cs typeface="Heiti TC Light"/>
+              </a:rPr>
+              <a:t>要設定的變數</a:t>
+            </a:r>
+            <a:r>
+              <a:rPr kumimoji="1" lang="en-US" altLang="zh-TW" sz="2400" dirty="0">
+                <a:solidFill>
+                  <a:srgbClr val="00B050"/>
+                </a:solidFill>
+                <a:effectLst>
+                  <a:outerShdw blurRad="38100" dist="38100" dir="2700000" algn="tl">
+                    <a:srgbClr val="000000">
+                      <a:alpha val="43137"/>
+                    </a:srgbClr>
+                  </a:outerShdw>
+                </a:effectLst>
+                <a:latin typeface="Consolas" panose="020B0609020204030204" pitchFamily="49" charset="0"/>
+                <a:ea typeface="微軟正黑體" panose="020B0604030504040204" pitchFamily="34" charset="-120"/>
+                <a:cs typeface="Heiti TC Light"/>
+              </a:rPr>
+              <a:t>&gt;=&lt;</a:t>
+            </a:r>
+            <a:r>
+              <a:rPr kumimoji="1" lang="zh-TW" altLang="en-US" sz="2400" dirty="0">
+                <a:solidFill>
+                  <a:srgbClr val="00B050"/>
+                </a:solidFill>
+                <a:effectLst>
+                  <a:outerShdw blurRad="38100" dist="38100" dir="2700000" algn="tl">
+                    <a:srgbClr val="000000">
+                      <a:alpha val="43137"/>
+                    </a:srgbClr>
+                  </a:outerShdw>
+                </a:effectLst>
+                <a:latin typeface="Consolas" panose="020B0609020204030204" pitchFamily="49" charset="0"/>
+                <a:ea typeface="微軟正黑體" panose="020B0604030504040204" pitchFamily="34" charset="-120"/>
+                <a:cs typeface="Heiti TC Light"/>
+              </a:rPr>
+              <a:t>你的金鑰</a:t>
+            </a:r>
+            <a:r>
+              <a:rPr kumimoji="1" lang="en-US" altLang="zh-TW" sz="2400" dirty="0">
+                <a:solidFill>
+                  <a:srgbClr val="00B050"/>
+                </a:solidFill>
+                <a:effectLst>
+                  <a:outerShdw blurRad="38100" dist="38100" dir="2700000" algn="tl">
+                    <a:srgbClr val="000000">
+                      <a:alpha val="43137"/>
+                    </a:srgbClr>
+                  </a:outerShdw>
+                </a:effectLst>
+                <a:latin typeface="Consolas" panose="020B0609020204030204" pitchFamily="49" charset="0"/>
+                <a:ea typeface="微軟正黑體" panose="020B0604030504040204" pitchFamily="34" charset="-120"/>
+                <a:cs typeface="Heiti TC Light"/>
+              </a:rPr>
+              <a:t>&gt;</a:t>
+            </a:r>
+          </a:p>
+        </p:txBody>
+      </p:sp>
       <p:pic>
         <p:nvPicPr>
           <p:cNvPr id="3" name="圖片 2">
             <a:extLst>
               <a:ext uri="{FF2B5EF4-FFF2-40B4-BE49-F238E27FC236}">
-                <a16:creationId xmlns:a16="http://schemas.microsoft.com/office/drawing/2014/main" id="{33AD1B23-5548-BBA0-72B1-06B1CDB22B7A}"/>
+                <a16:creationId xmlns:a16="http://schemas.microsoft.com/office/drawing/2014/main" id="{7ACA7C35-1A3F-3B7C-D7A8-508853CC8DA7}"/>
               </a:ext>
             </a:extLst>
           </p:cNvPr>
@@ -37635,8 +37779,8 @@
         </p:blipFill>
         <p:spPr>
           <a:xfrm>
-            <a:off x="0" y="1940926"/>
-            <a:ext cx="9144000" cy="4365470"/>
+            <a:off x="0" y="3101192"/>
+            <a:ext cx="9144000" cy="2785866"/>
           </a:xfrm>
           <a:prstGeom prst="rect">
             <a:avLst/>
@@ -37646,7 +37790,7 @@
     </p:spTree>
     <p:extLst>
       <p:ext uri="{BB962C8B-B14F-4D97-AF65-F5344CB8AC3E}">
-        <p14:creationId xmlns:p14="http://schemas.microsoft.com/office/powerpoint/2010/main" val="1043984358"/>
+        <p14:creationId xmlns:p14="http://schemas.microsoft.com/office/powerpoint/2010/main" val="1186472524"/>
       </p:ext>
     </p:extLst>
   </p:cSld>
@@ -37764,10 +37908,10 @@
       </p:sp>
       <p:pic>
         <p:nvPicPr>
-          <p:cNvPr id="4" name="圖片 3">
+          <p:cNvPr id="3" name="圖片 2">
             <a:extLst>
               <a:ext uri="{FF2B5EF4-FFF2-40B4-BE49-F238E27FC236}">
-                <a16:creationId xmlns:a16="http://schemas.microsoft.com/office/drawing/2014/main" id="{ACE4F802-F556-E2F2-DD21-24AC7337BBAF}"/>
+                <a16:creationId xmlns:a16="http://schemas.microsoft.com/office/drawing/2014/main" id="{33AD1B23-5548-BBA0-72B1-06B1CDB22B7A}"/>
               </a:ext>
             </a:extLst>
           </p:cNvPr>
@@ -37784,8 +37928,8 @@
         </p:blipFill>
         <p:spPr>
           <a:xfrm>
-            <a:off x="323850" y="1444145"/>
-            <a:ext cx="8496300" cy="4905375"/>
+            <a:off x="0" y="1940926"/>
+            <a:ext cx="9144000" cy="4365470"/>
           </a:xfrm>
           <a:prstGeom prst="rect">
             <a:avLst/>
@@ -37795,7 +37939,7 @@
     </p:spTree>
     <p:extLst>
       <p:ext uri="{BB962C8B-B14F-4D97-AF65-F5344CB8AC3E}">
-        <p14:creationId xmlns:p14="http://schemas.microsoft.com/office/powerpoint/2010/main" val="3972191244"/>
+        <p14:creationId xmlns:p14="http://schemas.microsoft.com/office/powerpoint/2010/main" val="1043984358"/>
       </p:ext>
     </p:extLst>
   </p:cSld>
@@ -37913,10 +38057,10 @@
       </p:sp>
       <p:pic>
         <p:nvPicPr>
-          <p:cNvPr id="3" name="圖片 2">
+          <p:cNvPr id="4" name="圖片 3">
             <a:extLst>
               <a:ext uri="{FF2B5EF4-FFF2-40B4-BE49-F238E27FC236}">
-                <a16:creationId xmlns:a16="http://schemas.microsoft.com/office/drawing/2014/main" id="{3791CA64-FF64-1B71-708A-D80514A35E4D}"/>
+                <a16:creationId xmlns:a16="http://schemas.microsoft.com/office/drawing/2014/main" id="{ACE4F802-F556-E2F2-DD21-24AC7337BBAF}"/>
               </a:ext>
             </a:extLst>
           </p:cNvPr>
@@ -37933,8 +38077,8 @@
         </p:blipFill>
         <p:spPr>
           <a:xfrm>
-            <a:off x="1112873" y="1455652"/>
-            <a:ext cx="7286847" cy="5150570"/>
+            <a:off x="323850" y="1444145"/>
+            <a:ext cx="8496300" cy="4905375"/>
           </a:xfrm>
           <a:prstGeom prst="rect">
             <a:avLst/>
@@ -37944,7 +38088,7 @@
     </p:spTree>
     <p:extLst>
       <p:ext uri="{BB962C8B-B14F-4D97-AF65-F5344CB8AC3E}">
-        <p14:creationId xmlns:p14="http://schemas.microsoft.com/office/powerpoint/2010/main" val="826516980"/>
+        <p14:creationId xmlns:p14="http://schemas.microsoft.com/office/powerpoint/2010/main" val="3972191244"/>
       </p:ext>
     </p:extLst>
   </p:cSld>
@@ -38062,10 +38206,10 @@
       </p:sp>
       <p:pic>
         <p:nvPicPr>
-          <p:cNvPr id="4" name="圖片 3">
+          <p:cNvPr id="3" name="圖片 2">
             <a:extLst>
               <a:ext uri="{FF2B5EF4-FFF2-40B4-BE49-F238E27FC236}">
-                <a16:creationId xmlns:a16="http://schemas.microsoft.com/office/drawing/2014/main" id="{76442E8A-F4BD-1E62-681A-5D22DFFE3ED0}"/>
+                <a16:creationId xmlns:a16="http://schemas.microsoft.com/office/drawing/2014/main" id="{3791CA64-FF64-1B71-708A-D80514A35E4D}"/>
               </a:ext>
             </a:extLst>
           </p:cNvPr>
@@ -38082,8 +38226,8 @@
         </p:blipFill>
         <p:spPr>
           <a:xfrm>
-            <a:off x="772633" y="1369234"/>
-            <a:ext cx="7780263" cy="5320749"/>
+            <a:off x="1112873" y="1455652"/>
+            <a:ext cx="7286847" cy="5150570"/>
           </a:xfrm>
           <a:prstGeom prst="rect">
             <a:avLst/>
@@ -38093,7 +38237,7 @@
     </p:spTree>
     <p:extLst>
       <p:ext uri="{BB962C8B-B14F-4D97-AF65-F5344CB8AC3E}">
-        <p14:creationId xmlns:p14="http://schemas.microsoft.com/office/powerpoint/2010/main" val="1900225590"/>
+        <p14:creationId xmlns:p14="http://schemas.microsoft.com/office/powerpoint/2010/main" val="826516980"/>
       </p:ext>
     </p:extLst>
   </p:cSld>
@@ -38211,10 +38355,10 @@
       </p:sp>
       <p:pic>
         <p:nvPicPr>
-          <p:cNvPr id="3" name="圖片 2">
+          <p:cNvPr id="4" name="圖片 3">
             <a:extLst>
               <a:ext uri="{FF2B5EF4-FFF2-40B4-BE49-F238E27FC236}">
-                <a16:creationId xmlns:a16="http://schemas.microsoft.com/office/drawing/2014/main" id="{1EB593F6-1992-DB05-01E4-F0D801659978}"/>
+                <a16:creationId xmlns:a16="http://schemas.microsoft.com/office/drawing/2014/main" id="{76442E8A-F4BD-1E62-681A-5D22DFFE3ED0}"/>
               </a:ext>
             </a:extLst>
           </p:cNvPr>
@@ -38231,8 +38375,8 @@
         </p:blipFill>
         <p:spPr>
           <a:xfrm>
-            <a:off x="317225" y="2028143"/>
-            <a:ext cx="8612372" cy="3016255"/>
+            <a:off x="772633" y="1369234"/>
+            <a:ext cx="7780263" cy="5320749"/>
           </a:xfrm>
           <a:prstGeom prst="rect">
             <a:avLst/>
@@ -38242,7 +38386,7 @@
     </p:spTree>
     <p:extLst>
       <p:ext uri="{BB962C8B-B14F-4D97-AF65-F5344CB8AC3E}">
-        <p14:creationId xmlns:p14="http://schemas.microsoft.com/office/powerpoint/2010/main" val="1311519500"/>
+        <p14:creationId xmlns:p14="http://schemas.microsoft.com/office/powerpoint/2010/main" val="1900225590"/>
       </p:ext>
     </p:extLst>
   </p:cSld>
@@ -38274,220 +38418,10 @@
       </p:grpSpPr>
       <p:sp>
         <p:nvSpPr>
-          <p:cNvPr id="4" name="文字方塊 3">
+          <p:cNvPr id="6" name="文字版面配置區 2">
             <a:extLst>
               <a:ext uri="{FF2B5EF4-FFF2-40B4-BE49-F238E27FC236}">
-                <a16:creationId xmlns:a16="http://schemas.microsoft.com/office/drawing/2014/main" id="{2A400E13-7562-60AF-5544-886E3FCCC917}"/>
-              </a:ext>
-            </a:extLst>
-          </p:cNvPr>
-          <p:cNvSpPr txBox="1"/>
-          <p:nvPr/>
-        </p:nvSpPr>
-        <p:spPr>
-          <a:xfrm>
-            <a:off x="427054" y="1412497"/>
-            <a:ext cx="8546824" cy="830997"/>
-          </a:xfrm>
-          <a:prstGeom prst="rect">
-            <a:avLst/>
-          </a:prstGeom>
-          <a:noFill/>
-        </p:spPr>
-        <p:txBody>
-          <a:bodyPr wrap="square">
-            <a:spAutoFit/>
-          </a:bodyPr>
-          <a:lstStyle/>
-          <a:p>
-            <a:r>
-              <a:rPr kumimoji="1" lang="en-US" altLang="zh-TW" sz="2400" dirty="0" err="1">
-                <a:solidFill>
-                  <a:srgbClr val="00B050"/>
-                </a:solidFill>
-                <a:effectLst>
-                  <a:outerShdw blurRad="38100" dist="38100" dir="2700000" algn="tl">
-                    <a:srgbClr val="000000">
-                      <a:alpha val="43137"/>
-                    </a:srgbClr>
-                  </a:outerShdw>
-                </a:effectLst>
-                <a:latin typeface="Consolas" panose="020B0609020204030204" pitchFamily="49" charset="0"/>
-                <a:ea typeface="微軟正黑體" panose="020B0604030504040204" pitchFamily="34" charset="-120"/>
-                <a:cs typeface="Heiti TC Light"/>
-              </a:rPr>
-              <a:t>conda</a:t>
-            </a:r>
-            <a:r>
-              <a:rPr kumimoji="1" lang="en-US" altLang="zh-TW" sz="2400" dirty="0">
-                <a:solidFill>
-                  <a:srgbClr val="00B050"/>
-                </a:solidFill>
-                <a:effectLst>
-                  <a:outerShdw blurRad="38100" dist="38100" dir="2700000" algn="tl">
-                    <a:srgbClr val="000000">
-                      <a:alpha val="43137"/>
-                    </a:srgbClr>
-                  </a:outerShdw>
-                </a:effectLst>
-                <a:latin typeface="Consolas" panose="020B0609020204030204" pitchFamily="49" charset="0"/>
-                <a:ea typeface="微軟正黑體" panose="020B0604030504040204" pitchFamily="34" charset="-120"/>
-                <a:cs typeface="Heiti TC Light"/>
-              </a:rPr>
-              <a:t> activate </a:t>
-            </a:r>
-            <a:r>
-              <a:rPr kumimoji="1" lang="en-US" altLang="zh-TW" sz="2400" dirty="0" err="1">
-                <a:solidFill>
-                  <a:srgbClr val="00B050"/>
-                </a:solidFill>
-                <a:effectLst>
-                  <a:outerShdw blurRad="38100" dist="38100" dir="2700000" algn="tl">
-                    <a:srgbClr val="000000">
-                      <a:alpha val="43137"/>
-                    </a:srgbClr>
-                  </a:outerShdw>
-                </a:effectLst>
-                <a:latin typeface="Consolas" panose="020B0609020204030204" pitchFamily="49" charset="0"/>
-                <a:ea typeface="微軟正黑體" panose="020B0604030504040204" pitchFamily="34" charset="-120"/>
-                <a:cs typeface="Heiti TC Light"/>
-              </a:rPr>
-              <a:t>linebot</a:t>
-            </a:r>
-            <a:endParaRPr kumimoji="1" lang="en-US" altLang="zh-TW" sz="2400" dirty="0">
-              <a:solidFill>
-                <a:srgbClr val="00B050"/>
-              </a:solidFill>
-              <a:effectLst>
-                <a:outerShdw blurRad="38100" dist="38100" dir="2700000" algn="tl">
-                  <a:srgbClr val="000000">
-                    <a:alpha val="43137"/>
-                  </a:srgbClr>
-                </a:outerShdw>
-              </a:effectLst>
-              <a:latin typeface="Consolas" panose="020B0609020204030204" pitchFamily="49" charset="0"/>
-              <a:ea typeface="微軟正黑體" panose="020B0604030504040204" pitchFamily="34" charset="-120"/>
-              <a:cs typeface="Heiti TC Light"/>
-            </a:endParaRPr>
-          </a:p>
-          <a:p>
-            <a:r>
-              <a:rPr kumimoji="1" lang="en-US" altLang="zh-TW" sz="2400" dirty="0" err="1">
-                <a:solidFill>
-                  <a:srgbClr val="00B050"/>
-                </a:solidFill>
-                <a:effectLst>
-                  <a:outerShdw blurRad="38100" dist="38100" dir="2700000" algn="tl">
-                    <a:srgbClr val="000000">
-                      <a:alpha val="43137"/>
-                    </a:srgbClr>
-                  </a:outerShdw>
-                </a:effectLst>
-                <a:latin typeface="Consolas" panose="020B0609020204030204" pitchFamily="49" charset="0"/>
-                <a:ea typeface="微軟正黑體" panose="020B0604030504040204" pitchFamily="34" charset="-120"/>
-                <a:cs typeface="Heiti TC Light"/>
-              </a:rPr>
-              <a:t>conda</a:t>
-            </a:r>
-            <a:r>
-              <a:rPr kumimoji="1" lang="en-US" altLang="zh-TW" sz="2400" dirty="0">
-                <a:solidFill>
-                  <a:srgbClr val="00B050"/>
-                </a:solidFill>
-                <a:effectLst>
-                  <a:outerShdw blurRad="38100" dist="38100" dir="2700000" algn="tl">
-                    <a:srgbClr val="000000">
-                      <a:alpha val="43137"/>
-                    </a:srgbClr>
-                  </a:outerShdw>
-                </a:effectLst>
-                <a:latin typeface="Consolas" panose="020B0609020204030204" pitchFamily="49" charset="0"/>
-                <a:ea typeface="微軟正黑體" panose="020B0604030504040204" pitchFamily="34" charset="-120"/>
-                <a:cs typeface="Heiti TC Light"/>
-              </a:rPr>
-              <a:t> env config vars set &lt;</a:t>
-            </a:r>
-            <a:r>
-              <a:rPr kumimoji="1" lang="zh-TW" altLang="en-US" sz="2400" dirty="0">
-                <a:solidFill>
-                  <a:srgbClr val="00B050"/>
-                </a:solidFill>
-                <a:effectLst>
-                  <a:outerShdw blurRad="38100" dist="38100" dir="2700000" algn="tl">
-                    <a:srgbClr val="000000">
-                      <a:alpha val="43137"/>
-                    </a:srgbClr>
-                  </a:outerShdw>
-                </a:effectLst>
-                <a:latin typeface="Consolas" panose="020B0609020204030204" pitchFamily="49" charset="0"/>
-                <a:ea typeface="微軟正黑體" panose="020B0604030504040204" pitchFamily="34" charset="-120"/>
-                <a:cs typeface="Heiti TC Light"/>
-              </a:rPr>
-              <a:t>要設定的變數</a:t>
-            </a:r>
-            <a:r>
-              <a:rPr kumimoji="1" lang="en-US" altLang="zh-TW" sz="2400" dirty="0">
-                <a:solidFill>
-                  <a:srgbClr val="00B050"/>
-                </a:solidFill>
-                <a:effectLst>
-                  <a:outerShdw blurRad="38100" dist="38100" dir="2700000" algn="tl">
-                    <a:srgbClr val="000000">
-                      <a:alpha val="43137"/>
-                    </a:srgbClr>
-                  </a:outerShdw>
-                </a:effectLst>
-                <a:latin typeface="Consolas" panose="020B0609020204030204" pitchFamily="49" charset="0"/>
-                <a:ea typeface="微軟正黑體" panose="020B0604030504040204" pitchFamily="34" charset="-120"/>
-                <a:cs typeface="Heiti TC Light"/>
-              </a:rPr>
-              <a:t>&gt;=&lt;</a:t>
-            </a:r>
-            <a:r>
-              <a:rPr kumimoji="1" lang="zh-TW" altLang="en-US" sz="2400" dirty="0">
-                <a:solidFill>
-                  <a:srgbClr val="00B050"/>
-                </a:solidFill>
-                <a:effectLst>
-                  <a:outerShdw blurRad="38100" dist="38100" dir="2700000" algn="tl">
-                    <a:srgbClr val="000000">
-                      <a:alpha val="43137"/>
-                    </a:srgbClr>
-                  </a:outerShdw>
-                </a:effectLst>
-                <a:latin typeface="Consolas" panose="020B0609020204030204" pitchFamily="49" charset="0"/>
-                <a:ea typeface="微軟正黑體" panose="020B0604030504040204" pitchFamily="34" charset="-120"/>
-                <a:cs typeface="Heiti TC Light"/>
-              </a:rPr>
-              <a:t>你的金鑰</a:t>
-            </a:r>
-            <a:r>
-              <a:rPr kumimoji="1" lang="en-US" altLang="zh-TW" sz="2400" dirty="0">
-                <a:solidFill>
-                  <a:srgbClr val="00B050"/>
-                </a:solidFill>
-                <a:effectLst>
-                  <a:outerShdw blurRad="38100" dist="38100" dir="2700000" algn="tl">
-                    <a:srgbClr val="000000">
-                      <a:alpha val="43137"/>
-                    </a:srgbClr>
-                  </a:outerShdw>
-                </a:effectLst>
-                <a:latin typeface="Consolas" panose="020B0609020204030204" pitchFamily="49" charset="0"/>
-                <a:ea typeface="微軟正黑體" panose="020B0604030504040204" pitchFamily="34" charset="-120"/>
-                <a:cs typeface="Heiti TC Light"/>
-              </a:rPr>
-              <a:t>&gt;</a:t>
-            </a:r>
-          </a:p>
-        </p:txBody>
-      </p:sp>
-      <p:sp>
-        <p:nvSpPr>
-          <p:cNvPr id="2" name="文字版面配置區 2">
-            <a:extLst>
-              <a:ext uri="{FF2B5EF4-FFF2-40B4-BE49-F238E27FC236}">
-                <a16:creationId xmlns:a16="http://schemas.microsoft.com/office/drawing/2014/main" id="{DB2FAA46-9B2A-DC8E-8996-377E71D9CC5C}"/>
+                <a16:creationId xmlns:a16="http://schemas.microsoft.com/office/drawing/2014/main" id="{DC362AB1-BDCB-D11A-89BE-0A2EC77A4AD2}"/>
               </a:ext>
             </a:extLst>
           </p:cNvPr>
@@ -38570,10 +38504,10 @@
       </p:sp>
       <p:pic>
         <p:nvPicPr>
-          <p:cNvPr id="6" name="圖片 5">
+          <p:cNvPr id="3" name="圖片 2">
             <a:extLst>
               <a:ext uri="{FF2B5EF4-FFF2-40B4-BE49-F238E27FC236}">
-                <a16:creationId xmlns:a16="http://schemas.microsoft.com/office/drawing/2014/main" id="{B7C394F2-92B5-0D61-F110-0C6F4D0289A4}"/>
+                <a16:creationId xmlns:a16="http://schemas.microsoft.com/office/drawing/2014/main" id="{1EB593F6-1992-DB05-01E4-F0D801659978}"/>
               </a:ext>
             </a:extLst>
           </p:cNvPr>
@@ -38590,8 +38524,8 @@
         </p:blipFill>
         <p:spPr>
           <a:xfrm>
-            <a:off x="0" y="3039833"/>
-            <a:ext cx="9144000" cy="1953991"/>
+            <a:off x="317225" y="2028143"/>
+            <a:ext cx="8612372" cy="3016255"/>
           </a:xfrm>
           <a:prstGeom prst="rect">
             <a:avLst/>
@@ -38601,7 +38535,7 @@
     </p:spTree>
     <p:extLst>
       <p:ext uri="{BB962C8B-B14F-4D97-AF65-F5344CB8AC3E}">
-        <p14:creationId xmlns:p14="http://schemas.microsoft.com/office/powerpoint/2010/main" val="1398163176"/>
+        <p14:creationId xmlns:p14="http://schemas.microsoft.com/office/powerpoint/2010/main" val="1311519500"/>
       </p:ext>
     </p:extLst>
   </p:cSld>
@@ -38633,6 +38567,216 @@
       </p:grpSpPr>
       <p:sp>
         <p:nvSpPr>
+          <p:cNvPr id="4" name="文字方塊 3">
+            <a:extLst>
+              <a:ext uri="{FF2B5EF4-FFF2-40B4-BE49-F238E27FC236}">
+                <a16:creationId xmlns:a16="http://schemas.microsoft.com/office/drawing/2014/main" id="{2A400E13-7562-60AF-5544-886E3FCCC917}"/>
+              </a:ext>
+            </a:extLst>
+          </p:cNvPr>
+          <p:cNvSpPr txBox="1"/>
+          <p:nvPr/>
+        </p:nvSpPr>
+        <p:spPr>
+          <a:xfrm>
+            <a:off x="427054" y="1412497"/>
+            <a:ext cx="8546824" cy="830997"/>
+          </a:xfrm>
+          <a:prstGeom prst="rect">
+            <a:avLst/>
+          </a:prstGeom>
+          <a:noFill/>
+        </p:spPr>
+        <p:txBody>
+          <a:bodyPr wrap="square">
+            <a:spAutoFit/>
+          </a:bodyPr>
+          <a:lstStyle/>
+          <a:p>
+            <a:r>
+              <a:rPr kumimoji="1" lang="en-US" altLang="zh-TW" sz="2400" dirty="0" err="1">
+                <a:solidFill>
+                  <a:srgbClr val="00B050"/>
+                </a:solidFill>
+                <a:effectLst>
+                  <a:outerShdw blurRad="38100" dist="38100" dir="2700000" algn="tl">
+                    <a:srgbClr val="000000">
+                      <a:alpha val="43137"/>
+                    </a:srgbClr>
+                  </a:outerShdw>
+                </a:effectLst>
+                <a:latin typeface="Consolas" panose="020B0609020204030204" pitchFamily="49" charset="0"/>
+                <a:ea typeface="微軟正黑體" panose="020B0604030504040204" pitchFamily="34" charset="-120"/>
+                <a:cs typeface="Heiti TC Light"/>
+              </a:rPr>
+              <a:t>conda</a:t>
+            </a:r>
+            <a:r>
+              <a:rPr kumimoji="1" lang="en-US" altLang="zh-TW" sz="2400" dirty="0">
+                <a:solidFill>
+                  <a:srgbClr val="00B050"/>
+                </a:solidFill>
+                <a:effectLst>
+                  <a:outerShdw blurRad="38100" dist="38100" dir="2700000" algn="tl">
+                    <a:srgbClr val="000000">
+                      <a:alpha val="43137"/>
+                    </a:srgbClr>
+                  </a:outerShdw>
+                </a:effectLst>
+                <a:latin typeface="Consolas" panose="020B0609020204030204" pitchFamily="49" charset="0"/>
+                <a:ea typeface="微軟正黑體" panose="020B0604030504040204" pitchFamily="34" charset="-120"/>
+                <a:cs typeface="Heiti TC Light"/>
+              </a:rPr>
+              <a:t> activate </a:t>
+            </a:r>
+            <a:r>
+              <a:rPr kumimoji="1" lang="en-US" altLang="zh-TW" sz="2400" dirty="0" err="1">
+                <a:solidFill>
+                  <a:srgbClr val="00B050"/>
+                </a:solidFill>
+                <a:effectLst>
+                  <a:outerShdw blurRad="38100" dist="38100" dir="2700000" algn="tl">
+                    <a:srgbClr val="000000">
+                      <a:alpha val="43137"/>
+                    </a:srgbClr>
+                  </a:outerShdw>
+                </a:effectLst>
+                <a:latin typeface="Consolas" panose="020B0609020204030204" pitchFamily="49" charset="0"/>
+                <a:ea typeface="微軟正黑體" panose="020B0604030504040204" pitchFamily="34" charset="-120"/>
+                <a:cs typeface="Heiti TC Light"/>
+              </a:rPr>
+              <a:t>linebot</a:t>
+            </a:r>
+            <a:endParaRPr kumimoji="1" lang="en-US" altLang="zh-TW" sz="2400" dirty="0">
+              <a:solidFill>
+                <a:srgbClr val="00B050"/>
+              </a:solidFill>
+              <a:effectLst>
+                <a:outerShdw blurRad="38100" dist="38100" dir="2700000" algn="tl">
+                  <a:srgbClr val="000000">
+                    <a:alpha val="43137"/>
+                  </a:srgbClr>
+                </a:outerShdw>
+              </a:effectLst>
+              <a:latin typeface="Consolas" panose="020B0609020204030204" pitchFamily="49" charset="0"/>
+              <a:ea typeface="微軟正黑體" panose="020B0604030504040204" pitchFamily="34" charset="-120"/>
+              <a:cs typeface="Heiti TC Light"/>
+            </a:endParaRPr>
+          </a:p>
+          <a:p>
+            <a:r>
+              <a:rPr kumimoji="1" lang="en-US" altLang="zh-TW" sz="2400" dirty="0" err="1">
+                <a:solidFill>
+                  <a:srgbClr val="00B050"/>
+                </a:solidFill>
+                <a:effectLst>
+                  <a:outerShdw blurRad="38100" dist="38100" dir="2700000" algn="tl">
+                    <a:srgbClr val="000000">
+                      <a:alpha val="43137"/>
+                    </a:srgbClr>
+                  </a:outerShdw>
+                </a:effectLst>
+                <a:latin typeface="Consolas" panose="020B0609020204030204" pitchFamily="49" charset="0"/>
+                <a:ea typeface="微軟正黑體" panose="020B0604030504040204" pitchFamily="34" charset="-120"/>
+                <a:cs typeface="Heiti TC Light"/>
+              </a:rPr>
+              <a:t>conda</a:t>
+            </a:r>
+            <a:r>
+              <a:rPr kumimoji="1" lang="en-US" altLang="zh-TW" sz="2400" dirty="0">
+                <a:solidFill>
+                  <a:srgbClr val="00B050"/>
+                </a:solidFill>
+                <a:effectLst>
+                  <a:outerShdw blurRad="38100" dist="38100" dir="2700000" algn="tl">
+                    <a:srgbClr val="000000">
+                      <a:alpha val="43137"/>
+                    </a:srgbClr>
+                  </a:outerShdw>
+                </a:effectLst>
+                <a:latin typeface="Consolas" panose="020B0609020204030204" pitchFamily="49" charset="0"/>
+                <a:ea typeface="微軟正黑體" panose="020B0604030504040204" pitchFamily="34" charset="-120"/>
+                <a:cs typeface="Heiti TC Light"/>
+              </a:rPr>
+              <a:t> env config vars set &lt;</a:t>
+            </a:r>
+            <a:r>
+              <a:rPr kumimoji="1" lang="zh-TW" altLang="en-US" sz="2400" dirty="0">
+                <a:solidFill>
+                  <a:srgbClr val="00B050"/>
+                </a:solidFill>
+                <a:effectLst>
+                  <a:outerShdw blurRad="38100" dist="38100" dir="2700000" algn="tl">
+                    <a:srgbClr val="000000">
+                      <a:alpha val="43137"/>
+                    </a:srgbClr>
+                  </a:outerShdw>
+                </a:effectLst>
+                <a:latin typeface="Consolas" panose="020B0609020204030204" pitchFamily="49" charset="0"/>
+                <a:ea typeface="微軟正黑體" panose="020B0604030504040204" pitchFamily="34" charset="-120"/>
+                <a:cs typeface="Heiti TC Light"/>
+              </a:rPr>
+              <a:t>要設定的變數</a:t>
+            </a:r>
+            <a:r>
+              <a:rPr kumimoji="1" lang="en-US" altLang="zh-TW" sz="2400" dirty="0">
+                <a:solidFill>
+                  <a:srgbClr val="00B050"/>
+                </a:solidFill>
+                <a:effectLst>
+                  <a:outerShdw blurRad="38100" dist="38100" dir="2700000" algn="tl">
+                    <a:srgbClr val="000000">
+                      <a:alpha val="43137"/>
+                    </a:srgbClr>
+                  </a:outerShdw>
+                </a:effectLst>
+                <a:latin typeface="Consolas" panose="020B0609020204030204" pitchFamily="49" charset="0"/>
+                <a:ea typeface="微軟正黑體" panose="020B0604030504040204" pitchFamily="34" charset="-120"/>
+                <a:cs typeface="Heiti TC Light"/>
+              </a:rPr>
+              <a:t>&gt;=&lt;</a:t>
+            </a:r>
+            <a:r>
+              <a:rPr kumimoji="1" lang="zh-TW" altLang="en-US" sz="2400" dirty="0">
+                <a:solidFill>
+                  <a:srgbClr val="00B050"/>
+                </a:solidFill>
+                <a:effectLst>
+                  <a:outerShdw blurRad="38100" dist="38100" dir="2700000" algn="tl">
+                    <a:srgbClr val="000000">
+                      <a:alpha val="43137"/>
+                    </a:srgbClr>
+                  </a:outerShdw>
+                </a:effectLst>
+                <a:latin typeface="Consolas" panose="020B0609020204030204" pitchFamily="49" charset="0"/>
+                <a:ea typeface="微軟正黑體" panose="020B0604030504040204" pitchFamily="34" charset="-120"/>
+                <a:cs typeface="Heiti TC Light"/>
+              </a:rPr>
+              <a:t>你的金鑰</a:t>
+            </a:r>
+            <a:r>
+              <a:rPr kumimoji="1" lang="en-US" altLang="zh-TW" sz="2400" dirty="0">
+                <a:solidFill>
+                  <a:srgbClr val="00B050"/>
+                </a:solidFill>
+                <a:effectLst>
+                  <a:outerShdw blurRad="38100" dist="38100" dir="2700000" algn="tl">
+                    <a:srgbClr val="000000">
+                      <a:alpha val="43137"/>
+                    </a:srgbClr>
+                  </a:outerShdw>
+                </a:effectLst>
+                <a:latin typeface="Consolas" panose="020B0609020204030204" pitchFamily="49" charset="0"/>
+                <a:ea typeface="微軟正黑體" panose="020B0604030504040204" pitchFamily="34" charset="-120"/>
+                <a:cs typeface="Heiti TC Light"/>
+              </a:rPr>
+              <a:t>&gt;</a:t>
+            </a:r>
+          </a:p>
+        </p:txBody>
+      </p:sp>
+      <p:sp>
+        <p:nvSpPr>
           <p:cNvPr id="2" name="文字版面配置區 2">
             <a:extLst>
               <a:ext uri="{FF2B5EF4-FFF2-40B4-BE49-F238E27FC236}">
@@ -38647,8 +38791,8 @@
         </p:nvSpPr>
         <p:spPr>
           <a:xfrm>
-            <a:off x="1827994" y="188728"/>
-            <a:ext cx="5488011" cy="990600"/>
+            <a:off x="843516" y="251778"/>
+            <a:ext cx="8086081" cy="990600"/>
           </a:xfrm>
           <a:prstGeom prst="rect">
             <a:avLst/>
@@ -38681,7 +38825,7 @@
                 <a:latin typeface="微軟正黑體" panose="020B0604030504040204" pitchFamily="34" charset="-120"/>
                 <a:ea typeface="微軟正黑體" panose="020B0604030504040204" pitchFamily="34" charset="-120"/>
               </a:rPr>
-              <a:t>如果是</a:t>
+              <a:t>設定</a:t>
             </a:r>
             <a:r>
               <a:rPr lang="en-US" altLang="zh-TW" sz="4000" b="1" kern="0" dirty="0">
@@ -38698,24 +38842,7 @@
                 <a:latin typeface="微軟正黑體" panose="020B0604030504040204" pitchFamily="34" charset="-120"/>
                 <a:ea typeface="微軟正黑體" panose="020B0604030504040204" pitchFamily="34" charset="-120"/>
               </a:rPr>
-              <a:t>Google </a:t>
-            </a:r>
-            <a:r>
-              <a:rPr lang="en-US" altLang="zh-TW" sz="4000" b="1" kern="0" dirty="0" err="1">
-                <a:solidFill>
-                  <a:srgbClr val="00B0F0"/>
-                </a:solidFill>
-                <a:effectLst>
-                  <a:outerShdw blurRad="38100" dist="38100" dir="2700000" algn="tl">
-                    <a:srgbClr val="000000">
-                      <a:alpha val="43137"/>
-                    </a:srgbClr>
-                  </a:outerShdw>
-                </a:effectLst>
-                <a:latin typeface="微軟正黑體" panose="020B0604030504040204" pitchFamily="34" charset="-120"/>
-                <a:ea typeface="微軟正黑體" panose="020B0604030504040204" pitchFamily="34" charset="-120"/>
-              </a:rPr>
-              <a:t>Colab</a:t>
+              <a:t>LINE Channel Access Token</a:t>
             </a:r>
             <a:endParaRPr lang="zh-TW" altLang="en-US" sz="4000" b="1" kern="0" dirty="0">
               <a:solidFill>
@@ -38739,7 +38866,7 @@
           <p:cNvPr id="6" name="圖片 5">
             <a:extLst>
               <a:ext uri="{FF2B5EF4-FFF2-40B4-BE49-F238E27FC236}">
-                <a16:creationId xmlns:a16="http://schemas.microsoft.com/office/drawing/2014/main" id="{360359E3-2068-957A-287D-F39262BB2196}"/>
+                <a16:creationId xmlns:a16="http://schemas.microsoft.com/office/drawing/2014/main" id="{B7C394F2-92B5-0D61-F110-0C6F4D0289A4}"/>
               </a:ext>
             </a:extLst>
           </p:cNvPr>
@@ -38756,8 +38883,8 @@
         </p:blipFill>
         <p:spPr>
           <a:xfrm>
-            <a:off x="320029" y="1759698"/>
-            <a:ext cx="8503942" cy="4260101"/>
+            <a:off x="0" y="3039833"/>
+            <a:ext cx="9144000" cy="1953991"/>
           </a:xfrm>
           <a:prstGeom prst="rect">
             <a:avLst/>
@@ -38767,7 +38894,7 @@
     </p:spTree>
     <p:extLst>
       <p:ext uri="{BB962C8B-B14F-4D97-AF65-F5344CB8AC3E}">
-        <p14:creationId xmlns:p14="http://schemas.microsoft.com/office/powerpoint/2010/main" val="261148238"/>
+        <p14:creationId xmlns:p14="http://schemas.microsoft.com/office/powerpoint/2010/main" val="1398163176"/>
       </p:ext>
     </p:extLst>
   </p:cSld>
@@ -38902,10 +39029,10 @@
       </p:sp>
       <p:pic>
         <p:nvPicPr>
-          <p:cNvPr id="5" name="圖片 4">
+          <p:cNvPr id="6" name="圖片 5">
             <a:extLst>
               <a:ext uri="{FF2B5EF4-FFF2-40B4-BE49-F238E27FC236}">
-                <a16:creationId xmlns:a16="http://schemas.microsoft.com/office/drawing/2014/main" id="{28710C28-DC1F-4C01-1D3B-78FC8B407180}"/>
+                <a16:creationId xmlns:a16="http://schemas.microsoft.com/office/drawing/2014/main" id="{360359E3-2068-957A-287D-F39262BB2196}"/>
               </a:ext>
             </a:extLst>
           </p:cNvPr>
@@ -38922,8 +39049,8 @@
         </p:blipFill>
         <p:spPr>
           <a:xfrm>
-            <a:off x="511941" y="1478467"/>
-            <a:ext cx="7744907" cy="4831897"/>
+            <a:off x="320029" y="1759698"/>
+            <a:ext cx="8503942" cy="4260101"/>
           </a:xfrm>
           <a:prstGeom prst="rect">
             <a:avLst/>
@@ -38933,7 +39060,7 @@
     </p:spTree>
     <p:extLst>
       <p:ext uri="{BB962C8B-B14F-4D97-AF65-F5344CB8AC3E}">
-        <p14:creationId xmlns:p14="http://schemas.microsoft.com/office/powerpoint/2010/main" val="2009663404"/>
+        <p14:creationId xmlns:p14="http://schemas.microsoft.com/office/powerpoint/2010/main" val="261148238"/>
       </p:ext>
     </p:extLst>
   </p:cSld>
@@ -39082,6 +39209,172 @@
 </file>
 
 <file path=ppt/slides/slide60.xml><?xml version="1.0" encoding="utf-8"?>
+<p:sld xmlns:a="http://schemas.openxmlformats.org/drawingml/2006/main" xmlns:r="http://schemas.openxmlformats.org/officeDocument/2006/relationships" xmlns:p="http://schemas.openxmlformats.org/presentationml/2006/main">
+  <p:cSld>
+    <p:spTree>
+      <p:nvGrpSpPr>
+        <p:cNvPr id="1" name=""/>
+        <p:cNvGrpSpPr/>
+        <p:nvPr/>
+      </p:nvGrpSpPr>
+      <p:grpSpPr>
+        <a:xfrm>
+          <a:off x="0" y="0"/>
+          <a:ext cx="0" cy="0"/>
+          <a:chOff x="0" y="0"/>
+          <a:chExt cx="0" cy="0"/>
+        </a:xfrm>
+      </p:grpSpPr>
+      <p:sp>
+        <p:nvSpPr>
+          <p:cNvPr id="2" name="文字版面配置區 2">
+            <a:extLst>
+              <a:ext uri="{FF2B5EF4-FFF2-40B4-BE49-F238E27FC236}">
+                <a16:creationId xmlns:a16="http://schemas.microsoft.com/office/drawing/2014/main" id="{DB2FAA46-9B2A-DC8E-8996-377E71D9CC5C}"/>
+              </a:ext>
+            </a:extLst>
+          </p:cNvPr>
+          <p:cNvSpPr txBox="1">
+            <a:spLocks/>
+          </p:cNvSpPr>
+          <p:nvPr/>
+        </p:nvSpPr>
+        <p:spPr>
+          <a:xfrm>
+            <a:off x="1827994" y="188728"/>
+            <a:ext cx="5488011" cy="990600"/>
+          </a:xfrm>
+          <a:prstGeom prst="rect">
+            <a:avLst/>
+          </a:prstGeom>
+        </p:spPr>
+        <p:txBody>
+          <a:bodyPr tIns="91440" bIns="91440" anchor="b" anchorCtr="0">
+            <a:noAutofit/>
+          </a:bodyPr>
+          <a:lstStyle/>
+          <a:p>
+            <a:pPr algn="just">
+              <a:spcBef>
+                <a:spcPct val="20000"/>
+              </a:spcBef>
+              <a:defRPr/>
+            </a:pPr>
+            <a:r>
+              <a:rPr lang="zh-TW" altLang="en-US" sz="4000" b="1" kern="0" dirty="0">
+                <a:solidFill>
+                  <a:srgbClr val="00B0F0"/>
+                </a:solidFill>
+                <a:effectLst>
+                  <a:outerShdw blurRad="38100" dist="38100" dir="2700000" algn="tl">
+                    <a:srgbClr val="000000">
+                      <a:alpha val="43137"/>
+                    </a:srgbClr>
+                  </a:outerShdw>
+                </a:effectLst>
+                <a:latin typeface="微軟正黑體" panose="020B0604030504040204" pitchFamily="34" charset="-120"/>
+                <a:ea typeface="微軟正黑體" panose="020B0604030504040204" pitchFamily="34" charset="-120"/>
+              </a:rPr>
+              <a:t>如果是</a:t>
+            </a:r>
+            <a:r>
+              <a:rPr lang="en-US" altLang="zh-TW" sz="4000" b="1" kern="0" dirty="0">
+                <a:solidFill>
+                  <a:srgbClr val="00B0F0"/>
+                </a:solidFill>
+                <a:effectLst>
+                  <a:outerShdw blurRad="38100" dist="38100" dir="2700000" algn="tl">
+                    <a:srgbClr val="000000">
+                      <a:alpha val="43137"/>
+                    </a:srgbClr>
+                  </a:outerShdw>
+                </a:effectLst>
+                <a:latin typeface="微軟正黑體" panose="020B0604030504040204" pitchFamily="34" charset="-120"/>
+                <a:ea typeface="微軟正黑體" panose="020B0604030504040204" pitchFamily="34" charset="-120"/>
+              </a:rPr>
+              <a:t>Google </a:t>
+            </a:r>
+            <a:r>
+              <a:rPr lang="en-US" altLang="zh-TW" sz="4000" b="1" kern="0" dirty="0" err="1">
+                <a:solidFill>
+                  <a:srgbClr val="00B0F0"/>
+                </a:solidFill>
+                <a:effectLst>
+                  <a:outerShdw blurRad="38100" dist="38100" dir="2700000" algn="tl">
+                    <a:srgbClr val="000000">
+                      <a:alpha val="43137"/>
+                    </a:srgbClr>
+                  </a:outerShdw>
+                </a:effectLst>
+                <a:latin typeface="微軟正黑體" panose="020B0604030504040204" pitchFamily="34" charset="-120"/>
+                <a:ea typeface="微軟正黑體" panose="020B0604030504040204" pitchFamily="34" charset="-120"/>
+              </a:rPr>
+              <a:t>Colab</a:t>
+            </a:r>
+            <a:endParaRPr lang="zh-TW" altLang="en-US" sz="4000" b="1" kern="0" dirty="0">
+              <a:solidFill>
+                <a:srgbClr val="00B0F0"/>
+              </a:solidFill>
+              <a:effectLst>
+                <a:outerShdw blurRad="38100" dist="38100" dir="2700000" algn="tl">
+                  <a:srgbClr val="000000">
+                    <a:alpha val="43137"/>
+                  </a:srgbClr>
+                </a:outerShdw>
+              </a:effectLst>
+              <a:latin typeface="微軟正黑體" panose="020B0604030504040204" pitchFamily="34" charset="-120"/>
+              <a:ea typeface="微軟正黑體" panose="020B0604030504040204" pitchFamily="34" charset="-120"/>
+            </a:endParaRPr>
+          </a:p>
+        </p:txBody>
+      </p:sp>
+      <p:pic>
+        <p:nvPicPr>
+          <p:cNvPr id="5" name="圖片 4">
+            <a:extLst>
+              <a:ext uri="{FF2B5EF4-FFF2-40B4-BE49-F238E27FC236}">
+                <a16:creationId xmlns:a16="http://schemas.microsoft.com/office/drawing/2014/main" id="{28710C28-DC1F-4C01-1D3B-78FC8B407180}"/>
+              </a:ext>
+            </a:extLst>
+          </p:cNvPr>
+          <p:cNvPicPr>
+            <a:picLocks noChangeAspect="1"/>
+          </p:cNvPicPr>
+          <p:nvPr/>
+        </p:nvPicPr>
+        <p:blipFill>
+          <a:blip r:embed="rId2"/>
+          <a:stretch>
+            <a:fillRect/>
+          </a:stretch>
+        </p:blipFill>
+        <p:spPr>
+          <a:xfrm>
+            <a:off x="511941" y="1478467"/>
+            <a:ext cx="7744907" cy="4831897"/>
+          </a:xfrm>
+          <a:prstGeom prst="rect">
+            <a:avLst/>
+          </a:prstGeom>
+        </p:spPr>
+      </p:pic>
+    </p:spTree>
+    <p:extLst>
+      <p:ext uri="{BB962C8B-B14F-4D97-AF65-F5344CB8AC3E}">
+        <p14:creationId xmlns:p14="http://schemas.microsoft.com/office/powerpoint/2010/main" val="2009663404"/>
+      </p:ext>
+    </p:extLst>
+  </p:cSld>
+  <p:clrMapOvr>
+    <a:masterClrMapping/>
+  </p:clrMapOvr>
+  <p:transition>
+    <p:fade/>
+  </p:transition>
+</p:sld>
+</file>
+
+<file path=ppt/slides/slide61.xml><?xml version="1.0" encoding="utf-8"?>
 <p:sld xmlns:a="http://schemas.openxmlformats.org/drawingml/2006/main" xmlns:r="http://schemas.openxmlformats.org/officeDocument/2006/relationships" xmlns:p="http://schemas.openxmlformats.org/presentationml/2006/main">
   <p:cSld>
     <p:spTree>
